--- a/Java Collections.pptx
+++ b/Java Collections.pptx
@@ -1,31 +1,461 @@
 
 <file path=ppt/presentation.xml><?xml version="1.0" encoding="utf-8"?>
-<p:presentation xmlns:a="http://schemas.openxmlformats.org/drawingml/2006/main" xmlns:p="http://schemas.openxmlformats.org/presentationml/2006/main" xmlns:r="http://schemas.openxmlformats.org/officeDocument/2006/relationships" xmlns:p14="http://schemas.microsoft.com/office/powerpoint/2010/main" xmlns:p15="http://schemas.microsoft.com/office/powerpoint/2012/main" xmlns:mc="http://schemas.openxmlformats.org/markup-compatibility/2006">
+<p:presentation xmlns:a="http://schemas.openxmlformats.org/drawingml/2006/main" xmlns:r="http://schemas.openxmlformats.org/officeDocument/2006/relationships" xmlns:p="http://schemas.openxmlformats.org/presentationml/2006/main" saveSubsetFonts="1">
   <p:sldMasterIdLst>
-    <p:sldMasterId id="2147483648" r:id="rId2"/>
-    <p:sldMasterId id="2147483661" r:id="rId3"/>
+    <p:sldMasterId id="2147483648" r:id="rId1"/>
+    <p:sldMasterId id="2147483661" r:id="rId2"/>
   </p:sldMasterIdLst>
   <p:notesMasterIdLst>
-    <p:notesMasterId r:id="rId4"/>
+    <p:notesMasterId r:id="rId12"/>
   </p:notesMasterIdLst>
   <p:sldIdLst>
-    <p:sldId id="256" r:id="rId5"/>
-    <p:sldId id="257" r:id="rId6"/>
-    <p:sldId id="258" r:id="rId7"/>
-    <p:sldId id="259" r:id="rId8"/>
-    <p:sldId id="260" r:id="rId9"/>
-    <p:sldId id="261" r:id="rId10"/>
-    <p:sldId id="262" r:id="rId11"/>
-    <p:sldId id="263" r:id="rId12"/>
-    <p:sldId id="264" r:id="rId13"/>
+    <p:sldId id="256" r:id="rId3"/>
+    <p:sldId id="257" r:id="rId4"/>
+    <p:sldId id="258" r:id="rId5"/>
+    <p:sldId id="259" r:id="rId6"/>
+    <p:sldId id="260" r:id="rId7"/>
+    <p:sldId id="261" r:id="rId8"/>
+    <p:sldId id="262" r:id="rId9"/>
+    <p:sldId id="263" r:id="rId10"/>
+    <p:sldId id="264" r:id="rId11"/>
   </p:sldIdLst>
-  <p:sldSz cx="9144000" cy="6858000"/>
+  <p:sldSz cx="9144000" cy="6858000" type="screen4x3"/>
   <p:notesSz cx="6858000" cy="9144000"/>
+  <p:defaultTextStyle>
+    <a:defPPr>
+      <a:defRPr lang="en-US"/>
+    </a:defPPr>
+    <a:lvl1pPr marL="0" algn="l" defTabSz="914400" rtl="0" eaLnBrk="1" latinLnBrk="0" hangingPunct="1">
+      <a:defRPr sz="1800" kern="1200">
+        <a:solidFill>
+          <a:schemeClr val="tx1"/>
+        </a:solidFill>
+        <a:latin typeface="+mn-lt"/>
+        <a:ea typeface="+mn-ea"/>
+        <a:cs typeface="+mn-cs"/>
+      </a:defRPr>
+    </a:lvl1pPr>
+    <a:lvl2pPr marL="457200" algn="l" defTabSz="914400" rtl="0" eaLnBrk="1" latinLnBrk="0" hangingPunct="1">
+      <a:defRPr sz="1800" kern="1200">
+        <a:solidFill>
+          <a:schemeClr val="tx1"/>
+        </a:solidFill>
+        <a:latin typeface="+mn-lt"/>
+        <a:ea typeface="+mn-ea"/>
+        <a:cs typeface="+mn-cs"/>
+      </a:defRPr>
+    </a:lvl2pPr>
+    <a:lvl3pPr marL="914400" algn="l" defTabSz="914400" rtl="0" eaLnBrk="1" latinLnBrk="0" hangingPunct="1">
+      <a:defRPr sz="1800" kern="1200">
+        <a:solidFill>
+          <a:schemeClr val="tx1"/>
+        </a:solidFill>
+        <a:latin typeface="+mn-lt"/>
+        <a:ea typeface="+mn-ea"/>
+        <a:cs typeface="+mn-cs"/>
+      </a:defRPr>
+    </a:lvl3pPr>
+    <a:lvl4pPr marL="1371600" algn="l" defTabSz="914400" rtl="0" eaLnBrk="1" latinLnBrk="0" hangingPunct="1">
+      <a:defRPr sz="1800" kern="1200">
+        <a:solidFill>
+          <a:schemeClr val="tx1"/>
+        </a:solidFill>
+        <a:latin typeface="+mn-lt"/>
+        <a:ea typeface="+mn-ea"/>
+        <a:cs typeface="+mn-cs"/>
+      </a:defRPr>
+    </a:lvl4pPr>
+    <a:lvl5pPr marL="1828800" algn="l" defTabSz="914400" rtl="0" eaLnBrk="1" latinLnBrk="0" hangingPunct="1">
+      <a:defRPr sz="1800" kern="1200">
+        <a:solidFill>
+          <a:schemeClr val="tx1"/>
+        </a:solidFill>
+        <a:latin typeface="+mn-lt"/>
+        <a:ea typeface="+mn-ea"/>
+        <a:cs typeface="+mn-cs"/>
+      </a:defRPr>
+    </a:lvl5pPr>
+    <a:lvl6pPr marL="2286000" algn="l" defTabSz="914400" rtl="0" eaLnBrk="1" latinLnBrk="0" hangingPunct="1">
+      <a:defRPr sz="1800" kern="1200">
+        <a:solidFill>
+          <a:schemeClr val="tx1"/>
+        </a:solidFill>
+        <a:latin typeface="+mn-lt"/>
+        <a:ea typeface="+mn-ea"/>
+        <a:cs typeface="+mn-cs"/>
+      </a:defRPr>
+    </a:lvl6pPr>
+    <a:lvl7pPr marL="2743200" algn="l" defTabSz="914400" rtl="0" eaLnBrk="1" latinLnBrk="0" hangingPunct="1">
+      <a:defRPr sz="1800" kern="1200">
+        <a:solidFill>
+          <a:schemeClr val="tx1"/>
+        </a:solidFill>
+        <a:latin typeface="+mn-lt"/>
+        <a:ea typeface="+mn-ea"/>
+        <a:cs typeface="+mn-cs"/>
+      </a:defRPr>
+    </a:lvl7pPr>
+    <a:lvl8pPr marL="3200400" algn="l" defTabSz="914400" rtl="0" eaLnBrk="1" latinLnBrk="0" hangingPunct="1">
+      <a:defRPr sz="1800" kern="1200">
+        <a:solidFill>
+          <a:schemeClr val="tx1"/>
+        </a:solidFill>
+        <a:latin typeface="+mn-lt"/>
+        <a:ea typeface="+mn-ea"/>
+        <a:cs typeface="+mn-cs"/>
+      </a:defRPr>
+    </a:lvl8pPr>
+    <a:lvl9pPr marL="3657600" algn="l" defTabSz="914400" rtl="0" eaLnBrk="1" latinLnBrk="0" hangingPunct="1">
+      <a:defRPr sz="1800" kern="1200">
+        <a:solidFill>
+          <a:schemeClr val="tx1"/>
+        </a:solidFill>
+        <a:latin typeface="+mn-lt"/>
+        <a:ea typeface="+mn-ea"/>
+        <a:cs typeface="+mn-cs"/>
+      </a:defRPr>
+    </a:lvl9pPr>
+  </p:defaultTextStyle>
 </p:presentation>
 </file>
 
 <file path=ppt/notesMasters/notesMaster1.xml><?xml version="1.0" encoding="utf-8"?>
-<p:notesMaster xmlns:a="http://schemas.openxmlformats.org/drawingml/2006/main" xmlns:p="http://schemas.openxmlformats.org/presentationml/2006/main" xmlns:r="http://schemas.openxmlformats.org/officeDocument/2006/relationships" xmlns:p14="http://schemas.microsoft.com/office/powerpoint/2010/main" xmlns:p15="http://schemas.microsoft.com/office/powerpoint/2012/main" xmlns:mc="http://schemas.openxmlformats.org/markup-compatibility/2006">
+<p:notesMaster xmlns:a="http://schemas.openxmlformats.org/drawingml/2006/main" xmlns:r="http://schemas.openxmlformats.org/officeDocument/2006/relationships" xmlns:p="http://schemas.openxmlformats.org/presentationml/2006/main">
+  <p:cSld>
+    <p:bg>
+      <p:bgRef idx="1001">
+        <a:schemeClr val="bg1"/>
+      </p:bgRef>
+    </p:bg>
+    <p:spTree>
+      <p:nvGrpSpPr>
+        <p:cNvPr id="1" name=""/>
+        <p:cNvGrpSpPr/>
+        <p:nvPr/>
+      </p:nvGrpSpPr>
+      <p:grpSpPr>
+        <a:xfrm>
+          <a:off x="0" y="0"/>
+          <a:ext cx="0" cy="0"/>
+          <a:chOff x="0" y="0"/>
+          <a:chExt cx="0" cy="0"/>
+        </a:xfrm>
+      </p:grpSpPr>
+      <p:sp>
+        <p:nvSpPr>
+          <p:cNvPr id="80" name="PlaceHolder 1"/>
+          <p:cNvSpPr>
+            <a:spLocks noGrp="1" noRot="1" noChangeAspect="1"/>
+          </p:cNvSpPr>
+          <p:nvPr>
+            <p:ph type="sldImg"/>
+          </p:nvPr>
+        </p:nvSpPr>
+        <p:spPr>
+          <a:xfrm>
+            <a:off x="216000" y="812520"/>
+            <a:ext cx="7127280" cy="4008960"/>
+          </a:xfrm>
+          <a:prstGeom prst="rect">
+            <a:avLst/>
+          </a:prstGeom>
+        </p:spPr>
+        <p:txBody>
+          <a:bodyPr lIns="0" tIns="0" rIns="0" bIns="0" anchor="ctr">
+            <a:noAutofit/>
+          </a:bodyPr>
+          <a:lstStyle/>
+          <a:p>
+            <a:pPr algn="ctr"/>
+            <a:r>
+              <a:rPr lang="en-US" sz="4400" b="0" strike="noStrike" spc="-1">
+                <a:latin typeface="Arial"/>
+              </a:rPr>
+              <a:t>Click to move the slide</a:t>
+            </a:r>
+          </a:p>
+        </p:txBody>
+      </p:sp>
+      <p:sp>
+        <p:nvSpPr>
+          <p:cNvPr id="81" name="PlaceHolder 2"/>
+          <p:cNvSpPr>
+            <a:spLocks noGrp="1"/>
+          </p:cNvSpPr>
+          <p:nvPr>
+            <p:ph type="body"/>
+          </p:nvPr>
+        </p:nvSpPr>
+        <p:spPr>
+          <a:xfrm>
+            <a:off x="756000" y="5078520"/>
+            <a:ext cx="6047640" cy="4811040"/>
+          </a:xfrm>
+          <a:prstGeom prst="rect">
+            <a:avLst/>
+          </a:prstGeom>
+        </p:spPr>
+        <p:txBody>
+          <a:bodyPr lIns="0" tIns="0" rIns="0" bIns="0">
+            <a:noAutofit/>
+          </a:bodyPr>
+          <a:lstStyle/>
+          <a:p>
+            <a:r>
+              <a:rPr lang="en-US" sz="2000" b="0" strike="noStrike" spc="-1">
+                <a:latin typeface="Arial"/>
+              </a:rPr>
+              <a:t>Click to edit the notes format</a:t>
+            </a:r>
+          </a:p>
+        </p:txBody>
+      </p:sp>
+      <p:sp>
+        <p:nvSpPr>
+          <p:cNvPr id="82" name="PlaceHolder 3"/>
+          <p:cNvSpPr>
+            <a:spLocks noGrp="1"/>
+          </p:cNvSpPr>
+          <p:nvPr>
+            <p:ph type="hdr"/>
+          </p:nvPr>
+        </p:nvSpPr>
+        <p:spPr>
+          <a:xfrm>
+            <a:off x="0" y="0"/>
+            <a:ext cx="3280680" cy="534240"/>
+          </a:xfrm>
+          <a:prstGeom prst="rect">
+            <a:avLst/>
+          </a:prstGeom>
+        </p:spPr>
+        <p:txBody>
+          <a:bodyPr lIns="0" tIns="0" rIns="0" bIns="0">
+            <a:noAutofit/>
+          </a:bodyPr>
+          <a:lstStyle/>
+          <a:p>
+            <a:r>
+              <a:rPr lang="en-US" sz="1400" b="0" strike="noStrike" spc="-1">
+                <a:latin typeface="Times New Roman"/>
+              </a:rPr>
+              <a:t>&lt;header&gt;</a:t>
+            </a:r>
+          </a:p>
+        </p:txBody>
+      </p:sp>
+      <p:sp>
+        <p:nvSpPr>
+          <p:cNvPr id="83" name="PlaceHolder 4"/>
+          <p:cNvSpPr>
+            <a:spLocks noGrp="1"/>
+          </p:cNvSpPr>
+          <p:nvPr>
+            <p:ph type="dt"/>
+          </p:nvPr>
+        </p:nvSpPr>
+        <p:spPr>
+          <a:xfrm>
+            <a:off x="4278960" y="0"/>
+            <a:ext cx="3280680" cy="534240"/>
+          </a:xfrm>
+          <a:prstGeom prst="rect">
+            <a:avLst/>
+          </a:prstGeom>
+        </p:spPr>
+        <p:txBody>
+          <a:bodyPr lIns="0" tIns="0" rIns="0" bIns="0">
+            <a:noAutofit/>
+          </a:bodyPr>
+          <a:lstStyle/>
+          <a:p>
+            <a:pPr algn="r"/>
+            <a:r>
+              <a:rPr lang="en-US" sz="1400" b="0" strike="noStrike" spc="-1">
+                <a:latin typeface="Times New Roman"/>
+              </a:rPr>
+              <a:t>&lt;date/time&gt;</a:t>
+            </a:r>
+          </a:p>
+        </p:txBody>
+      </p:sp>
+      <p:sp>
+        <p:nvSpPr>
+          <p:cNvPr id="84" name="PlaceHolder 5"/>
+          <p:cNvSpPr>
+            <a:spLocks noGrp="1"/>
+          </p:cNvSpPr>
+          <p:nvPr>
+            <p:ph type="ftr"/>
+          </p:nvPr>
+        </p:nvSpPr>
+        <p:spPr>
+          <a:xfrm>
+            <a:off x="0" y="10157400"/>
+            <a:ext cx="3280680" cy="534240"/>
+          </a:xfrm>
+          <a:prstGeom prst="rect">
+            <a:avLst/>
+          </a:prstGeom>
+        </p:spPr>
+        <p:txBody>
+          <a:bodyPr lIns="0" tIns="0" rIns="0" bIns="0" anchor="b">
+            <a:noAutofit/>
+          </a:bodyPr>
+          <a:lstStyle/>
+          <a:p>
+            <a:r>
+              <a:rPr lang="en-US" sz="1400" b="0" strike="noStrike" spc="-1">
+                <a:latin typeface="Times New Roman"/>
+              </a:rPr>
+              <a:t>&lt;footer&gt;</a:t>
+            </a:r>
+          </a:p>
+        </p:txBody>
+      </p:sp>
+      <p:sp>
+        <p:nvSpPr>
+          <p:cNvPr id="85" name="PlaceHolder 6"/>
+          <p:cNvSpPr>
+            <a:spLocks noGrp="1"/>
+          </p:cNvSpPr>
+          <p:nvPr>
+            <p:ph type="sldNum"/>
+          </p:nvPr>
+        </p:nvSpPr>
+        <p:spPr>
+          <a:xfrm>
+            <a:off x="4278960" y="10157400"/>
+            <a:ext cx="3280680" cy="534240"/>
+          </a:xfrm>
+          <a:prstGeom prst="rect">
+            <a:avLst/>
+          </a:prstGeom>
+        </p:spPr>
+        <p:txBody>
+          <a:bodyPr lIns="0" tIns="0" rIns="0" bIns="0" anchor="b">
+            <a:noAutofit/>
+          </a:bodyPr>
+          <a:lstStyle/>
+          <a:p>
+            <a:pPr algn="r"/>
+            <a:fld id="{10B2DBAB-3035-4F49-AAF3-70478E4241CD}" type="slidenum">
+              <a:rPr lang="en-US" sz="1400" b="0" strike="noStrike" spc="-1">
+                <a:latin typeface="Times New Roman"/>
+              </a:rPr>
+              <a:t>‹#›</a:t>
+            </a:fld>
+            <a:endParaRPr lang="en-US" sz="1400" b="0" strike="noStrike" spc="-1">
+              <a:latin typeface="Times New Roman"/>
+            </a:endParaRPr>
+          </a:p>
+        </p:txBody>
+      </p:sp>
+    </p:spTree>
+    <p:extLst>
+      <p:ext uri="{BB962C8B-B14F-4D97-AF65-F5344CB8AC3E}">
+        <p14:creationId xmlns:p14="http://schemas.microsoft.com/office/powerpoint/2010/main" val="196180916"/>
+      </p:ext>
+    </p:extLst>
+  </p:cSld>
+  <p:clrMap bg1="lt1" tx1="dk1" bg2="lt2" tx2="dk2" accent1="accent1" accent2="accent2" accent3="accent3" accent4="accent4" accent5="accent5" accent6="accent6" hlink="hlink" folHlink="folHlink"/>
+  <p:notesStyle>
+    <a:lvl1pPr marL="0" algn="l" defTabSz="914400" rtl="0" eaLnBrk="1" latinLnBrk="0" hangingPunct="1">
+      <a:defRPr sz="1200" kern="1200">
+        <a:solidFill>
+          <a:schemeClr val="tx1"/>
+        </a:solidFill>
+        <a:latin typeface="+mn-lt"/>
+        <a:ea typeface="+mn-ea"/>
+        <a:cs typeface="+mn-cs"/>
+      </a:defRPr>
+    </a:lvl1pPr>
+    <a:lvl2pPr marL="457200" algn="l" defTabSz="914400" rtl="0" eaLnBrk="1" latinLnBrk="0" hangingPunct="1">
+      <a:defRPr sz="1200" kern="1200">
+        <a:solidFill>
+          <a:schemeClr val="tx1"/>
+        </a:solidFill>
+        <a:latin typeface="+mn-lt"/>
+        <a:ea typeface="+mn-ea"/>
+        <a:cs typeface="+mn-cs"/>
+      </a:defRPr>
+    </a:lvl2pPr>
+    <a:lvl3pPr marL="914400" algn="l" defTabSz="914400" rtl="0" eaLnBrk="1" latinLnBrk="0" hangingPunct="1">
+      <a:defRPr sz="1200" kern="1200">
+        <a:solidFill>
+          <a:schemeClr val="tx1"/>
+        </a:solidFill>
+        <a:latin typeface="+mn-lt"/>
+        <a:ea typeface="+mn-ea"/>
+        <a:cs typeface="+mn-cs"/>
+      </a:defRPr>
+    </a:lvl3pPr>
+    <a:lvl4pPr marL="1371600" algn="l" defTabSz="914400" rtl="0" eaLnBrk="1" latinLnBrk="0" hangingPunct="1">
+      <a:defRPr sz="1200" kern="1200">
+        <a:solidFill>
+          <a:schemeClr val="tx1"/>
+        </a:solidFill>
+        <a:latin typeface="+mn-lt"/>
+        <a:ea typeface="+mn-ea"/>
+        <a:cs typeface="+mn-cs"/>
+      </a:defRPr>
+    </a:lvl4pPr>
+    <a:lvl5pPr marL="1828800" algn="l" defTabSz="914400" rtl="0" eaLnBrk="1" latinLnBrk="0" hangingPunct="1">
+      <a:defRPr sz="1200" kern="1200">
+        <a:solidFill>
+          <a:schemeClr val="tx1"/>
+        </a:solidFill>
+        <a:latin typeface="+mn-lt"/>
+        <a:ea typeface="+mn-ea"/>
+        <a:cs typeface="+mn-cs"/>
+      </a:defRPr>
+    </a:lvl5pPr>
+    <a:lvl6pPr marL="2286000" algn="l" defTabSz="914400" rtl="0" eaLnBrk="1" latinLnBrk="0" hangingPunct="1">
+      <a:defRPr sz="1200" kern="1200">
+        <a:solidFill>
+          <a:schemeClr val="tx1"/>
+        </a:solidFill>
+        <a:latin typeface="+mn-lt"/>
+        <a:ea typeface="+mn-ea"/>
+        <a:cs typeface="+mn-cs"/>
+      </a:defRPr>
+    </a:lvl6pPr>
+    <a:lvl7pPr marL="2743200" algn="l" defTabSz="914400" rtl="0" eaLnBrk="1" latinLnBrk="0" hangingPunct="1">
+      <a:defRPr sz="1200" kern="1200">
+        <a:solidFill>
+          <a:schemeClr val="tx1"/>
+        </a:solidFill>
+        <a:latin typeface="+mn-lt"/>
+        <a:ea typeface="+mn-ea"/>
+        <a:cs typeface="+mn-cs"/>
+      </a:defRPr>
+    </a:lvl7pPr>
+    <a:lvl8pPr marL="3200400" algn="l" defTabSz="914400" rtl="0" eaLnBrk="1" latinLnBrk="0" hangingPunct="1">
+      <a:defRPr sz="1200" kern="1200">
+        <a:solidFill>
+          <a:schemeClr val="tx1"/>
+        </a:solidFill>
+        <a:latin typeface="+mn-lt"/>
+        <a:ea typeface="+mn-ea"/>
+        <a:cs typeface="+mn-cs"/>
+      </a:defRPr>
+    </a:lvl8pPr>
+    <a:lvl9pPr marL="3657600" algn="l" defTabSz="914400" rtl="0" eaLnBrk="1" latinLnBrk="0" hangingPunct="1">
+      <a:defRPr sz="1200" kern="1200">
+        <a:solidFill>
+          <a:schemeClr val="tx1"/>
+        </a:solidFill>
+        <a:latin typeface="+mn-lt"/>
+        <a:ea typeface="+mn-ea"/>
+        <a:cs typeface="+mn-cs"/>
+      </a:defRPr>
+    </a:lvl9pPr>
+  </p:notesStyle>
+</p:notesMaster>
+</file>
+
+<file path=ppt/notesSlides/notesSlide1.xml><?xml version="1.0" encoding="utf-8"?>
+<p:notes xmlns:a="http://schemas.openxmlformats.org/drawingml/2006/main" xmlns:r="http://schemas.openxmlformats.org/officeDocument/2006/relationships" xmlns:p="http://schemas.openxmlformats.org/presentationml/2006/main">
   <p:cSld>
     <p:spTree>
       <p:nvGrpSpPr>
@@ -43,231 +473,128 @@
       </p:grpSpPr>
       <p:sp>
         <p:nvSpPr>
-          <p:cNvPr id="80" name="PlaceHolder 1"/>
+          <p:cNvPr id="112" name="PlaceHolder 1"/>
+          <p:cNvSpPr>
+            <a:spLocks noGrp="1" noRot="1" noChangeAspect="1"/>
+          </p:cNvSpPr>
+          <p:nvPr>
+            <p:ph type="sldImg"/>
+          </p:nvPr>
+        </p:nvSpPr>
+        <p:spPr>
+          <a:xfrm>
+            <a:off x="1143000" y="685800"/>
+            <a:ext cx="4571280" cy="3428280"/>
+          </a:xfrm>
+          <a:prstGeom prst="rect">
+            <a:avLst/>
+          </a:prstGeom>
+        </p:spPr>
+      </p:sp>
+      <p:sp>
+        <p:nvSpPr>
+          <p:cNvPr id="113" name="PlaceHolder 2"/>
           <p:cNvSpPr>
             <a:spLocks noGrp="1"/>
           </p:cNvSpPr>
           <p:nvPr>
-            <p:ph type="sldImg"/>
-          </p:nvPr>
-        </p:nvSpPr>
-        <p:spPr>
-          <a:xfrm>
-            <a:off x="216000" y="812520"/>
-            <a:ext cx="7127280" cy="4008960"/>
-          </a:xfrm>
-          <a:prstGeom prst="rect">
-            <a:avLst/>
-          </a:prstGeom>
-        </p:spPr>
-        <p:txBody>
-          <a:bodyPr lIns="0" rIns="0" tIns="0" bIns="0" anchor="ctr">
+            <p:ph type="body"/>
+          </p:nvPr>
+        </p:nvSpPr>
+        <p:spPr>
+          <a:xfrm>
+            <a:off x="685800" y="4343400"/>
+            <a:ext cx="5485680" cy="4114080"/>
+          </a:xfrm>
+          <a:prstGeom prst="rect">
+            <a:avLst/>
+          </a:prstGeom>
+        </p:spPr>
+        <p:txBody>
+          <a:bodyPr lIns="0" tIns="0" rIns="0" bIns="0">
             <a:noAutofit/>
           </a:bodyPr>
-          <a:p>
-            <a:pPr algn="ctr"/>
-            <a:r>
-              <a:rPr b="0" lang="en-US" sz="4400" spc="-1" strike="noStrike">
-                <a:latin typeface="Arial"/>
-              </a:rPr>
-              <a:t>Click to move the slide</a:t>
-            </a:r>
-            <a:endParaRPr b="0" lang="en-US" sz="4400" spc="-1" strike="noStrike">
-              <a:latin typeface="Arial"/>
-            </a:endParaRPr>
-          </a:p>
-        </p:txBody>
-      </p:sp>
-      <p:sp>
-        <p:nvSpPr>
-          <p:cNvPr id="81" name="PlaceHolder 2"/>
-          <p:cNvSpPr>
-            <a:spLocks noGrp="1"/>
-          </p:cNvSpPr>
-          <p:nvPr>
-            <p:ph type="body"/>
-          </p:nvPr>
-        </p:nvSpPr>
-        <p:spPr>
-          <a:xfrm>
-            <a:off x="756000" y="5078520"/>
-            <a:ext cx="6047640" cy="4811040"/>
-          </a:xfrm>
-          <a:prstGeom prst="rect">
-            <a:avLst/>
-          </a:prstGeom>
-        </p:spPr>
-        <p:txBody>
-          <a:bodyPr lIns="0" rIns="0" tIns="0" bIns="0">
+          <a:lstStyle/>
+          <a:p>
+            <a:endParaRPr lang="en-US" sz="2000" b="0" strike="noStrike" spc="-1">
+              <a:latin typeface="Arial"/>
+            </a:endParaRPr>
+          </a:p>
+        </p:txBody>
+      </p:sp>
+      <p:sp>
+        <p:nvSpPr>
+          <p:cNvPr id="114" name="CustomShape 3"/>
+          <p:cNvSpPr/>
+          <p:nvPr/>
+        </p:nvSpPr>
+        <p:spPr>
+          <a:xfrm>
+            <a:off x="3884760" y="8685360"/>
+            <a:ext cx="2971080" cy="456480"/>
+          </a:xfrm>
+          <a:prstGeom prst="rect">
+            <a:avLst/>
+          </a:prstGeom>
+          <a:noFill/>
+          <a:ln>
+            <a:noFill/>
+          </a:ln>
+        </p:spPr>
+        <p:style>
+          <a:lnRef idx="0">
+            <a:scrgbClr r="0" g="0" b="0"/>
+          </a:lnRef>
+          <a:fillRef idx="0">
+            <a:scrgbClr r="0" g="0" b="0"/>
+          </a:fillRef>
+          <a:effectRef idx="0">
+            <a:scrgbClr r="0" g="0" b="0"/>
+          </a:effectRef>
+          <a:fontRef idx="minor"/>
+        </p:style>
+        <p:txBody>
+          <a:bodyPr lIns="90000" tIns="45000" rIns="90000" bIns="45000" anchor="b">
             <a:noAutofit/>
           </a:bodyPr>
-          <a:p>
-            <a:r>
-              <a:rPr b="0" lang="en-US" sz="2000" spc="-1" strike="noStrike">
-                <a:latin typeface="Arial"/>
-              </a:rPr>
-              <a:t>Click to edit the notes format</a:t>
-            </a:r>
-            <a:endParaRPr b="0" lang="en-US" sz="2000" spc="-1" strike="noStrike">
-              <a:latin typeface="Arial"/>
-            </a:endParaRPr>
-          </a:p>
-        </p:txBody>
-      </p:sp>
-      <p:sp>
-        <p:nvSpPr>
-          <p:cNvPr id="82" name="PlaceHolder 3"/>
-          <p:cNvSpPr>
-            <a:spLocks noGrp="1"/>
-          </p:cNvSpPr>
-          <p:nvPr>
-            <p:ph type="hdr"/>
-          </p:nvPr>
-        </p:nvSpPr>
-        <p:spPr>
-          <a:xfrm>
-            <a:off x="0" y="0"/>
-            <a:ext cx="3280680" cy="534240"/>
-          </a:xfrm>
-          <a:prstGeom prst="rect">
-            <a:avLst/>
-          </a:prstGeom>
-        </p:spPr>
-        <p:txBody>
-          <a:bodyPr lIns="0" rIns="0" tIns="0" bIns="0">
-            <a:noAutofit/>
-          </a:bodyPr>
-          <a:p>
-            <a:r>
-              <a:rPr b="0" lang="en-US" sz="1400" spc="-1" strike="noStrike">
-                <a:latin typeface="Times New Roman"/>
-              </a:rPr>
-              <a:t>&lt;header&gt;</a:t>
-            </a:r>
-            <a:endParaRPr b="0" lang="en-US" sz="1400" spc="-1" strike="noStrike">
-              <a:latin typeface="Times New Roman"/>
-            </a:endParaRPr>
-          </a:p>
-        </p:txBody>
-      </p:sp>
-      <p:sp>
-        <p:nvSpPr>
-          <p:cNvPr id="83" name="PlaceHolder 4"/>
-          <p:cNvSpPr>
-            <a:spLocks noGrp="1"/>
-          </p:cNvSpPr>
-          <p:nvPr>
-            <p:ph type="dt"/>
-          </p:nvPr>
-        </p:nvSpPr>
-        <p:spPr>
-          <a:xfrm>
-            <a:off x="4278960" y="0"/>
-            <a:ext cx="3280680" cy="534240"/>
-          </a:xfrm>
-          <a:prstGeom prst="rect">
-            <a:avLst/>
-          </a:prstGeom>
-        </p:spPr>
-        <p:txBody>
-          <a:bodyPr lIns="0" rIns="0" tIns="0" bIns="0">
-            <a:noAutofit/>
-          </a:bodyPr>
-          <a:p>
-            <a:pPr algn="r"/>
-            <a:r>
-              <a:rPr b="0" lang="en-US" sz="1400" spc="-1" strike="noStrike">
-                <a:latin typeface="Times New Roman"/>
-              </a:rPr>
-              <a:t>&lt;date/time&gt;</a:t>
-            </a:r>
-            <a:endParaRPr b="0" lang="en-US" sz="1400" spc="-1" strike="noStrike">
-              <a:latin typeface="Times New Roman"/>
-            </a:endParaRPr>
-          </a:p>
-        </p:txBody>
-      </p:sp>
-      <p:sp>
-        <p:nvSpPr>
-          <p:cNvPr id="84" name="PlaceHolder 5"/>
-          <p:cNvSpPr>
-            <a:spLocks noGrp="1"/>
-          </p:cNvSpPr>
-          <p:nvPr>
-            <p:ph type="ftr"/>
-          </p:nvPr>
-        </p:nvSpPr>
-        <p:spPr>
-          <a:xfrm>
-            <a:off x="0" y="10157400"/>
-            <a:ext cx="3280680" cy="534240"/>
-          </a:xfrm>
-          <a:prstGeom prst="rect">
-            <a:avLst/>
-          </a:prstGeom>
-        </p:spPr>
-        <p:txBody>
-          <a:bodyPr lIns="0" rIns="0" tIns="0" bIns="0" anchor="b">
-            <a:noAutofit/>
-          </a:bodyPr>
-          <a:p>
-            <a:r>
-              <a:rPr b="0" lang="en-US" sz="1400" spc="-1" strike="noStrike">
-                <a:latin typeface="Times New Roman"/>
-              </a:rPr>
-              <a:t>&lt;footer&gt;</a:t>
-            </a:r>
-            <a:endParaRPr b="0" lang="en-US" sz="1400" spc="-1" strike="noStrike">
-              <a:latin typeface="Times New Roman"/>
-            </a:endParaRPr>
-          </a:p>
-        </p:txBody>
-      </p:sp>
-      <p:sp>
-        <p:nvSpPr>
-          <p:cNvPr id="85" name="PlaceHolder 6"/>
-          <p:cNvSpPr>
-            <a:spLocks noGrp="1"/>
-          </p:cNvSpPr>
-          <p:nvPr>
-            <p:ph type="sldNum"/>
-          </p:nvPr>
-        </p:nvSpPr>
-        <p:spPr>
-          <a:xfrm>
-            <a:off x="4278960" y="10157400"/>
-            <a:ext cx="3280680" cy="534240"/>
-          </a:xfrm>
-          <a:prstGeom prst="rect">
-            <a:avLst/>
-          </a:prstGeom>
-        </p:spPr>
-        <p:txBody>
-          <a:bodyPr lIns="0" rIns="0" tIns="0" bIns="0" anchor="b">
-            <a:noAutofit/>
-          </a:bodyPr>
-          <a:p>
-            <a:pPr algn="r"/>
-            <a:fld id="{10B2DBAB-3035-4F49-AAF3-70478E4241CD}" type="slidenum">
-              <a:rPr b="0" lang="en-US" sz="1400" spc="-1" strike="noStrike">
-                <a:latin typeface="Times New Roman"/>
-              </a:rPr>
-              <a:t>&lt;number&gt;</a:t>
+          <a:lstStyle/>
+          <a:p>
+            <a:pPr algn="r">
+              <a:lnSpc>
+                <a:spcPct val="100000"/>
+              </a:lnSpc>
+            </a:pPr>
+            <a:fld id="{49F35FAE-B498-4EB1-800D-C09108257C4E}" type="slidenum">
+              <a:rPr lang="en-US" sz="1200" b="0" strike="noStrike" spc="-1">
+                <a:solidFill>
+                  <a:srgbClr val="000000"/>
+                </a:solidFill>
+                <a:latin typeface="Calibri"/>
+                <a:ea typeface="Calibri"/>
+              </a:rPr>
+              <a:t>1</a:t>
             </a:fld>
-            <a:endParaRPr b="0" lang="en-US" sz="1400" spc="-1" strike="noStrike">
-              <a:latin typeface="Times New Roman"/>
+            <a:endParaRPr lang="en-US" sz="1200" b="0" strike="noStrike" spc="-1">
+              <a:latin typeface="Arial"/>
             </a:endParaRPr>
           </a:p>
         </p:txBody>
       </p:sp>
     </p:spTree>
+    <p:extLst>
+      <p:ext uri="{BB962C8B-B14F-4D97-AF65-F5344CB8AC3E}">
+        <p14:creationId xmlns:p14="http://schemas.microsoft.com/office/powerpoint/2010/main" val="825257067"/>
+      </p:ext>
+    </p:extLst>
   </p:cSld>
-  <p:clrMap bg1="lt1" bg2="lt2" tx1="dk1" tx2="dk2" accent1="accent1" accent2="accent2" accent3="accent3" accent4="accent4" accent5="accent5" accent6="accent6" hlink="hlink" folHlink="folHlink"/>
-</p:notesMaster>
+  <p:clrMapOvr>
+    <a:masterClrMapping/>
+  </p:clrMapOvr>
+</p:notes>
 </file>
 
-<file path=ppt/notesSlides/notesSlide1.xml><?xml version="1.0" encoding="utf-8"?>
-<p:notes xmlns:a="http://schemas.openxmlformats.org/drawingml/2006/main" xmlns:p="http://schemas.openxmlformats.org/presentationml/2006/main" xmlns:r="http://schemas.openxmlformats.org/officeDocument/2006/relationships" xmlns:p14="http://schemas.microsoft.com/office/powerpoint/2010/main" xmlns:p15="http://schemas.microsoft.com/office/powerpoint/2012/main" xmlns:mc="http://schemas.openxmlformats.org/markup-compatibility/2006">
+<file path=ppt/notesSlides/notesSlide2.xml><?xml version="1.0" encoding="utf-8"?>
+<p:notes xmlns:a="http://schemas.openxmlformats.org/drawingml/2006/main" xmlns:r="http://schemas.openxmlformats.org/officeDocument/2006/relationships" xmlns:p="http://schemas.openxmlformats.org/presentationml/2006/main">
   <p:cSld>
     <p:spTree>
       <p:nvGrpSpPr>
@@ -285,9 +612,9 @@
       </p:grpSpPr>
       <p:sp>
         <p:nvSpPr>
-          <p:cNvPr id="112" name="PlaceHolder 1"/>
-          <p:cNvSpPr>
-            <a:spLocks noGrp="1"/>
+          <p:cNvPr id="115" name="PlaceHolder 1"/>
+          <p:cNvSpPr>
+            <a:spLocks noGrp="1" noRot="1" noChangeAspect="1"/>
           </p:cNvSpPr>
           <p:nvPr>
             <p:ph type="sldImg"/>
@@ -296,16 +623,16 @@
         <p:spPr>
           <a:xfrm>
             <a:off x="1143000" y="685800"/>
-            <a:ext cx="4571280" cy="3428280"/>
-          </a:xfrm>
-          <a:prstGeom prst="rect">
-            <a:avLst/>
-          </a:prstGeom>
-        </p:spPr>
-      </p:sp>
-      <p:sp>
-        <p:nvSpPr>
-          <p:cNvPr id="113" name="PlaceHolder 2"/>
+            <a:ext cx="4572000" cy="3429000"/>
+          </a:xfrm>
+          <a:prstGeom prst="rect">
+            <a:avLst/>
+          </a:prstGeom>
+        </p:spPr>
+      </p:sp>
+      <p:sp>
+        <p:nvSpPr>
+          <p:cNvPr id="116" name="PlaceHolder 2"/>
           <p:cNvSpPr>
             <a:spLocks noGrp="1"/>
           </p:cNvSpPr>
@@ -323,19 +650,20 @@
           </a:prstGeom>
         </p:spPr>
         <p:txBody>
-          <a:bodyPr lIns="0" rIns="0" tIns="0" bIns="0">
+          <a:bodyPr lIns="0" tIns="0" rIns="0" bIns="0">
             <a:noAutofit/>
           </a:bodyPr>
-          <a:p>
-            <a:endParaRPr b="0" lang="en-US" sz="2000" spc="-1" strike="noStrike">
-              <a:latin typeface="Arial"/>
-            </a:endParaRPr>
-          </a:p>
-        </p:txBody>
-      </p:sp>
-      <p:sp>
-        <p:nvSpPr>
-          <p:cNvPr id="114" name="CustomShape 3"/>
+          <a:lstStyle/>
+          <a:p>
+            <a:endParaRPr lang="en-US" sz="2000" b="0" strike="noStrike" spc="-1">
+              <a:latin typeface="Arial"/>
+            </a:endParaRPr>
+          </a:p>
+        </p:txBody>
+      </p:sp>
+      <p:sp>
+        <p:nvSpPr>
+          <p:cNvPr id="117" name="CustomShape 3"/>
           <p:cNvSpPr/>
           <p:nvPr/>
         </p:nvSpPr>
@@ -353,44 +681,59 @@
           </a:ln>
         </p:spPr>
         <p:style>
-          <a:lnRef idx="0"/>
-          <a:fillRef idx="0"/>
-          <a:effectRef idx="0"/>
+          <a:lnRef idx="0">
+            <a:scrgbClr r="0" g="0" b="0"/>
+          </a:lnRef>
+          <a:fillRef idx="0">
+            <a:scrgbClr r="0" g="0" b="0"/>
+          </a:fillRef>
+          <a:effectRef idx="0">
+            <a:scrgbClr r="0" g="0" b="0"/>
+          </a:effectRef>
           <a:fontRef idx="minor"/>
         </p:style>
         <p:txBody>
-          <a:bodyPr lIns="90000" rIns="90000" tIns="45000" bIns="45000" anchor="b">
+          <a:bodyPr lIns="90000" tIns="45000" rIns="90000" bIns="45000" anchor="b">
             <a:noAutofit/>
           </a:bodyPr>
+          <a:lstStyle/>
           <a:p>
             <a:pPr algn="r">
               <a:lnSpc>
                 <a:spcPct val="100000"/>
               </a:lnSpc>
             </a:pPr>
-            <a:fld id="{49F35FAE-B498-4EB1-800D-C09108257C4E}" type="slidenum">
-              <a:rPr b="0" lang="en-US" sz="1200" spc="-1" strike="noStrike">
+            <a:fld id="{2F628729-D7E8-46BF-852B-8A134314323E}" type="slidenum">
+              <a:rPr lang="en-US" sz="1200" b="0" strike="noStrike" spc="-1">
                 <a:solidFill>
                   <a:srgbClr val="000000"/>
                 </a:solidFill>
                 <a:latin typeface="Calibri"/>
                 <a:ea typeface="Calibri"/>
               </a:rPr>
-              <a:t>&lt;number&gt;</a:t>
+              <a:t>2</a:t>
             </a:fld>
-            <a:endParaRPr b="0" lang="en-US" sz="1200" spc="-1" strike="noStrike">
+            <a:endParaRPr lang="en-US" sz="1200" b="0" strike="noStrike" spc="-1">
               <a:latin typeface="Arial"/>
             </a:endParaRPr>
           </a:p>
         </p:txBody>
       </p:sp>
     </p:spTree>
+    <p:extLst>
+      <p:ext uri="{BB962C8B-B14F-4D97-AF65-F5344CB8AC3E}">
+        <p14:creationId xmlns:p14="http://schemas.microsoft.com/office/powerpoint/2010/main" val="1646132743"/>
+      </p:ext>
+    </p:extLst>
   </p:cSld>
+  <p:clrMapOvr>
+    <a:masterClrMapping/>
+  </p:clrMapOvr>
 </p:notes>
 </file>
 
-<file path=ppt/notesSlides/notesSlide2.xml><?xml version="1.0" encoding="utf-8"?>
-<p:notes xmlns:a="http://schemas.openxmlformats.org/drawingml/2006/main" xmlns:p="http://schemas.openxmlformats.org/presentationml/2006/main" xmlns:r="http://schemas.openxmlformats.org/officeDocument/2006/relationships" xmlns:p14="http://schemas.microsoft.com/office/powerpoint/2010/main" xmlns:p15="http://schemas.microsoft.com/office/powerpoint/2012/main" xmlns:mc="http://schemas.openxmlformats.org/markup-compatibility/2006">
+<file path=ppt/notesSlides/notesSlide3.xml><?xml version="1.0" encoding="utf-8"?>
+<p:notes xmlns:a="http://schemas.openxmlformats.org/drawingml/2006/main" xmlns:r="http://schemas.openxmlformats.org/officeDocument/2006/relationships" xmlns:p="http://schemas.openxmlformats.org/presentationml/2006/main">
   <p:cSld>
     <p:spTree>
       <p:nvGrpSpPr>
@@ -408,9 +751,9 @@
       </p:grpSpPr>
       <p:sp>
         <p:nvSpPr>
-          <p:cNvPr id="115" name="PlaceHolder 1"/>
-          <p:cNvSpPr>
-            <a:spLocks noGrp="1"/>
+          <p:cNvPr id="118" name="PlaceHolder 1"/>
+          <p:cNvSpPr>
+            <a:spLocks noGrp="1" noRot="1" noChangeAspect="1"/>
           </p:cNvSpPr>
           <p:nvPr>
             <p:ph type="sldImg"/>
@@ -428,7 +771,7 @@
       </p:sp>
       <p:sp>
         <p:nvSpPr>
-          <p:cNvPr id="116" name="PlaceHolder 2"/>
+          <p:cNvPr id="119" name="PlaceHolder 2"/>
           <p:cNvSpPr>
             <a:spLocks noGrp="1"/>
           </p:cNvSpPr>
@@ -446,19 +789,20 @@
           </a:prstGeom>
         </p:spPr>
         <p:txBody>
-          <a:bodyPr lIns="0" rIns="0" tIns="0" bIns="0">
+          <a:bodyPr lIns="0" tIns="0" rIns="0" bIns="0">
             <a:noAutofit/>
           </a:bodyPr>
-          <a:p>
-            <a:endParaRPr b="0" lang="en-US" sz="2000" spc="-1" strike="noStrike">
-              <a:latin typeface="Arial"/>
-            </a:endParaRPr>
-          </a:p>
-        </p:txBody>
-      </p:sp>
-      <p:sp>
-        <p:nvSpPr>
-          <p:cNvPr id="117" name="CustomShape 3"/>
+          <a:lstStyle/>
+          <a:p>
+            <a:endParaRPr lang="en-US" sz="2000" b="0" strike="noStrike" spc="-1">
+              <a:latin typeface="Arial"/>
+            </a:endParaRPr>
+          </a:p>
+        </p:txBody>
+      </p:sp>
+      <p:sp>
+        <p:nvSpPr>
+          <p:cNvPr id="120" name="CustomShape 3"/>
           <p:cNvSpPr/>
           <p:nvPr/>
         </p:nvSpPr>
@@ -476,44 +820,59 @@
           </a:ln>
         </p:spPr>
         <p:style>
-          <a:lnRef idx="0"/>
-          <a:fillRef idx="0"/>
-          <a:effectRef idx="0"/>
+          <a:lnRef idx="0">
+            <a:scrgbClr r="0" g="0" b="0"/>
+          </a:lnRef>
+          <a:fillRef idx="0">
+            <a:scrgbClr r="0" g="0" b="0"/>
+          </a:fillRef>
+          <a:effectRef idx="0">
+            <a:scrgbClr r="0" g="0" b="0"/>
+          </a:effectRef>
           <a:fontRef idx="minor"/>
         </p:style>
         <p:txBody>
-          <a:bodyPr lIns="90000" rIns="90000" tIns="45000" bIns="45000" anchor="b">
+          <a:bodyPr lIns="90000" tIns="45000" rIns="90000" bIns="45000" anchor="b">
             <a:noAutofit/>
           </a:bodyPr>
+          <a:lstStyle/>
           <a:p>
             <a:pPr algn="r">
               <a:lnSpc>
                 <a:spcPct val="100000"/>
               </a:lnSpc>
             </a:pPr>
-            <a:fld id="{2F628729-D7E8-46BF-852B-8A134314323E}" type="slidenum">
-              <a:rPr b="0" lang="en-US" sz="1200" spc="-1" strike="noStrike">
+            <a:fld id="{150135B5-4DF2-4C65-A77B-729BC521F51F}" type="slidenum">
+              <a:rPr lang="en-US" sz="1200" b="0" strike="noStrike" spc="-1">
                 <a:solidFill>
                   <a:srgbClr val="000000"/>
                 </a:solidFill>
                 <a:latin typeface="Calibri"/>
                 <a:ea typeface="Calibri"/>
               </a:rPr>
-              <a:t>&lt;number&gt;</a:t>
+              <a:t>3</a:t>
             </a:fld>
-            <a:endParaRPr b="0" lang="en-US" sz="1200" spc="-1" strike="noStrike">
+            <a:endParaRPr lang="en-US" sz="1200" b="0" strike="noStrike" spc="-1">
               <a:latin typeface="Arial"/>
             </a:endParaRPr>
           </a:p>
         </p:txBody>
       </p:sp>
     </p:spTree>
+    <p:extLst>
+      <p:ext uri="{BB962C8B-B14F-4D97-AF65-F5344CB8AC3E}">
+        <p14:creationId xmlns:p14="http://schemas.microsoft.com/office/powerpoint/2010/main" val="521187300"/>
+      </p:ext>
+    </p:extLst>
   </p:cSld>
+  <p:clrMapOvr>
+    <a:masterClrMapping/>
+  </p:clrMapOvr>
 </p:notes>
 </file>
 
-<file path=ppt/notesSlides/notesSlide3.xml><?xml version="1.0" encoding="utf-8"?>
-<p:notes xmlns:a="http://schemas.openxmlformats.org/drawingml/2006/main" xmlns:p="http://schemas.openxmlformats.org/presentationml/2006/main" xmlns:r="http://schemas.openxmlformats.org/officeDocument/2006/relationships" xmlns:p14="http://schemas.microsoft.com/office/powerpoint/2010/main" xmlns:p15="http://schemas.microsoft.com/office/powerpoint/2012/main" xmlns:mc="http://schemas.openxmlformats.org/markup-compatibility/2006">
+<file path=ppt/notesSlides/notesSlide4.xml><?xml version="1.0" encoding="utf-8"?>
+<p:notes xmlns:a="http://schemas.openxmlformats.org/drawingml/2006/main" xmlns:r="http://schemas.openxmlformats.org/officeDocument/2006/relationships" xmlns:p="http://schemas.openxmlformats.org/presentationml/2006/main">
   <p:cSld>
     <p:spTree>
       <p:nvGrpSpPr>
@@ -531,9 +890,9 @@
       </p:grpSpPr>
       <p:sp>
         <p:nvSpPr>
-          <p:cNvPr id="118" name="PlaceHolder 1"/>
-          <p:cNvSpPr>
-            <a:spLocks noGrp="1"/>
+          <p:cNvPr id="121" name="PlaceHolder 1"/>
+          <p:cNvSpPr>
+            <a:spLocks noGrp="1" noRot="1" noChangeAspect="1"/>
           </p:cNvSpPr>
           <p:nvPr>
             <p:ph type="sldImg"/>
@@ -542,16 +901,16 @@
         <p:spPr>
           <a:xfrm>
             <a:off x="1143000" y="685800"/>
-            <a:ext cx="4571280" cy="3428280"/>
-          </a:xfrm>
-          <a:prstGeom prst="rect">
-            <a:avLst/>
-          </a:prstGeom>
-        </p:spPr>
-      </p:sp>
-      <p:sp>
-        <p:nvSpPr>
-          <p:cNvPr id="119" name="PlaceHolder 2"/>
+            <a:ext cx="4572000" cy="3429000"/>
+          </a:xfrm>
+          <a:prstGeom prst="rect">
+            <a:avLst/>
+          </a:prstGeom>
+        </p:spPr>
+      </p:sp>
+      <p:sp>
+        <p:nvSpPr>
+          <p:cNvPr id="122" name="PlaceHolder 2"/>
           <p:cNvSpPr>
             <a:spLocks noGrp="1"/>
           </p:cNvSpPr>
@@ -569,19 +928,20 @@
           </a:prstGeom>
         </p:spPr>
         <p:txBody>
-          <a:bodyPr lIns="0" rIns="0" tIns="0" bIns="0">
+          <a:bodyPr lIns="0" tIns="0" rIns="0" bIns="0">
             <a:noAutofit/>
           </a:bodyPr>
-          <a:p>
-            <a:endParaRPr b="0" lang="en-US" sz="2000" spc="-1" strike="noStrike">
-              <a:latin typeface="Arial"/>
-            </a:endParaRPr>
-          </a:p>
-        </p:txBody>
-      </p:sp>
-      <p:sp>
-        <p:nvSpPr>
-          <p:cNvPr id="120" name="CustomShape 3"/>
+          <a:lstStyle/>
+          <a:p>
+            <a:endParaRPr lang="en-US" sz="2000" b="0" strike="noStrike" spc="-1">
+              <a:latin typeface="Arial"/>
+            </a:endParaRPr>
+          </a:p>
+        </p:txBody>
+      </p:sp>
+      <p:sp>
+        <p:nvSpPr>
+          <p:cNvPr id="123" name="CustomShape 3"/>
           <p:cNvSpPr/>
           <p:nvPr/>
         </p:nvSpPr>
@@ -599,44 +959,59 @@
           </a:ln>
         </p:spPr>
         <p:style>
-          <a:lnRef idx="0"/>
-          <a:fillRef idx="0"/>
-          <a:effectRef idx="0"/>
+          <a:lnRef idx="0">
+            <a:scrgbClr r="0" g="0" b="0"/>
+          </a:lnRef>
+          <a:fillRef idx="0">
+            <a:scrgbClr r="0" g="0" b="0"/>
+          </a:fillRef>
+          <a:effectRef idx="0">
+            <a:scrgbClr r="0" g="0" b="0"/>
+          </a:effectRef>
           <a:fontRef idx="minor"/>
         </p:style>
         <p:txBody>
-          <a:bodyPr lIns="90000" rIns="90000" tIns="45000" bIns="45000" anchor="b">
+          <a:bodyPr lIns="90000" tIns="45000" rIns="90000" bIns="45000" anchor="b">
             <a:noAutofit/>
           </a:bodyPr>
+          <a:lstStyle/>
           <a:p>
             <a:pPr algn="r">
               <a:lnSpc>
                 <a:spcPct val="100000"/>
               </a:lnSpc>
             </a:pPr>
-            <a:fld id="{150135B5-4DF2-4C65-A77B-729BC521F51F}" type="slidenum">
-              <a:rPr b="0" lang="en-US" sz="1200" spc="-1" strike="noStrike">
+            <a:fld id="{17193E69-F5EB-415A-8E2C-F6A5AC3BC844}" type="slidenum">
+              <a:rPr lang="en-US" sz="1200" b="0" strike="noStrike" spc="-1">
                 <a:solidFill>
                   <a:srgbClr val="000000"/>
                 </a:solidFill>
                 <a:latin typeface="Calibri"/>
                 <a:ea typeface="Calibri"/>
               </a:rPr>
-              <a:t>&lt;number&gt;</a:t>
+              <a:t>4</a:t>
             </a:fld>
-            <a:endParaRPr b="0" lang="en-US" sz="1200" spc="-1" strike="noStrike">
+            <a:endParaRPr lang="en-US" sz="1200" b="0" strike="noStrike" spc="-1">
               <a:latin typeface="Arial"/>
             </a:endParaRPr>
           </a:p>
         </p:txBody>
       </p:sp>
     </p:spTree>
+    <p:extLst>
+      <p:ext uri="{BB962C8B-B14F-4D97-AF65-F5344CB8AC3E}">
+        <p14:creationId xmlns:p14="http://schemas.microsoft.com/office/powerpoint/2010/main" val="9154987"/>
+      </p:ext>
+    </p:extLst>
   </p:cSld>
+  <p:clrMapOvr>
+    <a:masterClrMapping/>
+  </p:clrMapOvr>
 </p:notes>
 </file>
 
-<file path=ppt/notesSlides/notesSlide4.xml><?xml version="1.0" encoding="utf-8"?>
-<p:notes xmlns:a="http://schemas.openxmlformats.org/drawingml/2006/main" xmlns:p="http://schemas.openxmlformats.org/presentationml/2006/main" xmlns:r="http://schemas.openxmlformats.org/officeDocument/2006/relationships" xmlns:p14="http://schemas.microsoft.com/office/powerpoint/2010/main" xmlns:p15="http://schemas.microsoft.com/office/powerpoint/2012/main" xmlns:mc="http://schemas.openxmlformats.org/markup-compatibility/2006">
+<file path=ppt/notesSlides/notesSlide5.xml><?xml version="1.0" encoding="utf-8"?>
+<p:notes xmlns:a="http://schemas.openxmlformats.org/drawingml/2006/main" xmlns:r="http://schemas.openxmlformats.org/officeDocument/2006/relationships" xmlns:p="http://schemas.openxmlformats.org/presentationml/2006/main">
   <p:cSld>
     <p:spTree>
       <p:nvGrpSpPr>
@@ -654,9 +1029,9 @@
       </p:grpSpPr>
       <p:sp>
         <p:nvSpPr>
-          <p:cNvPr id="121" name="PlaceHolder 1"/>
-          <p:cNvSpPr>
-            <a:spLocks noGrp="1"/>
+          <p:cNvPr id="124" name="PlaceHolder 1"/>
+          <p:cNvSpPr>
+            <a:spLocks noGrp="1" noRot="1" noChangeAspect="1"/>
           </p:cNvSpPr>
           <p:nvPr>
             <p:ph type="sldImg"/>
@@ -674,7 +1049,7 @@
       </p:sp>
       <p:sp>
         <p:nvSpPr>
-          <p:cNvPr id="122" name="PlaceHolder 2"/>
+          <p:cNvPr id="125" name="PlaceHolder 2"/>
           <p:cNvSpPr>
             <a:spLocks noGrp="1"/>
           </p:cNvSpPr>
@@ -692,19 +1067,20 @@
           </a:prstGeom>
         </p:spPr>
         <p:txBody>
-          <a:bodyPr lIns="0" rIns="0" tIns="0" bIns="0">
+          <a:bodyPr lIns="0" tIns="0" rIns="0" bIns="0">
             <a:noAutofit/>
           </a:bodyPr>
-          <a:p>
-            <a:endParaRPr b="0" lang="en-US" sz="2000" spc="-1" strike="noStrike">
-              <a:latin typeface="Arial"/>
-            </a:endParaRPr>
-          </a:p>
-        </p:txBody>
-      </p:sp>
-      <p:sp>
-        <p:nvSpPr>
-          <p:cNvPr id="123" name="CustomShape 3"/>
+          <a:lstStyle/>
+          <a:p>
+            <a:endParaRPr lang="en-US" sz="2000" b="0" strike="noStrike" spc="-1">
+              <a:latin typeface="Arial"/>
+            </a:endParaRPr>
+          </a:p>
+        </p:txBody>
+      </p:sp>
+      <p:sp>
+        <p:nvSpPr>
+          <p:cNvPr id="126" name="CustomShape 3"/>
           <p:cNvSpPr/>
           <p:nvPr/>
         </p:nvSpPr>
@@ -722,44 +1098,59 @@
           </a:ln>
         </p:spPr>
         <p:style>
-          <a:lnRef idx="0"/>
-          <a:fillRef idx="0"/>
-          <a:effectRef idx="0"/>
+          <a:lnRef idx="0">
+            <a:scrgbClr r="0" g="0" b="0"/>
+          </a:lnRef>
+          <a:fillRef idx="0">
+            <a:scrgbClr r="0" g="0" b="0"/>
+          </a:fillRef>
+          <a:effectRef idx="0">
+            <a:scrgbClr r="0" g="0" b="0"/>
+          </a:effectRef>
           <a:fontRef idx="minor"/>
         </p:style>
         <p:txBody>
-          <a:bodyPr lIns="90000" rIns="90000" tIns="45000" bIns="45000" anchor="b">
+          <a:bodyPr lIns="90000" tIns="45000" rIns="90000" bIns="45000" anchor="b">
             <a:noAutofit/>
           </a:bodyPr>
+          <a:lstStyle/>
           <a:p>
             <a:pPr algn="r">
               <a:lnSpc>
                 <a:spcPct val="100000"/>
               </a:lnSpc>
             </a:pPr>
-            <a:fld id="{17193E69-F5EB-415A-8E2C-F6A5AC3BC844}" type="slidenum">
-              <a:rPr b="0" lang="en-US" sz="1200" spc="-1" strike="noStrike">
+            <a:fld id="{97E651E8-0130-4E23-9A0B-174B2786F3F1}" type="slidenum">
+              <a:rPr lang="en-US" sz="1200" b="0" strike="noStrike" spc="-1">
                 <a:solidFill>
                   <a:srgbClr val="000000"/>
                 </a:solidFill>
                 <a:latin typeface="Calibri"/>
                 <a:ea typeface="Calibri"/>
               </a:rPr>
-              <a:t>&lt;number&gt;</a:t>
+              <a:t>7</a:t>
             </a:fld>
-            <a:endParaRPr b="0" lang="en-US" sz="1200" spc="-1" strike="noStrike">
+            <a:endParaRPr lang="en-US" sz="1200" b="0" strike="noStrike" spc="-1">
               <a:latin typeface="Arial"/>
             </a:endParaRPr>
           </a:p>
         </p:txBody>
       </p:sp>
     </p:spTree>
+    <p:extLst>
+      <p:ext uri="{BB962C8B-B14F-4D97-AF65-F5344CB8AC3E}">
+        <p14:creationId xmlns:p14="http://schemas.microsoft.com/office/powerpoint/2010/main" val="284615291"/>
+      </p:ext>
+    </p:extLst>
   </p:cSld>
+  <p:clrMapOvr>
+    <a:masterClrMapping/>
+  </p:clrMapOvr>
 </p:notes>
 </file>
 
-<file path=ppt/notesSlides/notesSlide7.xml><?xml version="1.0" encoding="utf-8"?>
-<p:notes xmlns:a="http://schemas.openxmlformats.org/drawingml/2006/main" xmlns:p="http://schemas.openxmlformats.org/presentationml/2006/main" xmlns:r="http://schemas.openxmlformats.org/officeDocument/2006/relationships" xmlns:p14="http://schemas.microsoft.com/office/powerpoint/2010/main" xmlns:p15="http://schemas.microsoft.com/office/powerpoint/2012/main" xmlns:mc="http://schemas.openxmlformats.org/markup-compatibility/2006">
+<file path=ppt/notesSlides/notesSlide6.xml><?xml version="1.0" encoding="utf-8"?>
+<p:notes xmlns:a="http://schemas.openxmlformats.org/drawingml/2006/main" xmlns:r="http://schemas.openxmlformats.org/officeDocument/2006/relationships" xmlns:p="http://schemas.openxmlformats.org/presentationml/2006/main">
   <p:cSld>
     <p:spTree>
       <p:nvGrpSpPr>
@@ -777,9 +1168,9 @@
       </p:grpSpPr>
       <p:sp>
         <p:nvSpPr>
-          <p:cNvPr id="124" name="PlaceHolder 1"/>
-          <p:cNvSpPr>
-            <a:spLocks noGrp="1"/>
+          <p:cNvPr id="127" name="PlaceHolder 1"/>
+          <p:cNvSpPr>
+            <a:spLocks noGrp="1" noRot="1" noChangeAspect="1"/>
           </p:cNvSpPr>
           <p:nvPr>
             <p:ph type="sldImg"/>
@@ -797,7 +1188,7 @@
       </p:sp>
       <p:sp>
         <p:nvSpPr>
-          <p:cNvPr id="125" name="PlaceHolder 2"/>
+          <p:cNvPr id="128" name="PlaceHolder 2"/>
           <p:cNvSpPr>
             <a:spLocks noGrp="1"/>
           </p:cNvSpPr>
@@ -815,19 +1206,20 @@
           </a:prstGeom>
         </p:spPr>
         <p:txBody>
-          <a:bodyPr lIns="0" rIns="0" tIns="0" bIns="0">
+          <a:bodyPr lIns="0" tIns="0" rIns="0" bIns="0">
             <a:noAutofit/>
           </a:bodyPr>
-          <a:p>
-            <a:endParaRPr b="0" lang="en-US" sz="2000" spc="-1" strike="noStrike">
-              <a:latin typeface="Arial"/>
-            </a:endParaRPr>
-          </a:p>
-        </p:txBody>
-      </p:sp>
-      <p:sp>
-        <p:nvSpPr>
-          <p:cNvPr id="126" name="CustomShape 3"/>
+          <a:lstStyle/>
+          <a:p>
+            <a:endParaRPr lang="en-US" sz="2000" b="0" strike="noStrike" spc="-1">
+              <a:latin typeface="Arial"/>
+            </a:endParaRPr>
+          </a:p>
+        </p:txBody>
+      </p:sp>
+      <p:sp>
+        <p:nvSpPr>
+          <p:cNvPr id="129" name="CustomShape 3"/>
           <p:cNvSpPr/>
           <p:nvPr/>
         </p:nvSpPr>
@@ -845,44 +1237,59 @@
           </a:ln>
         </p:spPr>
         <p:style>
-          <a:lnRef idx="0"/>
-          <a:fillRef idx="0"/>
-          <a:effectRef idx="0"/>
+          <a:lnRef idx="0">
+            <a:scrgbClr r="0" g="0" b="0"/>
+          </a:lnRef>
+          <a:fillRef idx="0">
+            <a:scrgbClr r="0" g="0" b="0"/>
+          </a:fillRef>
+          <a:effectRef idx="0">
+            <a:scrgbClr r="0" g="0" b="0"/>
+          </a:effectRef>
           <a:fontRef idx="minor"/>
         </p:style>
         <p:txBody>
-          <a:bodyPr lIns="90000" rIns="90000" tIns="45000" bIns="45000" anchor="b">
+          <a:bodyPr lIns="90000" tIns="45000" rIns="90000" bIns="45000" anchor="b">
             <a:noAutofit/>
           </a:bodyPr>
+          <a:lstStyle/>
           <a:p>
             <a:pPr algn="r">
               <a:lnSpc>
                 <a:spcPct val="100000"/>
               </a:lnSpc>
             </a:pPr>
-            <a:fld id="{97E651E8-0130-4E23-9A0B-174B2786F3F1}" type="slidenum">
-              <a:rPr b="0" lang="en-US" sz="1200" spc="-1" strike="noStrike">
+            <a:fld id="{85D9AD3D-D146-4373-83C7-23D62E79524D}" type="slidenum">
+              <a:rPr lang="en-US" sz="1200" b="0" strike="noStrike" spc="-1">
                 <a:solidFill>
                   <a:srgbClr val="000000"/>
                 </a:solidFill>
                 <a:latin typeface="Calibri"/>
                 <a:ea typeface="Calibri"/>
               </a:rPr>
-              <a:t>&lt;number&gt;</a:t>
+              <a:t>8</a:t>
             </a:fld>
-            <a:endParaRPr b="0" lang="en-US" sz="1200" spc="-1" strike="noStrike">
+            <a:endParaRPr lang="en-US" sz="1200" b="0" strike="noStrike" spc="-1">
               <a:latin typeface="Arial"/>
             </a:endParaRPr>
           </a:p>
         </p:txBody>
       </p:sp>
     </p:spTree>
+    <p:extLst>
+      <p:ext uri="{BB962C8B-B14F-4D97-AF65-F5344CB8AC3E}">
+        <p14:creationId xmlns:p14="http://schemas.microsoft.com/office/powerpoint/2010/main" val="1083113968"/>
+      </p:ext>
+    </p:extLst>
   </p:cSld>
+  <p:clrMapOvr>
+    <a:masterClrMapping/>
+  </p:clrMapOvr>
 </p:notes>
 </file>
 
-<file path=ppt/notesSlides/notesSlide8.xml><?xml version="1.0" encoding="utf-8"?>
-<p:notes xmlns:a="http://schemas.openxmlformats.org/drawingml/2006/main" xmlns:p="http://schemas.openxmlformats.org/presentationml/2006/main" xmlns:r="http://schemas.openxmlformats.org/officeDocument/2006/relationships" xmlns:p14="http://schemas.microsoft.com/office/powerpoint/2010/main" xmlns:p15="http://schemas.microsoft.com/office/powerpoint/2012/main" xmlns:mc="http://schemas.openxmlformats.org/markup-compatibility/2006">
+<file path=ppt/notesSlides/notesSlide7.xml><?xml version="1.0" encoding="utf-8"?>
+<p:notes xmlns:a="http://schemas.openxmlformats.org/drawingml/2006/main" xmlns:r="http://schemas.openxmlformats.org/officeDocument/2006/relationships" xmlns:p="http://schemas.openxmlformats.org/presentationml/2006/main">
   <p:cSld>
     <p:spTree>
       <p:nvGrpSpPr>
@@ -900,9 +1307,9 @@
       </p:grpSpPr>
       <p:sp>
         <p:nvSpPr>
-          <p:cNvPr id="127" name="PlaceHolder 1"/>
-          <p:cNvSpPr>
-            <a:spLocks noGrp="1"/>
+          <p:cNvPr id="130" name="PlaceHolder 1"/>
+          <p:cNvSpPr>
+            <a:spLocks noGrp="1" noRot="1" noChangeAspect="1"/>
           </p:cNvSpPr>
           <p:nvPr>
             <p:ph type="sldImg"/>
@@ -920,7 +1327,7 @@
       </p:sp>
       <p:sp>
         <p:nvSpPr>
-          <p:cNvPr id="128" name="PlaceHolder 2"/>
+          <p:cNvPr id="131" name="PlaceHolder 2"/>
           <p:cNvSpPr>
             <a:spLocks noGrp="1"/>
           </p:cNvSpPr>
@@ -938,19 +1345,20 @@
           </a:prstGeom>
         </p:spPr>
         <p:txBody>
-          <a:bodyPr lIns="0" rIns="0" tIns="0" bIns="0">
+          <a:bodyPr lIns="0" tIns="0" rIns="0" bIns="0">
             <a:noAutofit/>
           </a:bodyPr>
-          <a:p>
-            <a:endParaRPr b="0" lang="en-US" sz="2000" spc="-1" strike="noStrike">
-              <a:latin typeface="Arial"/>
-            </a:endParaRPr>
-          </a:p>
-        </p:txBody>
-      </p:sp>
-      <p:sp>
-        <p:nvSpPr>
-          <p:cNvPr id="129" name="CustomShape 3"/>
+          <a:lstStyle/>
+          <a:p>
+            <a:endParaRPr lang="en-US" sz="2000" b="0" strike="noStrike" spc="-1">
+              <a:latin typeface="Arial"/>
+            </a:endParaRPr>
+          </a:p>
+        </p:txBody>
+      </p:sp>
+      <p:sp>
+        <p:nvSpPr>
+          <p:cNvPr id="132" name="CustomShape 3"/>
           <p:cNvSpPr/>
           <p:nvPr/>
         </p:nvSpPr>
@@ -968,138 +1376,22 @@
           </a:ln>
         </p:spPr>
         <p:style>
-          <a:lnRef idx="0"/>
-          <a:fillRef idx="0"/>
-          <a:effectRef idx="0"/>
+          <a:lnRef idx="0">
+            <a:scrgbClr r="0" g="0" b="0"/>
+          </a:lnRef>
+          <a:fillRef idx="0">
+            <a:scrgbClr r="0" g="0" b="0"/>
+          </a:fillRef>
+          <a:effectRef idx="0">
+            <a:scrgbClr r="0" g="0" b="0"/>
+          </a:effectRef>
           <a:fontRef idx="minor"/>
         </p:style>
         <p:txBody>
-          <a:bodyPr lIns="90000" rIns="90000" tIns="45000" bIns="45000" anchor="b">
+          <a:bodyPr lIns="90000" tIns="45000" rIns="90000" bIns="45000" anchor="b">
             <a:noAutofit/>
           </a:bodyPr>
-          <a:p>
-            <a:pPr algn="r">
-              <a:lnSpc>
-                <a:spcPct val="100000"/>
-              </a:lnSpc>
-            </a:pPr>
-            <a:fld id="{85D9AD3D-D146-4373-83C7-23D62E79524D}" type="slidenum">
-              <a:rPr b="0" lang="en-US" sz="1200" spc="-1" strike="noStrike">
-                <a:solidFill>
-                  <a:srgbClr val="000000"/>
-                </a:solidFill>
-                <a:latin typeface="Calibri"/>
-                <a:ea typeface="Calibri"/>
-              </a:rPr>
-              <a:t>&lt;number&gt;</a:t>
-            </a:fld>
-            <a:endParaRPr b="0" lang="en-US" sz="1200" spc="-1" strike="noStrike">
-              <a:latin typeface="Arial"/>
-            </a:endParaRPr>
-          </a:p>
-        </p:txBody>
-      </p:sp>
-    </p:spTree>
-  </p:cSld>
-</p:notes>
-</file>
-
-<file path=ppt/notesSlides/notesSlide9.xml><?xml version="1.0" encoding="utf-8"?>
-<p:notes xmlns:a="http://schemas.openxmlformats.org/drawingml/2006/main" xmlns:p="http://schemas.openxmlformats.org/presentationml/2006/main" xmlns:r="http://schemas.openxmlformats.org/officeDocument/2006/relationships" xmlns:p14="http://schemas.microsoft.com/office/powerpoint/2010/main" xmlns:p15="http://schemas.microsoft.com/office/powerpoint/2012/main" xmlns:mc="http://schemas.openxmlformats.org/markup-compatibility/2006">
-  <p:cSld>
-    <p:spTree>
-      <p:nvGrpSpPr>
-        <p:cNvPr id="1" name=""/>
-        <p:cNvGrpSpPr/>
-        <p:nvPr/>
-      </p:nvGrpSpPr>
-      <p:grpSpPr>
-        <a:xfrm>
-          <a:off x="0" y="0"/>
-          <a:ext cx="0" cy="0"/>
-          <a:chOff x="0" y="0"/>
-          <a:chExt cx="0" cy="0"/>
-        </a:xfrm>
-      </p:grpSpPr>
-      <p:sp>
-        <p:nvSpPr>
-          <p:cNvPr id="130" name="PlaceHolder 1"/>
-          <p:cNvSpPr>
-            <a:spLocks noGrp="1"/>
-          </p:cNvSpPr>
-          <p:nvPr>
-            <p:ph type="sldImg"/>
-          </p:nvPr>
-        </p:nvSpPr>
-        <p:spPr>
-          <a:xfrm>
-            <a:off x="1143000" y="685800"/>
-            <a:ext cx="4571280" cy="3428280"/>
-          </a:xfrm>
-          <a:prstGeom prst="rect">
-            <a:avLst/>
-          </a:prstGeom>
-        </p:spPr>
-      </p:sp>
-      <p:sp>
-        <p:nvSpPr>
-          <p:cNvPr id="131" name="PlaceHolder 2"/>
-          <p:cNvSpPr>
-            <a:spLocks noGrp="1"/>
-          </p:cNvSpPr>
-          <p:nvPr>
-            <p:ph type="body"/>
-          </p:nvPr>
-        </p:nvSpPr>
-        <p:spPr>
-          <a:xfrm>
-            <a:off x="685800" y="4343400"/>
-            <a:ext cx="5485680" cy="4114080"/>
-          </a:xfrm>
-          <a:prstGeom prst="rect">
-            <a:avLst/>
-          </a:prstGeom>
-        </p:spPr>
-        <p:txBody>
-          <a:bodyPr lIns="0" rIns="0" tIns="0" bIns="0">
-            <a:noAutofit/>
-          </a:bodyPr>
-          <a:p>
-            <a:endParaRPr b="0" lang="en-US" sz="2000" spc="-1" strike="noStrike">
-              <a:latin typeface="Arial"/>
-            </a:endParaRPr>
-          </a:p>
-        </p:txBody>
-      </p:sp>
-      <p:sp>
-        <p:nvSpPr>
-          <p:cNvPr id="132" name="CustomShape 3"/>
-          <p:cNvSpPr/>
-          <p:nvPr/>
-        </p:nvSpPr>
-        <p:spPr>
-          <a:xfrm>
-            <a:off x="3884760" y="8685360"/>
-            <a:ext cx="2971080" cy="456480"/>
-          </a:xfrm>
-          <a:prstGeom prst="rect">
-            <a:avLst/>
-          </a:prstGeom>
-          <a:noFill/>
-          <a:ln>
-            <a:noFill/>
-          </a:ln>
-        </p:spPr>
-        <p:style>
-          <a:lnRef idx="0"/>
-          <a:fillRef idx="0"/>
-          <a:effectRef idx="0"/>
-          <a:fontRef idx="minor"/>
-        </p:style>
-        <p:txBody>
-          <a:bodyPr lIns="90000" rIns="90000" tIns="45000" bIns="45000" anchor="b">
-            <a:noAutofit/>
-          </a:bodyPr>
+          <a:lstStyle/>
           <a:p>
             <a:pPr algn="r">
               <a:lnSpc>
@@ -1107,28 +1399,36 @@
               </a:lnSpc>
             </a:pPr>
             <a:fld id="{7D1430E2-BE39-4EF5-8C57-960B0AA23A13}" type="slidenum">
-              <a:rPr b="0" lang="en-US" sz="1200" spc="-1" strike="noStrike">
+              <a:rPr lang="en-US" sz="1200" b="0" strike="noStrike" spc="-1">
                 <a:solidFill>
                   <a:srgbClr val="000000"/>
                 </a:solidFill>
                 <a:latin typeface="Calibri"/>
                 <a:ea typeface="Calibri"/>
               </a:rPr>
-              <a:t>&lt;number&gt;</a:t>
+              <a:t>9</a:t>
             </a:fld>
-            <a:endParaRPr b="0" lang="en-US" sz="1200" spc="-1" strike="noStrike">
+            <a:endParaRPr lang="en-US" sz="1200" b="0" strike="noStrike" spc="-1">
               <a:latin typeface="Arial"/>
             </a:endParaRPr>
           </a:p>
         </p:txBody>
       </p:sp>
     </p:spTree>
+    <p:extLst>
+      <p:ext uri="{BB962C8B-B14F-4D97-AF65-F5344CB8AC3E}">
+        <p14:creationId xmlns:p14="http://schemas.microsoft.com/office/powerpoint/2010/main" val="1825068204"/>
+      </p:ext>
+    </p:extLst>
   </p:cSld>
+  <p:clrMapOvr>
+    <a:masterClrMapping/>
+  </p:clrMapOvr>
 </p:notes>
 </file>
 
 <file path=ppt/slideLayouts/slideLayout1.xml><?xml version="1.0" encoding="utf-8"?>
-<p:sldLayout xmlns:a="http://schemas.openxmlformats.org/drawingml/2006/main" xmlns:p="http://schemas.openxmlformats.org/presentationml/2006/main" xmlns:r="http://schemas.openxmlformats.org/officeDocument/2006/relationships" xmlns:p14="http://schemas.microsoft.com/office/powerpoint/2010/main" xmlns:p15="http://schemas.microsoft.com/office/powerpoint/2012/main" xmlns:mc="http://schemas.openxmlformats.org/markup-compatibility/2006" type="blank" preserve="1">
+<p:sldLayout xmlns:a="http://schemas.openxmlformats.org/drawingml/2006/main" xmlns:r="http://schemas.openxmlformats.org/officeDocument/2006/relationships" xmlns:p="http://schemas.openxmlformats.org/presentationml/2006/main" type="blank" preserve="1">
   <p:cSld name="Blank Slide">
     <p:spTree>
       <p:nvGrpSpPr>
@@ -1146,11 +1446,14 @@
       </p:grpSpPr>
     </p:spTree>
   </p:cSld>
+  <p:clrMapOvr>
+    <a:masterClrMapping/>
+  </p:clrMapOvr>
 </p:sldLayout>
 </file>
 
 <file path=ppt/slideLayouts/slideLayout10.xml><?xml version="1.0" encoding="utf-8"?>
-<p:sldLayout xmlns:a="http://schemas.openxmlformats.org/drawingml/2006/main" xmlns:p="http://schemas.openxmlformats.org/presentationml/2006/main" xmlns:r="http://schemas.openxmlformats.org/officeDocument/2006/relationships" xmlns:p14="http://schemas.microsoft.com/office/powerpoint/2010/main" xmlns:p15="http://schemas.microsoft.com/office/powerpoint/2012/main" xmlns:mc="http://schemas.openxmlformats.org/markup-compatibility/2006" type="objOverTx" preserve="1">
+<p:sldLayout xmlns:a="http://schemas.openxmlformats.org/drawingml/2006/main" xmlns:r="http://schemas.openxmlformats.org/officeDocument/2006/relationships" xmlns:p="http://schemas.openxmlformats.org/presentationml/2006/main" type="objOverTx" preserve="1">
   <p:cSld name="Title, Content over Content">
     <p:spTree>
       <p:nvGrpSpPr>
@@ -1186,12 +1489,13 @@
           </a:prstGeom>
         </p:spPr>
         <p:txBody>
-          <a:bodyPr lIns="0" rIns="0" tIns="0" bIns="0" anchor="ctr">
+          <a:bodyPr lIns="0" tIns="0" rIns="0" bIns="0" anchor="ctr">
             <a:noAutofit/>
           </a:bodyPr>
+          <a:lstStyle/>
           <a:p>
             <a:pPr algn="ctr"/>
-            <a:endParaRPr b="0" lang="en-US" sz="4400" spc="-1" strike="noStrike">
+            <a:endParaRPr lang="en-US" sz="4400" b="0" strike="noStrike" spc="-1">
               <a:latin typeface="Arial"/>
             </a:endParaRPr>
           </a:p>
@@ -1217,11 +1521,12 @@
           </a:prstGeom>
         </p:spPr>
         <p:txBody>
-          <a:bodyPr lIns="0" rIns="0" tIns="0" bIns="0">
+          <a:bodyPr lIns="0" tIns="0" rIns="0" bIns="0">
             <a:normAutofit/>
           </a:bodyPr>
-          <a:p>
-            <a:endParaRPr b="0" lang="en-US" sz="3200" spc="-1" strike="noStrike">
+          <a:lstStyle/>
+          <a:p>
+            <a:endParaRPr lang="en-US" sz="3200" b="0" strike="noStrike" spc="-1">
               <a:latin typeface="Arial"/>
             </a:endParaRPr>
           </a:p>
@@ -1247,11 +1552,12 @@
           </a:prstGeom>
         </p:spPr>
         <p:txBody>
-          <a:bodyPr lIns="0" rIns="0" tIns="0" bIns="0">
+          <a:bodyPr lIns="0" tIns="0" rIns="0" bIns="0">
             <a:normAutofit/>
           </a:bodyPr>
-          <a:p>
-            <a:endParaRPr b="0" lang="en-US" sz="3200" spc="-1" strike="noStrike">
+          <a:lstStyle/>
+          <a:p>
+            <a:endParaRPr lang="en-US" sz="3200" b="0" strike="noStrike" spc="-1">
               <a:latin typeface="Arial"/>
             </a:endParaRPr>
           </a:p>
@@ -1259,11 +1565,14 @@
       </p:sp>
     </p:spTree>
   </p:cSld>
+  <p:clrMapOvr>
+    <a:masterClrMapping/>
+  </p:clrMapOvr>
 </p:sldLayout>
 </file>
 
 <file path=ppt/slideLayouts/slideLayout11.xml><?xml version="1.0" encoding="utf-8"?>
-<p:sldLayout xmlns:a="http://schemas.openxmlformats.org/drawingml/2006/main" xmlns:p="http://schemas.openxmlformats.org/presentationml/2006/main" xmlns:r="http://schemas.openxmlformats.org/officeDocument/2006/relationships" xmlns:p14="http://schemas.microsoft.com/office/powerpoint/2010/main" xmlns:p15="http://schemas.microsoft.com/office/powerpoint/2012/main" xmlns:mc="http://schemas.openxmlformats.org/markup-compatibility/2006" type="fourObj" preserve="1">
+<p:sldLayout xmlns:a="http://schemas.openxmlformats.org/drawingml/2006/main" xmlns:r="http://schemas.openxmlformats.org/officeDocument/2006/relationships" xmlns:p="http://schemas.openxmlformats.org/presentationml/2006/main" type="fourObj" preserve="1">
   <p:cSld name="Title, 4 Content">
     <p:spTree>
       <p:nvGrpSpPr>
@@ -1299,12 +1608,13 @@
           </a:prstGeom>
         </p:spPr>
         <p:txBody>
-          <a:bodyPr lIns="0" rIns="0" tIns="0" bIns="0" anchor="ctr">
+          <a:bodyPr lIns="0" tIns="0" rIns="0" bIns="0" anchor="ctr">
             <a:noAutofit/>
           </a:bodyPr>
+          <a:lstStyle/>
           <a:p>
             <a:pPr algn="ctr"/>
-            <a:endParaRPr b="0" lang="en-US" sz="4400" spc="-1" strike="noStrike">
+            <a:endParaRPr lang="en-US" sz="4400" b="0" strike="noStrike" spc="-1">
               <a:latin typeface="Arial"/>
             </a:endParaRPr>
           </a:p>
@@ -1330,11 +1640,12 @@
           </a:prstGeom>
         </p:spPr>
         <p:txBody>
-          <a:bodyPr lIns="0" rIns="0" tIns="0" bIns="0">
+          <a:bodyPr lIns="0" tIns="0" rIns="0" bIns="0">
             <a:normAutofit/>
           </a:bodyPr>
-          <a:p>
-            <a:endParaRPr b="0" lang="en-US" sz="3200" spc="-1" strike="noStrike">
+          <a:lstStyle/>
+          <a:p>
+            <a:endParaRPr lang="en-US" sz="3200" b="0" strike="noStrike" spc="-1">
               <a:latin typeface="Arial"/>
             </a:endParaRPr>
           </a:p>
@@ -1360,11 +1671,12 @@
           </a:prstGeom>
         </p:spPr>
         <p:txBody>
-          <a:bodyPr lIns="0" rIns="0" tIns="0" bIns="0">
+          <a:bodyPr lIns="0" tIns="0" rIns="0" bIns="0">
             <a:normAutofit/>
           </a:bodyPr>
-          <a:p>
-            <a:endParaRPr b="0" lang="en-US" sz="3200" spc="-1" strike="noStrike">
+          <a:lstStyle/>
+          <a:p>
+            <a:endParaRPr lang="en-US" sz="3200" b="0" strike="noStrike" spc="-1">
               <a:latin typeface="Arial"/>
             </a:endParaRPr>
           </a:p>
@@ -1390,11 +1702,12 @@
           </a:prstGeom>
         </p:spPr>
         <p:txBody>
-          <a:bodyPr lIns="0" rIns="0" tIns="0" bIns="0">
+          <a:bodyPr lIns="0" tIns="0" rIns="0" bIns="0">
             <a:normAutofit/>
           </a:bodyPr>
-          <a:p>
-            <a:endParaRPr b="0" lang="en-US" sz="3200" spc="-1" strike="noStrike">
+          <a:lstStyle/>
+          <a:p>
+            <a:endParaRPr lang="en-US" sz="3200" b="0" strike="noStrike" spc="-1">
               <a:latin typeface="Arial"/>
             </a:endParaRPr>
           </a:p>
@@ -1420,11 +1733,12 @@
           </a:prstGeom>
         </p:spPr>
         <p:txBody>
-          <a:bodyPr lIns="0" rIns="0" tIns="0" bIns="0">
+          <a:bodyPr lIns="0" tIns="0" rIns="0" bIns="0">
             <a:normAutofit/>
           </a:bodyPr>
-          <a:p>
-            <a:endParaRPr b="0" lang="en-US" sz="3200" spc="-1" strike="noStrike">
+          <a:lstStyle/>
+          <a:p>
+            <a:endParaRPr lang="en-US" sz="3200" b="0" strike="noStrike" spc="-1">
               <a:latin typeface="Arial"/>
             </a:endParaRPr>
           </a:p>
@@ -1432,11 +1746,14 @@
       </p:sp>
     </p:spTree>
   </p:cSld>
+  <p:clrMapOvr>
+    <a:masterClrMapping/>
+  </p:clrMapOvr>
 </p:sldLayout>
 </file>
 
 <file path=ppt/slideLayouts/slideLayout12.xml><?xml version="1.0" encoding="utf-8"?>
-<p:sldLayout xmlns:a="http://schemas.openxmlformats.org/drawingml/2006/main" xmlns:p="http://schemas.openxmlformats.org/presentationml/2006/main" xmlns:r="http://schemas.openxmlformats.org/officeDocument/2006/relationships" xmlns:p14="http://schemas.microsoft.com/office/powerpoint/2010/main" xmlns:p15="http://schemas.microsoft.com/office/powerpoint/2012/main" xmlns:mc="http://schemas.openxmlformats.org/markup-compatibility/2006" type="blank" preserve="1">
+<p:sldLayout xmlns:a="http://schemas.openxmlformats.org/drawingml/2006/main" xmlns:r="http://schemas.openxmlformats.org/officeDocument/2006/relationships" xmlns:p="http://schemas.openxmlformats.org/presentationml/2006/main" type="blank" preserve="1">
   <p:cSld name="Title, 6 Content">
     <p:spTree>
       <p:nvGrpSpPr>
@@ -1472,12 +1789,13 @@
           </a:prstGeom>
         </p:spPr>
         <p:txBody>
-          <a:bodyPr lIns="0" rIns="0" tIns="0" bIns="0" anchor="ctr">
+          <a:bodyPr lIns="0" tIns="0" rIns="0" bIns="0" anchor="ctr">
             <a:noAutofit/>
           </a:bodyPr>
+          <a:lstStyle/>
           <a:p>
             <a:pPr algn="ctr"/>
-            <a:endParaRPr b="0" lang="en-US" sz="4400" spc="-1" strike="noStrike">
+            <a:endParaRPr lang="en-US" sz="4400" b="0" strike="noStrike" spc="-1">
               <a:latin typeface="Arial"/>
             </a:endParaRPr>
           </a:p>
@@ -1503,11 +1821,12 @@
           </a:prstGeom>
         </p:spPr>
         <p:txBody>
-          <a:bodyPr lIns="0" rIns="0" tIns="0" bIns="0">
+          <a:bodyPr lIns="0" tIns="0" rIns="0" bIns="0">
             <a:normAutofit/>
           </a:bodyPr>
-          <a:p>
-            <a:endParaRPr b="0" lang="en-US" sz="3200" spc="-1" strike="noStrike">
+          <a:lstStyle/>
+          <a:p>
+            <a:endParaRPr lang="en-US" sz="3200" b="0" strike="noStrike" spc="-1">
               <a:latin typeface="Arial"/>
             </a:endParaRPr>
           </a:p>
@@ -1533,11 +1852,12 @@
           </a:prstGeom>
         </p:spPr>
         <p:txBody>
-          <a:bodyPr lIns="0" rIns="0" tIns="0" bIns="0">
+          <a:bodyPr lIns="0" tIns="0" rIns="0" bIns="0">
             <a:normAutofit/>
           </a:bodyPr>
-          <a:p>
-            <a:endParaRPr b="0" lang="en-US" sz="3200" spc="-1" strike="noStrike">
+          <a:lstStyle/>
+          <a:p>
+            <a:endParaRPr lang="en-US" sz="3200" b="0" strike="noStrike" spc="-1">
               <a:latin typeface="Arial"/>
             </a:endParaRPr>
           </a:p>
@@ -1563,11 +1883,12 @@
           </a:prstGeom>
         </p:spPr>
         <p:txBody>
-          <a:bodyPr lIns="0" rIns="0" tIns="0" bIns="0">
+          <a:bodyPr lIns="0" tIns="0" rIns="0" bIns="0">
             <a:normAutofit/>
           </a:bodyPr>
-          <a:p>
-            <a:endParaRPr b="0" lang="en-US" sz="3200" spc="-1" strike="noStrike">
+          <a:lstStyle/>
+          <a:p>
+            <a:endParaRPr lang="en-US" sz="3200" b="0" strike="noStrike" spc="-1">
               <a:latin typeface="Arial"/>
             </a:endParaRPr>
           </a:p>
@@ -1593,11 +1914,12 @@
           </a:prstGeom>
         </p:spPr>
         <p:txBody>
-          <a:bodyPr lIns="0" rIns="0" tIns="0" bIns="0">
+          <a:bodyPr lIns="0" tIns="0" rIns="0" bIns="0">
             <a:normAutofit/>
           </a:bodyPr>
-          <a:p>
-            <a:endParaRPr b="0" lang="en-US" sz="3200" spc="-1" strike="noStrike">
+          <a:lstStyle/>
+          <a:p>
+            <a:endParaRPr lang="en-US" sz="3200" b="0" strike="noStrike" spc="-1">
               <a:latin typeface="Arial"/>
             </a:endParaRPr>
           </a:p>
@@ -1623,11 +1945,12 @@
           </a:prstGeom>
         </p:spPr>
         <p:txBody>
-          <a:bodyPr lIns="0" rIns="0" tIns="0" bIns="0">
+          <a:bodyPr lIns="0" tIns="0" rIns="0" bIns="0">
             <a:normAutofit/>
           </a:bodyPr>
-          <a:p>
-            <a:endParaRPr b="0" lang="en-US" sz="3200" spc="-1" strike="noStrike">
+          <a:lstStyle/>
+          <a:p>
+            <a:endParaRPr lang="en-US" sz="3200" b="0" strike="noStrike" spc="-1">
               <a:latin typeface="Arial"/>
             </a:endParaRPr>
           </a:p>
@@ -1653,11 +1976,12 @@
           </a:prstGeom>
         </p:spPr>
         <p:txBody>
-          <a:bodyPr lIns="0" rIns="0" tIns="0" bIns="0">
+          <a:bodyPr lIns="0" tIns="0" rIns="0" bIns="0">
             <a:normAutofit/>
           </a:bodyPr>
-          <a:p>
-            <a:endParaRPr b="0" lang="en-US" sz="3200" spc="-1" strike="noStrike">
+          <a:lstStyle/>
+          <a:p>
+            <a:endParaRPr lang="en-US" sz="3200" b="0" strike="noStrike" spc="-1">
               <a:latin typeface="Arial"/>
             </a:endParaRPr>
           </a:p>
@@ -1665,11 +1989,14 @@
       </p:sp>
     </p:spTree>
   </p:cSld>
+  <p:clrMapOvr>
+    <a:masterClrMapping/>
+  </p:clrMapOvr>
 </p:sldLayout>
 </file>
 
 <file path=ppt/slideLayouts/slideLayout13.xml><?xml version="1.0" encoding="utf-8"?>
-<p:sldLayout xmlns:a="http://schemas.openxmlformats.org/drawingml/2006/main" xmlns:p="http://schemas.openxmlformats.org/presentationml/2006/main" xmlns:r="http://schemas.openxmlformats.org/officeDocument/2006/relationships" xmlns:p14="http://schemas.microsoft.com/office/powerpoint/2010/main" xmlns:p15="http://schemas.microsoft.com/office/powerpoint/2012/main" xmlns:mc="http://schemas.openxmlformats.org/markup-compatibility/2006" type="blank" preserve="1">
+<p:sldLayout xmlns:a="http://schemas.openxmlformats.org/drawingml/2006/main" xmlns:r="http://schemas.openxmlformats.org/officeDocument/2006/relationships" xmlns:p="http://schemas.openxmlformats.org/presentationml/2006/main" type="blank" preserve="1">
   <p:cSld name="Blank Slide">
     <p:spTree>
       <p:nvGrpSpPr>
@@ -1687,11 +2014,14 @@
       </p:grpSpPr>
     </p:spTree>
   </p:cSld>
+  <p:clrMapOvr>
+    <a:masterClrMapping/>
+  </p:clrMapOvr>
 </p:sldLayout>
 </file>
 
 <file path=ppt/slideLayouts/slideLayout14.xml><?xml version="1.0" encoding="utf-8"?>
-<p:sldLayout xmlns:a="http://schemas.openxmlformats.org/drawingml/2006/main" xmlns:p="http://schemas.openxmlformats.org/presentationml/2006/main" xmlns:r="http://schemas.openxmlformats.org/officeDocument/2006/relationships" xmlns:p14="http://schemas.microsoft.com/office/powerpoint/2010/main" xmlns:p15="http://schemas.microsoft.com/office/powerpoint/2012/main" xmlns:mc="http://schemas.openxmlformats.org/markup-compatibility/2006" type="tx" preserve="1">
+<p:sldLayout xmlns:a="http://schemas.openxmlformats.org/drawingml/2006/main" xmlns:r="http://schemas.openxmlformats.org/officeDocument/2006/relationships" xmlns:p="http://schemas.openxmlformats.org/presentationml/2006/main" type="tx" preserve="1">
   <p:cSld name="Title Slide">
     <p:spTree>
       <p:nvGrpSpPr>
@@ -1727,12 +2057,13 @@
           </a:prstGeom>
         </p:spPr>
         <p:txBody>
-          <a:bodyPr lIns="0" rIns="0" tIns="0" bIns="0" anchor="ctr">
+          <a:bodyPr lIns="0" tIns="0" rIns="0" bIns="0" anchor="ctr">
             <a:noAutofit/>
           </a:bodyPr>
+          <a:lstStyle/>
           <a:p>
             <a:pPr algn="ctr"/>
-            <a:endParaRPr b="0" lang="en-US" sz="4400" spc="-1" strike="noStrike">
+            <a:endParaRPr lang="en-US" sz="4400" b="0" strike="noStrike" spc="-1">
               <a:latin typeface="Arial"/>
             </a:endParaRPr>
           </a:p>
@@ -1758,12 +2089,13 @@
           </a:prstGeom>
         </p:spPr>
         <p:txBody>
-          <a:bodyPr lIns="0" rIns="0" tIns="0" bIns="0" anchor="ctr">
+          <a:bodyPr lIns="0" tIns="0" rIns="0" bIns="0" anchor="ctr">
             <a:noAutofit/>
           </a:bodyPr>
+          <a:lstStyle/>
           <a:p>
             <a:pPr algn="ctr"/>
-            <a:endParaRPr b="0" lang="en-US" sz="3200" spc="-1" strike="noStrike">
+            <a:endParaRPr lang="en-US" sz="3200" b="0" strike="noStrike" spc="-1">
               <a:latin typeface="Arial"/>
             </a:endParaRPr>
           </a:p>
@@ -1771,11 +2103,14 @@
       </p:sp>
     </p:spTree>
   </p:cSld>
+  <p:clrMapOvr>
+    <a:masterClrMapping/>
+  </p:clrMapOvr>
 </p:sldLayout>
 </file>
 
 <file path=ppt/slideLayouts/slideLayout15.xml><?xml version="1.0" encoding="utf-8"?>
-<p:sldLayout xmlns:a="http://schemas.openxmlformats.org/drawingml/2006/main" xmlns:p="http://schemas.openxmlformats.org/presentationml/2006/main" xmlns:r="http://schemas.openxmlformats.org/officeDocument/2006/relationships" xmlns:p14="http://schemas.microsoft.com/office/powerpoint/2010/main" xmlns:p15="http://schemas.microsoft.com/office/powerpoint/2012/main" xmlns:mc="http://schemas.openxmlformats.org/markup-compatibility/2006" type="obj" preserve="1">
+<p:sldLayout xmlns:a="http://schemas.openxmlformats.org/drawingml/2006/main" xmlns:r="http://schemas.openxmlformats.org/officeDocument/2006/relationships" xmlns:p="http://schemas.openxmlformats.org/presentationml/2006/main" type="obj" preserve="1">
   <p:cSld name="Title, Content">
     <p:spTree>
       <p:nvGrpSpPr>
@@ -1811,12 +2146,13 @@
           </a:prstGeom>
         </p:spPr>
         <p:txBody>
-          <a:bodyPr lIns="0" rIns="0" tIns="0" bIns="0" anchor="ctr">
+          <a:bodyPr lIns="0" tIns="0" rIns="0" bIns="0" anchor="ctr">
             <a:noAutofit/>
           </a:bodyPr>
+          <a:lstStyle/>
           <a:p>
             <a:pPr algn="ctr"/>
-            <a:endParaRPr b="0" lang="en-US" sz="4400" spc="-1" strike="noStrike">
+            <a:endParaRPr lang="en-US" sz="4400" b="0" strike="noStrike" spc="-1">
               <a:latin typeface="Arial"/>
             </a:endParaRPr>
           </a:p>
@@ -1842,11 +2178,12 @@
           </a:prstGeom>
         </p:spPr>
         <p:txBody>
-          <a:bodyPr lIns="0" rIns="0" tIns="0" bIns="0">
+          <a:bodyPr lIns="0" tIns="0" rIns="0" bIns="0">
             <a:normAutofit/>
           </a:bodyPr>
-          <a:p>
-            <a:endParaRPr b="0" lang="en-US" sz="3200" spc="-1" strike="noStrike">
+          <a:lstStyle/>
+          <a:p>
+            <a:endParaRPr lang="en-US" sz="3200" b="0" strike="noStrike" spc="-1">
               <a:latin typeface="Arial"/>
             </a:endParaRPr>
           </a:p>
@@ -1854,11 +2191,14 @@
       </p:sp>
     </p:spTree>
   </p:cSld>
+  <p:clrMapOvr>
+    <a:masterClrMapping/>
+  </p:clrMapOvr>
 </p:sldLayout>
 </file>
 
 <file path=ppt/slideLayouts/slideLayout16.xml><?xml version="1.0" encoding="utf-8"?>
-<p:sldLayout xmlns:a="http://schemas.openxmlformats.org/drawingml/2006/main" xmlns:p="http://schemas.openxmlformats.org/presentationml/2006/main" xmlns:r="http://schemas.openxmlformats.org/officeDocument/2006/relationships" xmlns:p14="http://schemas.microsoft.com/office/powerpoint/2010/main" xmlns:p15="http://schemas.microsoft.com/office/powerpoint/2012/main" xmlns:mc="http://schemas.openxmlformats.org/markup-compatibility/2006" type="twoObj" preserve="1">
+<p:sldLayout xmlns:a="http://schemas.openxmlformats.org/drawingml/2006/main" xmlns:r="http://schemas.openxmlformats.org/officeDocument/2006/relationships" xmlns:p="http://schemas.openxmlformats.org/presentationml/2006/main" type="twoObj" preserve="1">
   <p:cSld name="Title, 2 Content">
     <p:spTree>
       <p:nvGrpSpPr>
@@ -1894,12 +2234,13 @@
           </a:prstGeom>
         </p:spPr>
         <p:txBody>
-          <a:bodyPr lIns="0" rIns="0" tIns="0" bIns="0" anchor="ctr">
+          <a:bodyPr lIns="0" tIns="0" rIns="0" bIns="0" anchor="ctr">
             <a:noAutofit/>
           </a:bodyPr>
+          <a:lstStyle/>
           <a:p>
             <a:pPr algn="ctr"/>
-            <a:endParaRPr b="0" lang="en-US" sz="4400" spc="-1" strike="noStrike">
+            <a:endParaRPr lang="en-US" sz="4400" b="0" strike="noStrike" spc="-1">
               <a:latin typeface="Arial"/>
             </a:endParaRPr>
           </a:p>
@@ -1925,11 +2266,12 @@
           </a:prstGeom>
         </p:spPr>
         <p:txBody>
-          <a:bodyPr lIns="0" rIns="0" tIns="0" bIns="0">
+          <a:bodyPr lIns="0" tIns="0" rIns="0" bIns="0">
             <a:normAutofit/>
           </a:bodyPr>
-          <a:p>
-            <a:endParaRPr b="0" lang="en-US" sz="3200" spc="-1" strike="noStrike">
+          <a:lstStyle/>
+          <a:p>
+            <a:endParaRPr lang="en-US" sz="3200" b="0" strike="noStrike" spc="-1">
               <a:latin typeface="Arial"/>
             </a:endParaRPr>
           </a:p>
@@ -1955,11 +2297,12 @@
           </a:prstGeom>
         </p:spPr>
         <p:txBody>
-          <a:bodyPr lIns="0" rIns="0" tIns="0" bIns="0">
+          <a:bodyPr lIns="0" tIns="0" rIns="0" bIns="0">
             <a:normAutofit/>
           </a:bodyPr>
-          <a:p>
-            <a:endParaRPr b="0" lang="en-US" sz="3200" spc="-1" strike="noStrike">
+          <a:lstStyle/>
+          <a:p>
+            <a:endParaRPr lang="en-US" sz="3200" b="0" strike="noStrike" spc="-1">
               <a:latin typeface="Arial"/>
             </a:endParaRPr>
           </a:p>
@@ -1967,11 +2310,14 @@
       </p:sp>
     </p:spTree>
   </p:cSld>
+  <p:clrMapOvr>
+    <a:masterClrMapping/>
+  </p:clrMapOvr>
 </p:sldLayout>
 </file>
 
 <file path=ppt/slideLayouts/slideLayout17.xml><?xml version="1.0" encoding="utf-8"?>
-<p:sldLayout xmlns:a="http://schemas.openxmlformats.org/drawingml/2006/main" xmlns:p="http://schemas.openxmlformats.org/presentationml/2006/main" xmlns:r="http://schemas.openxmlformats.org/officeDocument/2006/relationships" xmlns:p14="http://schemas.microsoft.com/office/powerpoint/2010/main" xmlns:p15="http://schemas.microsoft.com/office/powerpoint/2012/main" xmlns:mc="http://schemas.openxmlformats.org/markup-compatibility/2006" type="titleOnly" preserve="1">
+<p:sldLayout xmlns:a="http://schemas.openxmlformats.org/drawingml/2006/main" xmlns:r="http://schemas.openxmlformats.org/officeDocument/2006/relationships" xmlns:p="http://schemas.openxmlformats.org/presentationml/2006/main" type="titleOnly" preserve="1">
   <p:cSld name="Title Only">
     <p:spTree>
       <p:nvGrpSpPr>
@@ -2007,12 +2353,13 @@
           </a:prstGeom>
         </p:spPr>
         <p:txBody>
-          <a:bodyPr lIns="0" rIns="0" tIns="0" bIns="0" anchor="ctr">
+          <a:bodyPr lIns="0" tIns="0" rIns="0" bIns="0" anchor="ctr">
             <a:noAutofit/>
           </a:bodyPr>
+          <a:lstStyle/>
           <a:p>
             <a:pPr algn="ctr"/>
-            <a:endParaRPr b="0" lang="en-US" sz="4400" spc="-1" strike="noStrike">
+            <a:endParaRPr lang="en-US" sz="4400" b="0" strike="noStrike" spc="-1">
               <a:latin typeface="Arial"/>
             </a:endParaRPr>
           </a:p>
@@ -2020,11 +2367,14 @@
       </p:sp>
     </p:spTree>
   </p:cSld>
+  <p:clrMapOvr>
+    <a:masterClrMapping/>
+  </p:clrMapOvr>
 </p:sldLayout>
 </file>
 
 <file path=ppt/slideLayouts/slideLayout18.xml><?xml version="1.0" encoding="utf-8"?>
-<p:sldLayout xmlns:a="http://schemas.openxmlformats.org/drawingml/2006/main" xmlns:p="http://schemas.openxmlformats.org/presentationml/2006/main" xmlns:r="http://schemas.openxmlformats.org/officeDocument/2006/relationships" xmlns:p14="http://schemas.microsoft.com/office/powerpoint/2010/main" xmlns:p15="http://schemas.microsoft.com/office/powerpoint/2012/main" xmlns:mc="http://schemas.openxmlformats.org/markup-compatibility/2006" type="objOnly" preserve="1">
+<p:sldLayout xmlns:a="http://schemas.openxmlformats.org/drawingml/2006/main" xmlns:r="http://schemas.openxmlformats.org/officeDocument/2006/relationships" xmlns:p="http://schemas.openxmlformats.org/presentationml/2006/main" type="objOnly" preserve="1">
   <p:cSld name="Centered Text">
     <p:spTree>
       <p:nvGrpSpPr>
@@ -2060,12 +2410,13 @@
           </a:prstGeom>
         </p:spPr>
         <p:txBody>
-          <a:bodyPr lIns="0" rIns="0" tIns="0" bIns="0" anchor="ctr">
+          <a:bodyPr lIns="0" tIns="0" rIns="0" bIns="0" anchor="ctr">
             <a:noAutofit/>
           </a:bodyPr>
+          <a:lstStyle/>
           <a:p>
             <a:pPr algn="ctr"/>
-            <a:endParaRPr b="0" lang="en-US" sz="3200" spc="-1" strike="noStrike">
+            <a:endParaRPr lang="en-US" sz="3200" b="0" strike="noStrike" spc="-1">
               <a:latin typeface="Arial"/>
             </a:endParaRPr>
           </a:p>
@@ -2073,11 +2424,14 @@
       </p:sp>
     </p:spTree>
   </p:cSld>
+  <p:clrMapOvr>
+    <a:masterClrMapping/>
+  </p:clrMapOvr>
 </p:sldLayout>
 </file>
 
 <file path=ppt/slideLayouts/slideLayout19.xml><?xml version="1.0" encoding="utf-8"?>
-<p:sldLayout xmlns:a="http://schemas.openxmlformats.org/drawingml/2006/main" xmlns:p="http://schemas.openxmlformats.org/presentationml/2006/main" xmlns:r="http://schemas.openxmlformats.org/officeDocument/2006/relationships" xmlns:p14="http://schemas.microsoft.com/office/powerpoint/2010/main" xmlns:p15="http://schemas.microsoft.com/office/powerpoint/2012/main" xmlns:mc="http://schemas.openxmlformats.org/markup-compatibility/2006" type="twoObjAndObj" preserve="1">
+<p:sldLayout xmlns:a="http://schemas.openxmlformats.org/drawingml/2006/main" xmlns:r="http://schemas.openxmlformats.org/officeDocument/2006/relationships" xmlns:p="http://schemas.openxmlformats.org/presentationml/2006/main" type="twoObjAndObj" preserve="1">
   <p:cSld name="Title, 2 Content and Content">
     <p:spTree>
       <p:nvGrpSpPr>
@@ -2113,12 +2467,13 @@
           </a:prstGeom>
         </p:spPr>
         <p:txBody>
-          <a:bodyPr lIns="0" rIns="0" tIns="0" bIns="0" anchor="ctr">
+          <a:bodyPr lIns="0" tIns="0" rIns="0" bIns="0" anchor="ctr">
             <a:noAutofit/>
           </a:bodyPr>
+          <a:lstStyle/>
           <a:p>
             <a:pPr algn="ctr"/>
-            <a:endParaRPr b="0" lang="en-US" sz="4400" spc="-1" strike="noStrike">
+            <a:endParaRPr lang="en-US" sz="4400" b="0" strike="noStrike" spc="-1">
               <a:latin typeface="Arial"/>
             </a:endParaRPr>
           </a:p>
@@ -2144,11 +2499,12 @@
           </a:prstGeom>
         </p:spPr>
         <p:txBody>
-          <a:bodyPr lIns="0" rIns="0" tIns="0" bIns="0">
+          <a:bodyPr lIns="0" tIns="0" rIns="0" bIns="0">
             <a:normAutofit/>
           </a:bodyPr>
-          <a:p>
-            <a:endParaRPr b="0" lang="en-US" sz="3200" spc="-1" strike="noStrike">
+          <a:lstStyle/>
+          <a:p>
+            <a:endParaRPr lang="en-US" sz="3200" b="0" strike="noStrike" spc="-1">
               <a:latin typeface="Arial"/>
             </a:endParaRPr>
           </a:p>
@@ -2174,11 +2530,12 @@
           </a:prstGeom>
         </p:spPr>
         <p:txBody>
-          <a:bodyPr lIns="0" rIns="0" tIns="0" bIns="0">
+          <a:bodyPr lIns="0" tIns="0" rIns="0" bIns="0">
             <a:normAutofit/>
           </a:bodyPr>
-          <a:p>
-            <a:endParaRPr b="0" lang="en-US" sz="3200" spc="-1" strike="noStrike">
+          <a:lstStyle/>
+          <a:p>
+            <a:endParaRPr lang="en-US" sz="3200" b="0" strike="noStrike" spc="-1">
               <a:latin typeface="Arial"/>
             </a:endParaRPr>
           </a:p>
@@ -2204,11 +2561,12 @@
           </a:prstGeom>
         </p:spPr>
         <p:txBody>
-          <a:bodyPr lIns="0" rIns="0" tIns="0" bIns="0">
+          <a:bodyPr lIns="0" tIns="0" rIns="0" bIns="0">
             <a:normAutofit/>
           </a:bodyPr>
-          <a:p>
-            <a:endParaRPr b="0" lang="en-US" sz="3200" spc="-1" strike="noStrike">
+          <a:lstStyle/>
+          <a:p>
+            <a:endParaRPr lang="en-US" sz="3200" b="0" strike="noStrike" spc="-1">
               <a:latin typeface="Arial"/>
             </a:endParaRPr>
           </a:p>
@@ -2216,11 +2574,14 @@
       </p:sp>
     </p:spTree>
   </p:cSld>
+  <p:clrMapOvr>
+    <a:masterClrMapping/>
+  </p:clrMapOvr>
 </p:sldLayout>
 </file>
 
 <file path=ppt/slideLayouts/slideLayout2.xml><?xml version="1.0" encoding="utf-8"?>
-<p:sldLayout xmlns:a="http://schemas.openxmlformats.org/drawingml/2006/main" xmlns:p="http://schemas.openxmlformats.org/presentationml/2006/main" xmlns:r="http://schemas.openxmlformats.org/officeDocument/2006/relationships" xmlns:p14="http://schemas.microsoft.com/office/powerpoint/2010/main" xmlns:p15="http://schemas.microsoft.com/office/powerpoint/2012/main" xmlns:mc="http://schemas.openxmlformats.org/markup-compatibility/2006" type="tx" preserve="1">
+<p:sldLayout xmlns:a="http://schemas.openxmlformats.org/drawingml/2006/main" xmlns:r="http://schemas.openxmlformats.org/officeDocument/2006/relationships" xmlns:p="http://schemas.openxmlformats.org/presentationml/2006/main" type="tx" preserve="1">
   <p:cSld name="Title Slide">
     <p:spTree>
       <p:nvGrpSpPr>
@@ -2256,12 +2617,13 @@
           </a:prstGeom>
         </p:spPr>
         <p:txBody>
-          <a:bodyPr lIns="0" rIns="0" tIns="0" bIns="0" anchor="ctr">
+          <a:bodyPr lIns="0" tIns="0" rIns="0" bIns="0" anchor="ctr">
             <a:noAutofit/>
           </a:bodyPr>
+          <a:lstStyle/>
           <a:p>
             <a:pPr algn="ctr"/>
-            <a:endParaRPr b="0" lang="en-US" sz="4400" spc="-1" strike="noStrike">
+            <a:endParaRPr lang="en-US" sz="4400" b="0" strike="noStrike" spc="-1">
               <a:latin typeface="Arial"/>
             </a:endParaRPr>
           </a:p>
@@ -2287,12 +2649,13 @@
           </a:prstGeom>
         </p:spPr>
         <p:txBody>
-          <a:bodyPr lIns="0" rIns="0" tIns="0" bIns="0" anchor="ctr">
+          <a:bodyPr lIns="0" tIns="0" rIns="0" bIns="0" anchor="ctr">
             <a:noAutofit/>
           </a:bodyPr>
+          <a:lstStyle/>
           <a:p>
             <a:pPr algn="ctr"/>
-            <a:endParaRPr b="0" lang="en-US" sz="3200" spc="-1" strike="noStrike">
+            <a:endParaRPr lang="en-US" sz="3200" b="0" strike="noStrike" spc="-1">
               <a:latin typeface="Arial"/>
             </a:endParaRPr>
           </a:p>
@@ -2300,11 +2663,14 @@
       </p:sp>
     </p:spTree>
   </p:cSld>
+  <p:clrMapOvr>
+    <a:masterClrMapping/>
+  </p:clrMapOvr>
 </p:sldLayout>
 </file>
 
 <file path=ppt/slideLayouts/slideLayout20.xml><?xml version="1.0" encoding="utf-8"?>
-<p:sldLayout xmlns:a="http://schemas.openxmlformats.org/drawingml/2006/main" xmlns:p="http://schemas.openxmlformats.org/presentationml/2006/main" xmlns:r="http://schemas.openxmlformats.org/officeDocument/2006/relationships" xmlns:p14="http://schemas.microsoft.com/office/powerpoint/2010/main" xmlns:p15="http://schemas.microsoft.com/office/powerpoint/2012/main" xmlns:mc="http://schemas.openxmlformats.org/markup-compatibility/2006" type="objAndTwoObj" preserve="1">
+<p:sldLayout xmlns:a="http://schemas.openxmlformats.org/drawingml/2006/main" xmlns:r="http://schemas.openxmlformats.org/officeDocument/2006/relationships" xmlns:p="http://schemas.openxmlformats.org/presentationml/2006/main" type="objAndTwoObj" preserve="1">
   <p:cSld name="Title Content and 2 Content">
     <p:spTree>
       <p:nvGrpSpPr>
@@ -2340,12 +2706,13 @@
           </a:prstGeom>
         </p:spPr>
         <p:txBody>
-          <a:bodyPr lIns="0" rIns="0" tIns="0" bIns="0" anchor="ctr">
+          <a:bodyPr lIns="0" tIns="0" rIns="0" bIns="0" anchor="ctr">
             <a:noAutofit/>
           </a:bodyPr>
+          <a:lstStyle/>
           <a:p>
             <a:pPr algn="ctr"/>
-            <a:endParaRPr b="0" lang="en-US" sz="4400" spc="-1" strike="noStrike">
+            <a:endParaRPr lang="en-US" sz="4400" b="0" strike="noStrike" spc="-1">
               <a:latin typeface="Arial"/>
             </a:endParaRPr>
           </a:p>
@@ -2371,11 +2738,12 @@
           </a:prstGeom>
         </p:spPr>
         <p:txBody>
-          <a:bodyPr lIns="0" rIns="0" tIns="0" bIns="0">
+          <a:bodyPr lIns="0" tIns="0" rIns="0" bIns="0">
             <a:normAutofit/>
           </a:bodyPr>
-          <a:p>
-            <a:endParaRPr b="0" lang="en-US" sz="3200" spc="-1" strike="noStrike">
+          <a:lstStyle/>
+          <a:p>
+            <a:endParaRPr lang="en-US" sz="3200" b="0" strike="noStrike" spc="-1">
               <a:latin typeface="Arial"/>
             </a:endParaRPr>
           </a:p>
@@ -2401,11 +2769,12 @@
           </a:prstGeom>
         </p:spPr>
         <p:txBody>
-          <a:bodyPr lIns="0" rIns="0" tIns="0" bIns="0">
+          <a:bodyPr lIns="0" tIns="0" rIns="0" bIns="0">
             <a:normAutofit/>
           </a:bodyPr>
-          <a:p>
-            <a:endParaRPr b="0" lang="en-US" sz="3200" spc="-1" strike="noStrike">
+          <a:lstStyle/>
+          <a:p>
+            <a:endParaRPr lang="en-US" sz="3200" b="0" strike="noStrike" spc="-1">
               <a:latin typeface="Arial"/>
             </a:endParaRPr>
           </a:p>
@@ -2431,11 +2800,12 @@
           </a:prstGeom>
         </p:spPr>
         <p:txBody>
-          <a:bodyPr lIns="0" rIns="0" tIns="0" bIns="0">
+          <a:bodyPr lIns="0" tIns="0" rIns="0" bIns="0">
             <a:normAutofit/>
           </a:bodyPr>
-          <a:p>
-            <a:endParaRPr b="0" lang="en-US" sz="3200" spc="-1" strike="noStrike">
+          <a:lstStyle/>
+          <a:p>
+            <a:endParaRPr lang="en-US" sz="3200" b="0" strike="noStrike" spc="-1">
               <a:latin typeface="Arial"/>
             </a:endParaRPr>
           </a:p>
@@ -2443,11 +2813,14 @@
       </p:sp>
     </p:spTree>
   </p:cSld>
+  <p:clrMapOvr>
+    <a:masterClrMapping/>
+  </p:clrMapOvr>
 </p:sldLayout>
 </file>
 
 <file path=ppt/slideLayouts/slideLayout21.xml><?xml version="1.0" encoding="utf-8"?>
-<p:sldLayout xmlns:a="http://schemas.openxmlformats.org/drawingml/2006/main" xmlns:p="http://schemas.openxmlformats.org/presentationml/2006/main" xmlns:r="http://schemas.openxmlformats.org/officeDocument/2006/relationships" xmlns:p14="http://schemas.microsoft.com/office/powerpoint/2010/main" xmlns:p15="http://schemas.microsoft.com/office/powerpoint/2012/main" xmlns:mc="http://schemas.openxmlformats.org/markup-compatibility/2006" type="twoObjOverTx" preserve="1">
+<p:sldLayout xmlns:a="http://schemas.openxmlformats.org/drawingml/2006/main" xmlns:r="http://schemas.openxmlformats.org/officeDocument/2006/relationships" xmlns:p="http://schemas.openxmlformats.org/presentationml/2006/main" type="twoObjOverTx" preserve="1">
   <p:cSld name="Title, 2 Content over Content">
     <p:spTree>
       <p:nvGrpSpPr>
@@ -2483,12 +2856,13 @@
           </a:prstGeom>
         </p:spPr>
         <p:txBody>
-          <a:bodyPr lIns="0" rIns="0" tIns="0" bIns="0" anchor="ctr">
+          <a:bodyPr lIns="0" tIns="0" rIns="0" bIns="0" anchor="ctr">
             <a:noAutofit/>
           </a:bodyPr>
+          <a:lstStyle/>
           <a:p>
             <a:pPr algn="ctr"/>
-            <a:endParaRPr b="0" lang="en-US" sz="4400" spc="-1" strike="noStrike">
+            <a:endParaRPr lang="en-US" sz="4400" b="0" strike="noStrike" spc="-1">
               <a:latin typeface="Arial"/>
             </a:endParaRPr>
           </a:p>
@@ -2514,11 +2888,12 @@
           </a:prstGeom>
         </p:spPr>
         <p:txBody>
-          <a:bodyPr lIns="0" rIns="0" tIns="0" bIns="0">
+          <a:bodyPr lIns="0" tIns="0" rIns="0" bIns="0">
             <a:normAutofit/>
           </a:bodyPr>
-          <a:p>
-            <a:endParaRPr b="0" lang="en-US" sz="3200" spc="-1" strike="noStrike">
+          <a:lstStyle/>
+          <a:p>
+            <a:endParaRPr lang="en-US" sz="3200" b="0" strike="noStrike" spc="-1">
               <a:latin typeface="Arial"/>
             </a:endParaRPr>
           </a:p>
@@ -2544,11 +2919,12 @@
           </a:prstGeom>
         </p:spPr>
         <p:txBody>
-          <a:bodyPr lIns="0" rIns="0" tIns="0" bIns="0">
+          <a:bodyPr lIns="0" tIns="0" rIns="0" bIns="0">
             <a:normAutofit/>
           </a:bodyPr>
-          <a:p>
-            <a:endParaRPr b="0" lang="en-US" sz="3200" spc="-1" strike="noStrike">
+          <a:lstStyle/>
+          <a:p>
+            <a:endParaRPr lang="en-US" sz="3200" b="0" strike="noStrike" spc="-1">
               <a:latin typeface="Arial"/>
             </a:endParaRPr>
           </a:p>
@@ -2574,11 +2950,12 @@
           </a:prstGeom>
         </p:spPr>
         <p:txBody>
-          <a:bodyPr lIns="0" rIns="0" tIns="0" bIns="0">
+          <a:bodyPr lIns="0" tIns="0" rIns="0" bIns="0">
             <a:normAutofit/>
           </a:bodyPr>
-          <a:p>
-            <a:endParaRPr b="0" lang="en-US" sz="3200" spc="-1" strike="noStrike">
+          <a:lstStyle/>
+          <a:p>
+            <a:endParaRPr lang="en-US" sz="3200" b="0" strike="noStrike" spc="-1">
               <a:latin typeface="Arial"/>
             </a:endParaRPr>
           </a:p>
@@ -2586,11 +2963,14 @@
       </p:sp>
     </p:spTree>
   </p:cSld>
+  <p:clrMapOvr>
+    <a:masterClrMapping/>
+  </p:clrMapOvr>
 </p:sldLayout>
 </file>
 
 <file path=ppt/slideLayouts/slideLayout22.xml><?xml version="1.0" encoding="utf-8"?>
-<p:sldLayout xmlns:a="http://schemas.openxmlformats.org/drawingml/2006/main" xmlns:p="http://schemas.openxmlformats.org/presentationml/2006/main" xmlns:r="http://schemas.openxmlformats.org/officeDocument/2006/relationships" xmlns:p14="http://schemas.microsoft.com/office/powerpoint/2010/main" xmlns:p15="http://schemas.microsoft.com/office/powerpoint/2012/main" xmlns:mc="http://schemas.openxmlformats.org/markup-compatibility/2006" type="objOverTx" preserve="1">
+<p:sldLayout xmlns:a="http://schemas.openxmlformats.org/drawingml/2006/main" xmlns:r="http://schemas.openxmlformats.org/officeDocument/2006/relationships" xmlns:p="http://schemas.openxmlformats.org/presentationml/2006/main" type="objOverTx" preserve="1">
   <p:cSld name="Title, Content over Content">
     <p:spTree>
       <p:nvGrpSpPr>
@@ -2626,12 +3006,13 @@
           </a:prstGeom>
         </p:spPr>
         <p:txBody>
-          <a:bodyPr lIns="0" rIns="0" tIns="0" bIns="0" anchor="ctr">
+          <a:bodyPr lIns="0" tIns="0" rIns="0" bIns="0" anchor="ctr">
             <a:noAutofit/>
           </a:bodyPr>
+          <a:lstStyle/>
           <a:p>
             <a:pPr algn="ctr"/>
-            <a:endParaRPr b="0" lang="en-US" sz="4400" spc="-1" strike="noStrike">
+            <a:endParaRPr lang="en-US" sz="4400" b="0" strike="noStrike" spc="-1">
               <a:latin typeface="Arial"/>
             </a:endParaRPr>
           </a:p>
@@ -2657,11 +3038,12 @@
           </a:prstGeom>
         </p:spPr>
         <p:txBody>
-          <a:bodyPr lIns="0" rIns="0" tIns="0" bIns="0">
+          <a:bodyPr lIns="0" tIns="0" rIns="0" bIns="0">
             <a:normAutofit/>
           </a:bodyPr>
-          <a:p>
-            <a:endParaRPr b="0" lang="en-US" sz="3200" spc="-1" strike="noStrike">
+          <a:lstStyle/>
+          <a:p>
+            <a:endParaRPr lang="en-US" sz="3200" b="0" strike="noStrike" spc="-1">
               <a:latin typeface="Arial"/>
             </a:endParaRPr>
           </a:p>
@@ -2687,11 +3069,12 @@
           </a:prstGeom>
         </p:spPr>
         <p:txBody>
-          <a:bodyPr lIns="0" rIns="0" tIns="0" bIns="0">
+          <a:bodyPr lIns="0" tIns="0" rIns="0" bIns="0">
             <a:normAutofit/>
           </a:bodyPr>
-          <a:p>
-            <a:endParaRPr b="0" lang="en-US" sz="3200" spc="-1" strike="noStrike">
+          <a:lstStyle/>
+          <a:p>
+            <a:endParaRPr lang="en-US" sz="3200" b="0" strike="noStrike" spc="-1">
               <a:latin typeface="Arial"/>
             </a:endParaRPr>
           </a:p>
@@ -2699,11 +3082,14 @@
       </p:sp>
     </p:spTree>
   </p:cSld>
+  <p:clrMapOvr>
+    <a:masterClrMapping/>
+  </p:clrMapOvr>
 </p:sldLayout>
 </file>
 
 <file path=ppt/slideLayouts/slideLayout23.xml><?xml version="1.0" encoding="utf-8"?>
-<p:sldLayout xmlns:a="http://schemas.openxmlformats.org/drawingml/2006/main" xmlns:p="http://schemas.openxmlformats.org/presentationml/2006/main" xmlns:r="http://schemas.openxmlformats.org/officeDocument/2006/relationships" xmlns:p14="http://schemas.microsoft.com/office/powerpoint/2010/main" xmlns:p15="http://schemas.microsoft.com/office/powerpoint/2012/main" xmlns:mc="http://schemas.openxmlformats.org/markup-compatibility/2006" type="fourObj" preserve="1">
+<p:sldLayout xmlns:a="http://schemas.openxmlformats.org/drawingml/2006/main" xmlns:r="http://schemas.openxmlformats.org/officeDocument/2006/relationships" xmlns:p="http://schemas.openxmlformats.org/presentationml/2006/main" type="fourObj" preserve="1">
   <p:cSld name="Title, 4 Content">
     <p:spTree>
       <p:nvGrpSpPr>
@@ -2739,12 +3125,13 @@
           </a:prstGeom>
         </p:spPr>
         <p:txBody>
-          <a:bodyPr lIns="0" rIns="0" tIns="0" bIns="0" anchor="ctr">
+          <a:bodyPr lIns="0" tIns="0" rIns="0" bIns="0" anchor="ctr">
             <a:noAutofit/>
           </a:bodyPr>
+          <a:lstStyle/>
           <a:p>
             <a:pPr algn="ctr"/>
-            <a:endParaRPr b="0" lang="en-US" sz="4400" spc="-1" strike="noStrike">
+            <a:endParaRPr lang="en-US" sz="4400" b="0" strike="noStrike" spc="-1">
               <a:latin typeface="Arial"/>
             </a:endParaRPr>
           </a:p>
@@ -2770,11 +3157,12 @@
           </a:prstGeom>
         </p:spPr>
         <p:txBody>
-          <a:bodyPr lIns="0" rIns="0" tIns="0" bIns="0">
+          <a:bodyPr lIns="0" tIns="0" rIns="0" bIns="0">
             <a:normAutofit/>
           </a:bodyPr>
-          <a:p>
-            <a:endParaRPr b="0" lang="en-US" sz="3200" spc="-1" strike="noStrike">
+          <a:lstStyle/>
+          <a:p>
+            <a:endParaRPr lang="en-US" sz="3200" b="0" strike="noStrike" spc="-1">
               <a:latin typeface="Arial"/>
             </a:endParaRPr>
           </a:p>
@@ -2800,11 +3188,12 @@
           </a:prstGeom>
         </p:spPr>
         <p:txBody>
-          <a:bodyPr lIns="0" rIns="0" tIns="0" bIns="0">
+          <a:bodyPr lIns="0" tIns="0" rIns="0" bIns="0">
             <a:normAutofit/>
           </a:bodyPr>
-          <a:p>
-            <a:endParaRPr b="0" lang="en-US" sz="3200" spc="-1" strike="noStrike">
+          <a:lstStyle/>
+          <a:p>
+            <a:endParaRPr lang="en-US" sz="3200" b="0" strike="noStrike" spc="-1">
               <a:latin typeface="Arial"/>
             </a:endParaRPr>
           </a:p>
@@ -2830,11 +3219,12 @@
           </a:prstGeom>
         </p:spPr>
         <p:txBody>
-          <a:bodyPr lIns="0" rIns="0" tIns="0" bIns="0">
+          <a:bodyPr lIns="0" tIns="0" rIns="0" bIns="0">
             <a:normAutofit/>
           </a:bodyPr>
-          <a:p>
-            <a:endParaRPr b="0" lang="en-US" sz="3200" spc="-1" strike="noStrike">
+          <a:lstStyle/>
+          <a:p>
+            <a:endParaRPr lang="en-US" sz="3200" b="0" strike="noStrike" spc="-1">
               <a:latin typeface="Arial"/>
             </a:endParaRPr>
           </a:p>
@@ -2860,11 +3250,12 @@
           </a:prstGeom>
         </p:spPr>
         <p:txBody>
-          <a:bodyPr lIns="0" rIns="0" tIns="0" bIns="0">
+          <a:bodyPr lIns="0" tIns="0" rIns="0" bIns="0">
             <a:normAutofit/>
           </a:bodyPr>
-          <a:p>
-            <a:endParaRPr b="0" lang="en-US" sz="3200" spc="-1" strike="noStrike">
+          <a:lstStyle/>
+          <a:p>
+            <a:endParaRPr lang="en-US" sz="3200" b="0" strike="noStrike" spc="-1">
               <a:latin typeface="Arial"/>
             </a:endParaRPr>
           </a:p>
@@ -2872,11 +3263,14 @@
       </p:sp>
     </p:spTree>
   </p:cSld>
+  <p:clrMapOvr>
+    <a:masterClrMapping/>
+  </p:clrMapOvr>
 </p:sldLayout>
 </file>
 
 <file path=ppt/slideLayouts/slideLayout24.xml><?xml version="1.0" encoding="utf-8"?>
-<p:sldLayout xmlns:a="http://schemas.openxmlformats.org/drawingml/2006/main" xmlns:p="http://schemas.openxmlformats.org/presentationml/2006/main" xmlns:r="http://schemas.openxmlformats.org/officeDocument/2006/relationships" xmlns:p14="http://schemas.microsoft.com/office/powerpoint/2010/main" xmlns:p15="http://schemas.microsoft.com/office/powerpoint/2012/main" xmlns:mc="http://schemas.openxmlformats.org/markup-compatibility/2006" type="blank" preserve="1">
+<p:sldLayout xmlns:a="http://schemas.openxmlformats.org/drawingml/2006/main" xmlns:r="http://schemas.openxmlformats.org/officeDocument/2006/relationships" xmlns:p="http://schemas.openxmlformats.org/presentationml/2006/main" type="blank" preserve="1">
   <p:cSld name="Title, 6 Content">
     <p:spTree>
       <p:nvGrpSpPr>
@@ -2912,12 +3306,13 @@
           </a:prstGeom>
         </p:spPr>
         <p:txBody>
-          <a:bodyPr lIns="0" rIns="0" tIns="0" bIns="0" anchor="ctr">
+          <a:bodyPr lIns="0" tIns="0" rIns="0" bIns="0" anchor="ctr">
             <a:noAutofit/>
           </a:bodyPr>
+          <a:lstStyle/>
           <a:p>
             <a:pPr algn="ctr"/>
-            <a:endParaRPr b="0" lang="en-US" sz="4400" spc="-1" strike="noStrike">
+            <a:endParaRPr lang="en-US" sz="4400" b="0" strike="noStrike" spc="-1">
               <a:latin typeface="Arial"/>
             </a:endParaRPr>
           </a:p>
@@ -2943,11 +3338,12 @@
           </a:prstGeom>
         </p:spPr>
         <p:txBody>
-          <a:bodyPr lIns="0" rIns="0" tIns="0" bIns="0">
+          <a:bodyPr lIns="0" tIns="0" rIns="0" bIns="0">
             <a:normAutofit/>
           </a:bodyPr>
-          <a:p>
-            <a:endParaRPr b="0" lang="en-US" sz="3200" spc="-1" strike="noStrike">
+          <a:lstStyle/>
+          <a:p>
+            <a:endParaRPr lang="en-US" sz="3200" b="0" strike="noStrike" spc="-1">
               <a:latin typeface="Arial"/>
             </a:endParaRPr>
           </a:p>
@@ -2973,11 +3369,12 @@
           </a:prstGeom>
         </p:spPr>
         <p:txBody>
-          <a:bodyPr lIns="0" rIns="0" tIns="0" bIns="0">
+          <a:bodyPr lIns="0" tIns="0" rIns="0" bIns="0">
             <a:normAutofit/>
           </a:bodyPr>
-          <a:p>
-            <a:endParaRPr b="0" lang="en-US" sz="3200" spc="-1" strike="noStrike">
+          <a:lstStyle/>
+          <a:p>
+            <a:endParaRPr lang="en-US" sz="3200" b="0" strike="noStrike" spc="-1">
               <a:latin typeface="Arial"/>
             </a:endParaRPr>
           </a:p>
@@ -3003,11 +3400,12 @@
           </a:prstGeom>
         </p:spPr>
         <p:txBody>
-          <a:bodyPr lIns="0" rIns="0" tIns="0" bIns="0">
+          <a:bodyPr lIns="0" tIns="0" rIns="0" bIns="0">
             <a:normAutofit/>
           </a:bodyPr>
-          <a:p>
-            <a:endParaRPr b="0" lang="en-US" sz="3200" spc="-1" strike="noStrike">
+          <a:lstStyle/>
+          <a:p>
+            <a:endParaRPr lang="en-US" sz="3200" b="0" strike="noStrike" spc="-1">
               <a:latin typeface="Arial"/>
             </a:endParaRPr>
           </a:p>
@@ -3033,11 +3431,12 @@
           </a:prstGeom>
         </p:spPr>
         <p:txBody>
-          <a:bodyPr lIns="0" rIns="0" tIns="0" bIns="0">
+          <a:bodyPr lIns="0" tIns="0" rIns="0" bIns="0">
             <a:normAutofit/>
           </a:bodyPr>
-          <a:p>
-            <a:endParaRPr b="0" lang="en-US" sz="3200" spc="-1" strike="noStrike">
+          <a:lstStyle/>
+          <a:p>
+            <a:endParaRPr lang="en-US" sz="3200" b="0" strike="noStrike" spc="-1">
               <a:latin typeface="Arial"/>
             </a:endParaRPr>
           </a:p>
@@ -3063,11 +3462,12 @@
           </a:prstGeom>
         </p:spPr>
         <p:txBody>
-          <a:bodyPr lIns="0" rIns="0" tIns="0" bIns="0">
+          <a:bodyPr lIns="0" tIns="0" rIns="0" bIns="0">
             <a:normAutofit/>
           </a:bodyPr>
-          <a:p>
-            <a:endParaRPr b="0" lang="en-US" sz="3200" spc="-1" strike="noStrike">
+          <a:lstStyle/>
+          <a:p>
+            <a:endParaRPr lang="en-US" sz="3200" b="0" strike="noStrike" spc="-1">
               <a:latin typeface="Arial"/>
             </a:endParaRPr>
           </a:p>
@@ -3093,11 +3493,12 @@
           </a:prstGeom>
         </p:spPr>
         <p:txBody>
-          <a:bodyPr lIns="0" rIns="0" tIns="0" bIns="0">
+          <a:bodyPr lIns="0" tIns="0" rIns="0" bIns="0">
             <a:normAutofit/>
           </a:bodyPr>
-          <a:p>
-            <a:endParaRPr b="0" lang="en-US" sz="3200" spc="-1" strike="noStrike">
+          <a:lstStyle/>
+          <a:p>
+            <a:endParaRPr lang="en-US" sz="3200" b="0" strike="noStrike" spc="-1">
               <a:latin typeface="Arial"/>
             </a:endParaRPr>
           </a:p>
@@ -3105,11 +3506,14 @@
       </p:sp>
     </p:spTree>
   </p:cSld>
+  <p:clrMapOvr>
+    <a:masterClrMapping/>
+  </p:clrMapOvr>
 </p:sldLayout>
 </file>
 
 <file path=ppt/slideLayouts/slideLayout3.xml><?xml version="1.0" encoding="utf-8"?>
-<p:sldLayout xmlns:a="http://schemas.openxmlformats.org/drawingml/2006/main" xmlns:p="http://schemas.openxmlformats.org/presentationml/2006/main" xmlns:r="http://schemas.openxmlformats.org/officeDocument/2006/relationships" xmlns:p14="http://schemas.microsoft.com/office/powerpoint/2010/main" xmlns:p15="http://schemas.microsoft.com/office/powerpoint/2012/main" xmlns:mc="http://schemas.openxmlformats.org/markup-compatibility/2006" type="obj" preserve="1">
+<p:sldLayout xmlns:a="http://schemas.openxmlformats.org/drawingml/2006/main" xmlns:r="http://schemas.openxmlformats.org/officeDocument/2006/relationships" xmlns:p="http://schemas.openxmlformats.org/presentationml/2006/main" type="obj" preserve="1">
   <p:cSld name="Title, Content">
     <p:spTree>
       <p:nvGrpSpPr>
@@ -3145,12 +3549,13 @@
           </a:prstGeom>
         </p:spPr>
         <p:txBody>
-          <a:bodyPr lIns="0" rIns="0" tIns="0" bIns="0" anchor="ctr">
+          <a:bodyPr lIns="0" tIns="0" rIns="0" bIns="0" anchor="ctr">
             <a:noAutofit/>
           </a:bodyPr>
+          <a:lstStyle/>
           <a:p>
             <a:pPr algn="ctr"/>
-            <a:endParaRPr b="0" lang="en-US" sz="4400" spc="-1" strike="noStrike">
+            <a:endParaRPr lang="en-US" sz="4400" b="0" strike="noStrike" spc="-1">
               <a:latin typeface="Arial"/>
             </a:endParaRPr>
           </a:p>
@@ -3176,11 +3581,12 @@
           </a:prstGeom>
         </p:spPr>
         <p:txBody>
-          <a:bodyPr lIns="0" rIns="0" tIns="0" bIns="0">
+          <a:bodyPr lIns="0" tIns="0" rIns="0" bIns="0">
             <a:normAutofit/>
           </a:bodyPr>
-          <a:p>
-            <a:endParaRPr b="0" lang="en-US" sz="3200" spc="-1" strike="noStrike">
+          <a:lstStyle/>
+          <a:p>
+            <a:endParaRPr lang="en-US" sz="3200" b="0" strike="noStrike" spc="-1">
               <a:latin typeface="Arial"/>
             </a:endParaRPr>
           </a:p>
@@ -3188,11 +3594,14 @@
       </p:sp>
     </p:spTree>
   </p:cSld>
+  <p:clrMapOvr>
+    <a:masterClrMapping/>
+  </p:clrMapOvr>
 </p:sldLayout>
 </file>
 
 <file path=ppt/slideLayouts/slideLayout4.xml><?xml version="1.0" encoding="utf-8"?>
-<p:sldLayout xmlns:a="http://schemas.openxmlformats.org/drawingml/2006/main" xmlns:p="http://schemas.openxmlformats.org/presentationml/2006/main" xmlns:r="http://schemas.openxmlformats.org/officeDocument/2006/relationships" xmlns:p14="http://schemas.microsoft.com/office/powerpoint/2010/main" xmlns:p15="http://schemas.microsoft.com/office/powerpoint/2012/main" xmlns:mc="http://schemas.openxmlformats.org/markup-compatibility/2006" type="twoObj" preserve="1">
+<p:sldLayout xmlns:a="http://schemas.openxmlformats.org/drawingml/2006/main" xmlns:r="http://schemas.openxmlformats.org/officeDocument/2006/relationships" xmlns:p="http://schemas.openxmlformats.org/presentationml/2006/main" type="twoObj" preserve="1">
   <p:cSld name="Title, 2 Content">
     <p:spTree>
       <p:nvGrpSpPr>
@@ -3228,12 +3637,13 @@
           </a:prstGeom>
         </p:spPr>
         <p:txBody>
-          <a:bodyPr lIns="0" rIns="0" tIns="0" bIns="0" anchor="ctr">
+          <a:bodyPr lIns="0" tIns="0" rIns="0" bIns="0" anchor="ctr">
             <a:noAutofit/>
           </a:bodyPr>
+          <a:lstStyle/>
           <a:p>
             <a:pPr algn="ctr"/>
-            <a:endParaRPr b="0" lang="en-US" sz="4400" spc="-1" strike="noStrike">
+            <a:endParaRPr lang="en-US" sz="4400" b="0" strike="noStrike" spc="-1">
               <a:latin typeface="Arial"/>
             </a:endParaRPr>
           </a:p>
@@ -3259,11 +3669,12 @@
           </a:prstGeom>
         </p:spPr>
         <p:txBody>
-          <a:bodyPr lIns="0" rIns="0" tIns="0" bIns="0">
+          <a:bodyPr lIns="0" tIns="0" rIns="0" bIns="0">
             <a:normAutofit/>
           </a:bodyPr>
-          <a:p>
-            <a:endParaRPr b="0" lang="en-US" sz="3200" spc="-1" strike="noStrike">
+          <a:lstStyle/>
+          <a:p>
+            <a:endParaRPr lang="en-US" sz="3200" b="0" strike="noStrike" spc="-1">
               <a:latin typeface="Arial"/>
             </a:endParaRPr>
           </a:p>
@@ -3289,11 +3700,12 @@
           </a:prstGeom>
         </p:spPr>
         <p:txBody>
-          <a:bodyPr lIns="0" rIns="0" tIns="0" bIns="0">
+          <a:bodyPr lIns="0" tIns="0" rIns="0" bIns="0">
             <a:normAutofit/>
           </a:bodyPr>
-          <a:p>
-            <a:endParaRPr b="0" lang="en-US" sz="3200" spc="-1" strike="noStrike">
+          <a:lstStyle/>
+          <a:p>
+            <a:endParaRPr lang="en-US" sz="3200" b="0" strike="noStrike" spc="-1">
               <a:latin typeface="Arial"/>
             </a:endParaRPr>
           </a:p>
@@ -3301,11 +3713,14 @@
       </p:sp>
     </p:spTree>
   </p:cSld>
+  <p:clrMapOvr>
+    <a:masterClrMapping/>
+  </p:clrMapOvr>
 </p:sldLayout>
 </file>
 
 <file path=ppt/slideLayouts/slideLayout5.xml><?xml version="1.0" encoding="utf-8"?>
-<p:sldLayout xmlns:a="http://schemas.openxmlformats.org/drawingml/2006/main" xmlns:p="http://schemas.openxmlformats.org/presentationml/2006/main" xmlns:r="http://schemas.openxmlformats.org/officeDocument/2006/relationships" xmlns:p14="http://schemas.microsoft.com/office/powerpoint/2010/main" xmlns:p15="http://schemas.microsoft.com/office/powerpoint/2012/main" xmlns:mc="http://schemas.openxmlformats.org/markup-compatibility/2006" type="titleOnly" preserve="1">
+<p:sldLayout xmlns:a="http://schemas.openxmlformats.org/drawingml/2006/main" xmlns:r="http://schemas.openxmlformats.org/officeDocument/2006/relationships" xmlns:p="http://schemas.openxmlformats.org/presentationml/2006/main" type="titleOnly" preserve="1">
   <p:cSld name="Title Only">
     <p:spTree>
       <p:nvGrpSpPr>
@@ -3341,12 +3756,13 @@
           </a:prstGeom>
         </p:spPr>
         <p:txBody>
-          <a:bodyPr lIns="0" rIns="0" tIns="0" bIns="0" anchor="ctr">
+          <a:bodyPr lIns="0" tIns="0" rIns="0" bIns="0" anchor="ctr">
             <a:noAutofit/>
           </a:bodyPr>
+          <a:lstStyle/>
           <a:p>
             <a:pPr algn="ctr"/>
-            <a:endParaRPr b="0" lang="en-US" sz="4400" spc="-1" strike="noStrike">
+            <a:endParaRPr lang="en-US" sz="4400" b="0" strike="noStrike" spc="-1">
               <a:latin typeface="Arial"/>
             </a:endParaRPr>
           </a:p>
@@ -3354,11 +3770,14 @@
       </p:sp>
     </p:spTree>
   </p:cSld>
+  <p:clrMapOvr>
+    <a:masterClrMapping/>
+  </p:clrMapOvr>
 </p:sldLayout>
 </file>
 
 <file path=ppt/slideLayouts/slideLayout6.xml><?xml version="1.0" encoding="utf-8"?>
-<p:sldLayout xmlns:a="http://schemas.openxmlformats.org/drawingml/2006/main" xmlns:p="http://schemas.openxmlformats.org/presentationml/2006/main" xmlns:r="http://schemas.openxmlformats.org/officeDocument/2006/relationships" xmlns:p14="http://schemas.microsoft.com/office/powerpoint/2010/main" xmlns:p15="http://schemas.microsoft.com/office/powerpoint/2012/main" xmlns:mc="http://schemas.openxmlformats.org/markup-compatibility/2006" type="objOnly" preserve="1">
+<p:sldLayout xmlns:a="http://schemas.openxmlformats.org/drawingml/2006/main" xmlns:r="http://schemas.openxmlformats.org/officeDocument/2006/relationships" xmlns:p="http://schemas.openxmlformats.org/presentationml/2006/main" type="objOnly" preserve="1">
   <p:cSld name="Centered Text">
     <p:spTree>
       <p:nvGrpSpPr>
@@ -3394,12 +3813,13 @@
           </a:prstGeom>
         </p:spPr>
         <p:txBody>
-          <a:bodyPr lIns="0" rIns="0" tIns="0" bIns="0" anchor="ctr">
+          <a:bodyPr lIns="0" tIns="0" rIns="0" bIns="0" anchor="ctr">
             <a:noAutofit/>
           </a:bodyPr>
+          <a:lstStyle/>
           <a:p>
             <a:pPr algn="ctr"/>
-            <a:endParaRPr b="0" lang="en-US" sz="3200" spc="-1" strike="noStrike">
+            <a:endParaRPr lang="en-US" sz="3200" b="0" strike="noStrike" spc="-1">
               <a:latin typeface="Arial"/>
             </a:endParaRPr>
           </a:p>
@@ -3407,11 +3827,14 @@
       </p:sp>
     </p:spTree>
   </p:cSld>
+  <p:clrMapOvr>
+    <a:masterClrMapping/>
+  </p:clrMapOvr>
 </p:sldLayout>
 </file>
 
 <file path=ppt/slideLayouts/slideLayout7.xml><?xml version="1.0" encoding="utf-8"?>
-<p:sldLayout xmlns:a="http://schemas.openxmlformats.org/drawingml/2006/main" xmlns:p="http://schemas.openxmlformats.org/presentationml/2006/main" xmlns:r="http://schemas.openxmlformats.org/officeDocument/2006/relationships" xmlns:p14="http://schemas.microsoft.com/office/powerpoint/2010/main" xmlns:p15="http://schemas.microsoft.com/office/powerpoint/2012/main" xmlns:mc="http://schemas.openxmlformats.org/markup-compatibility/2006" type="twoObjAndObj" preserve="1">
+<p:sldLayout xmlns:a="http://schemas.openxmlformats.org/drawingml/2006/main" xmlns:r="http://schemas.openxmlformats.org/officeDocument/2006/relationships" xmlns:p="http://schemas.openxmlformats.org/presentationml/2006/main" type="twoObjAndObj" preserve="1">
   <p:cSld name="Title, 2 Content and Content">
     <p:spTree>
       <p:nvGrpSpPr>
@@ -3447,12 +3870,13 @@
           </a:prstGeom>
         </p:spPr>
         <p:txBody>
-          <a:bodyPr lIns="0" rIns="0" tIns="0" bIns="0" anchor="ctr">
+          <a:bodyPr lIns="0" tIns="0" rIns="0" bIns="0" anchor="ctr">
             <a:noAutofit/>
           </a:bodyPr>
+          <a:lstStyle/>
           <a:p>
             <a:pPr algn="ctr"/>
-            <a:endParaRPr b="0" lang="en-US" sz="4400" spc="-1" strike="noStrike">
+            <a:endParaRPr lang="en-US" sz="4400" b="0" strike="noStrike" spc="-1">
               <a:latin typeface="Arial"/>
             </a:endParaRPr>
           </a:p>
@@ -3478,11 +3902,12 @@
           </a:prstGeom>
         </p:spPr>
         <p:txBody>
-          <a:bodyPr lIns="0" rIns="0" tIns="0" bIns="0">
+          <a:bodyPr lIns="0" tIns="0" rIns="0" bIns="0">
             <a:normAutofit/>
           </a:bodyPr>
-          <a:p>
-            <a:endParaRPr b="0" lang="en-US" sz="3200" spc="-1" strike="noStrike">
+          <a:lstStyle/>
+          <a:p>
+            <a:endParaRPr lang="en-US" sz="3200" b="0" strike="noStrike" spc="-1">
               <a:latin typeface="Arial"/>
             </a:endParaRPr>
           </a:p>
@@ -3508,11 +3933,12 @@
           </a:prstGeom>
         </p:spPr>
         <p:txBody>
-          <a:bodyPr lIns="0" rIns="0" tIns="0" bIns="0">
+          <a:bodyPr lIns="0" tIns="0" rIns="0" bIns="0">
             <a:normAutofit/>
           </a:bodyPr>
-          <a:p>
-            <a:endParaRPr b="0" lang="en-US" sz="3200" spc="-1" strike="noStrike">
+          <a:lstStyle/>
+          <a:p>
+            <a:endParaRPr lang="en-US" sz="3200" b="0" strike="noStrike" spc="-1">
               <a:latin typeface="Arial"/>
             </a:endParaRPr>
           </a:p>
@@ -3538,11 +3964,12 @@
           </a:prstGeom>
         </p:spPr>
         <p:txBody>
-          <a:bodyPr lIns="0" rIns="0" tIns="0" bIns="0">
+          <a:bodyPr lIns="0" tIns="0" rIns="0" bIns="0">
             <a:normAutofit/>
           </a:bodyPr>
-          <a:p>
-            <a:endParaRPr b="0" lang="en-US" sz="3200" spc="-1" strike="noStrike">
+          <a:lstStyle/>
+          <a:p>
+            <a:endParaRPr lang="en-US" sz="3200" b="0" strike="noStrike" spc="-1">
               <a:latin typeface="Arial"/>
             </a:endParaRPr>
           </a:p>
@@ -3550,11 +3977,14 @@
       </p:sp>
     </p:spTree>
   </p:cSld>
+  <p:clrMapOvr>
+    <a:masterClrMapping/>
+  </p:clrMapOvr>
 </p:sldLayout>
 </file>
 
 <file path=ppt/slideLayouts/slideLayout8.xml><?xml version="1.0" encoding="utf-8"?>
-<p:sldLayout xmlns:a="http://schemas.openxmlformats.org/drawingml/2006/main" xmlns:p="http://schemas.openxmlformats.org/presentationml/2006/main" xmlns:r="http://schemas.openxmlformats.org/officeDocument/2006/relationships" xmlns:p14="http://schemas.microsoft.com/office/powerpoint/2010/main" xmlns:p15="http://schemas.microsoft.com/office/powerpoint/2012/main" xmlns:mc="http://schemas.openxmlformats.org/markup-compatibility/2006" type="objAndTwoObj" preserve="1">
+<p:sldLayout xmlns:a="http://schemas.openxmlformats.org/drawingml/2006/main" xmlns:r="http://schemas.openxmlformats.org/officeDocument/2006/relationships" xmlns:p="http://schemas.openxmlformats.org/presentationml/2006/main" type="objAndTwoObj" preserve="1">
   <p:cSld name="Title Content and 2 Content">
     <p:spTree>
       <p:nvGrpSpPr>
@@ -3590,12 +4020,13 @@
           </a:prstGeom>
         </p:spPr>
         <p:txBody>
-          <a:bodyPr lIns="0" rIns="0" tIns="0" bIns="0" anchor="ctr">
+          <a:bodyPr lIns="0" tIns="0" rIns="0" bIns="0" anchor="ctr">
             <a:noAutofit/>
           </a:bodyPr>
+          <a:lstStyle/>
           <a:p>
             <a:pPr algn="ctr"/>
-            <a:endParaRPr b="0" lang="en-US" sz="4400" spc="-1" strike="noStrike">
+            <a:endParaRPr lang="en-US" sz="4400" b="0" strike="noStrike" spc="-1">
               <a:latin typeface="Arial"/>
             </a:endParaRPr>
           </a:p>
@@ -3621,11 +4052,12 @@
           </a:prstGeom>
         </p:spPr>
         <p:txBody>
-          <a:bodyPr lIns="0" rIns="0" tIns="0" bIns="0">
+          <a:bodyPr lIns="0" tIns="0" rIns="0" bIns="0">
             <a:normAutofit/>
           </a:bodyPr>
-          <a:p>
-            <a:endParaRPr b="0" lang="en-US" sz="3200" spc="-1" strike="noStrike">
+          <a:lstStyle/>
+          <a:p>
+            <a:endParaRPr lang="en-US" sz="3200" b="0" strike="noStrike" spc="-1">
               <a:latin typeface="Arial"/>
             </a:endParaRPr>
           </a:p>
@@ -3651,11 +4083,12 @@
           </a:prstGeom>
         </p:spPr>
         <p:txBody>
-          <a:bodyPr lIns="0" rIns="0" tIns="0" bIns="0">
+          <a:bodyPr lIns="0" tIns="0" rIns="0" bIns="0">
             <a:normAutofit/>
           </a:bodyPr>
-          <a:p>
-            <a:endParaRPr b="0" lang="en-US" sz="3200" spc="-1" strike="noStrike">
+          <a:lstStyle/>
+          <a:p>
+            <a:endParaRPr lang="en-US" sz="3200" b="0" strike="noStrike" spc="-1">
               <a:latin typeface="Arial"/>
             </a:endParaRPr>
           </a:p>
@@ -3681,11 +4114,12 @@
           </a:prstGeom>
         </p:spPr>
         <p:txBody>
-          <a:bodyPr lIns="0" rIns="0" tIns="0" bIns="0">
+          <a:bodyPr lIns="0" tIns="0" rIns="0" bIns="0">
             <a:normAutofit/>
           </a:bodyPr>
-          <a:p>
-            <a:endParaRPr b="0" lang="en-US" sz="3200" spc="-1" strike="noStrike">
+          <a:lstStyle/>
+          <a:p>
+            <a:endParaRPr lang="en-US" sz="3200" b="0" strike="noStrike" spc="-1">
               <a:latin typeface="Arial"/>
             </a:endParaRPr>
           </a:p>
@@ -3693,11 +4127,14 @@
       </p:sp>
     </p:spTree>
   </p:cSld>
+  <p:clrMapOvr>
+    <a:masterClrMapping/>
+  </p:clrMapOvr>
 </p:sldLayout>
 </file>
 
 <file path=ppt/slideLayouts/slideLayout9.xml><?xml version="1.0" encoding="utf-8"?>
-<p:sldLayout xmlns:a="http://schemas.openxmlformats.org/drawingml/2006/main" xmlns:p="http://schemas.openxmlformats.org/presentationml/2006/main" xmlns:r="http://schemas.openxmlformats.org/officeDocument/2006/relationships" xmlns:p14="http://schemas.microsoft.com/office/powerpoint/2010/main" xmlns:p15="http://schemas.microsoft.com/office/powerpoint/2012/main" xmlns:mc="http://schemas.openxmlformats.org/markup-compatibility/2006" type="twoObjOverTx" preserve="1">
+<p:sldLayout xmlns:a="http://schemas.openxmlformats.org/drawingml/2006/main" xmlns:r="http://schemas.openxmlformats.org/officeDocument/2006/relationships" xmlns:p="http://schemas.openxmlformats.org/presentationml/2006/main" type="twoObjOverTx" preserve="1">
   <p:cSld name="Title, 2 Content over Content">
     <p:spTree>
       <p:nvGrpSpPr>
@@ -3733,12 +4170,13 @@
           </a:prstGeom>
         </p:spPr>
         <p:txBody>
-          <a:bodyPr lIns="0" rIns="0" tIns="0" bIns="0" anchor="ctr">
+          <a:bodyPr lIns="0" tIns="0" rIns="0" bIns="0" anchor="ctr">
             <a:noAutofit/>
           </a:bodyPr>
+          <a:lstStyle/>
           <a:p>
             <a:pPr algn="ctr"/>
-            <a:endParaRPr b="0" lang="en-US" sz="4400" spc="-1" strike="noStrike">
+            <a:endParaRPr lang="en-US" sz="4400" b="0" strike="noStrike" spc="-1">
               <a:latin typeface="Arial"/>
             </a:endParaRPr>
           </a:p>
@@ -3764,11 +4202,12 @@
           </a:prstGeom>
         </p:spPr>
         <p:txBody>
-          <a:bodyPr lIns="0" rIns="0" tIns="0" bIns="0">
+          <a:bodyPr lIns="0" tIns="0" rIns="0" bIns="0">
             <a:normAutofit/>
           </a:bodyPr>
-          <a:p>
-            <a:endParaRPr b="0" lang="en-US" sz="3200" spc="-1" strike="noStrike">
+          <a:lstStyle/>
+          <a:p>
+            <a:endParaRPr lang="en-US" sz="3200" b="0" strike="noStrike" spc="-1">
               <a:latin typeface="Arial"/>
             </a:endParaRPr>
           </a:p>
@@ -3794,11 +4233,12 @@
           </a:prstGeom>
         </p:spPr>
         <p:txBody>
-          <a:bodyPr lIns="0" rIns="0" tIns="0" bIns="0">
+          <a:bodyPr lIns="0" tIns="0" rIns="0" bIns="0">
             <a:normAutofit/>
           </a:bodyPr>
-          <a:p>
-            <a:endParaRPr b="0" lang="en-US" sz="3200" spc="-1" strike="noStrike">
+          <a:lstStyle/>
+          <a:p>
+            <a:endParaRPr lang="en-US" sz="3200" b="0" strike="noStrike" spc="-1">
               <a:latin typeface="Arial"/>
             </a:endParaRPr>
           </a:p>
@@ -3824,11 +4264,12 @@
           </a:prstGeom>
         </p:spPr>
         <p:txBody>
-          <a:bodyPr lIns="0" rIns="0" tIns="0" bIns="0">
+          <a:bodyPr lIns="0" tIns="0" rIns="0" bIns="0">
             <a:normAutofit/>
           </a:bodyPr>
-          <a:p>
-            <a:endParaRPr b="0" lang="en-US" sz="3200" spc="-1" strike="noStrike">
+          <a:lstStyle/>
+          <a:p>
+            <a:endParaRPr lang="en-US" sz="3200" b="0" strike="noStrike" spc="-1">
               <a:latin typeface="Arial"/>
             </a:endParaRPr>
           </a:p>
@@ -3836,17 +4277,21 @@
       </p:sp>
     </p:spTree>
   </p:cSld>
+  <p:clrMapOvr>
+    <a:masterClrMapping/>
+  </p:clrMapOvr>
 </p:sldLayout>
 </file>
 
 <file path=ppt/slideMasters/slideMaster1.xml><?xml version="1.0" encoding="utf-8"?>
-<p:sldMaster xmlns:a="http://schemas.openxmlformats.org/drawingml/2006/main" xmlns:p="http://schemas.openxmlformats.org/presentationml/2006/main" xmlns:r="http://schemas.openxmlformats.org/officeDocument/2006/relationships" xmlns:p14="http://schemas.microsoft.com/office/powerpoint/2010/main" xmlns:p15="http://schemas.microsoft.com/office/powerpoint/2012/main" xmlns:mc="http://schemas.openxmlformats.org/markup-compatibility/2006">
+<p:sldMaster xmlns:a="http://schemas.openxmlformats.org/drawingml/2006/main" xmlns:r="http://schemas.openxmlformats.org/officeDocument/2006/relationships" xmlns:p="http://schemas.openxmlformats.org/presentationml/2006/main">
   <p:cSld>
     <p:bg>
       <p:bgPr>
         <a:solidFill>
-          <a:srgbClr val="ffffff"/>
+          <a:srgbClr val="FFFFFF"/>
         </a:solidFill>
+        <a:effectLst/>
       </p:bgPr>
     </p:bg>
     <p:spTree>
@@ -3865,12 +4310,12 @@
       </p:grpSpPr>
       <p:pic>
         <p:nvPicPr>
-          <p:cNvPr id="0" name="Shape 10" descr=""/>
+          <p:cNvPr id="4" name="Shape 10"/>
           <p:cNvPicPr/>
           <p:nvPr/>
         </p:nvPicPr>
         <p:blipFill>
-          <a:blip r:embed="rId2"/>
+          <a:blip r:embed="rId14"/>
           <a:stretch/>
         </p:blipFill>
         <p:spPr>
@@ -3888,12 +4333,12 @@
       </p:pic>
       <p:pic>
         <p:nvPicPr>
-          <p:cNvPr id="1" name="Shape 11" descr=""/>
+          <p:cNvPr id="5" name="Shape 11"/>
           <p:cNvPicPr/>
           <p:nvPr/>
         </p:nvPicPr>
         <p:blipFill>
-          <a:blip r:embed="rId3"/>
+          <a:blip r:embed="rId15"/>
           <a:stretch/>
         </p:blipFill>
         <p:spPr>
@@ -3929,19 +4374,17 @@
           </a:prstGeom>
         </p:spPr>
         <p:txBody>
-          <a:bodyPr lIns="0" rIns="0" tIns="0" bIns="0" anchor="ctr">
+          <a:bodyPr lIns="0" tIns="0" rIns="0" bIns="0" anchor="ctr">
             <a:noAutofit/>
           </a:bodyPr>
-          <a:p>
-            <a:r>
-              <a:rPr b="0" lang="en-US" sz="1800" spc="-1" strike="noStrike">
+          <a:lstStyle/>
+          <a:p>
+            <a:r>
+              <a:rPr lang="en-US" sz="1800" b="0" strike="noStrike" spc="-1">
                 <a:latin typeface="Arial"/>
               </a:rPr>
               <a:t>Click to edit the title text format</a:t>
             </a:r>
-            <a:endParaRPr b="0" lang="en-US" sz="1800" spc="-1" strike="noStrike">
-              <a:latin typeface="Arial"/>
-            </a:endParaRPr>
           </a:p>
         </p:txBody>
       </p:sp>
@@ -3965,9 +4408,10 @@
           </a:prstGeom>
         </p:spPr>
         <p:txBody>
-          <a:bodyPr lIns="0" rIns="0" tIns="0" bIns="0">
+          <a:bodyPr lIns="0" tIns="0" rIns="0" bIns="0">
             <a:normAutofit/>
           </a:bodyPr>
+          <a:lstStyle/>
           <a:p>
             <a:pPr marL="432000" indent="-324000">
               <a:spcBef>
@@ -3981,17 +4425,14 @@
               <a:buChar char=""/>
             </a:pPr>
             <a:r>
-              <a:rPr b="0" lang="en-US" sz="3200" spc="-1" strike="noStrike">
+              <a:rPr lang="en-US" sz="3200" b="0" strike="noStrike" spc="-1">
                 <a:latin typeface="Arial"/>
               </a:rPr>
               <a:t>Click to edit the outline text format</a:t>
             </a:r>
-            <a:endParaRPr b="0" lang="en-US" sz="3200" spc="-1" strike="noStrike">
-              <a:latin typeface="Arial"/>
-            </a:endParaRPr>
-          </a:p>
-          <a:p>
-            <a:pPr lvl="1" marL="864000" indent="-324000">
+          </a:p>
+          <a:p>
+            <a:pPr marL="864000" lvl="1" indent="-324000">
               <a:spcBef>
                 <a:spcPts val="1134"/>
               </a:spcBef>
@@ -4003,17 +4444,14 @@
               <a:buChar char=""/>
             </a:pPr>
             <a:r>
-              <a:rPr b="0" lang="en-US" sz="2800" spc="-1" strike="noStrike">
+              <a:rPr lang="en-US" sz="2800" b="0" strike="noStrike" spc="-1">
                 <a:latin typeface="Arial"/>
               </a:rPr>
               <a:t>Second Outline Level</a:t>
             </a:r>
-            <a:endParaRPr b="0" lang="en-US" sz="2800" spc="-1" strike="noStrike">
-              <a:latin typeface="Arial"/>
-            </a:endParaRPr>
-          </a:p>
-          <a:p>
-            <a:pPr lvl="2" marL="1296000" indent="-288000">
+          </a:p>
+          <a:p>
+            <a:pPr marL="1296000" lvl="2" indent="-288000">
               <a:spcBef>
                 <a:spcPts val="850"/>
               </a:spcBef>
@@ -4025,17 +4463,14 @@
               <a:buChar char=""/>
             </a:pPr>
             <a:r>
-              <a:rPr b="0" lang="en-US" sz="2400" spc="-1" strike="noStrike">
+              <a:rPr lang="en-US" sz="2400" b="0" strike="noStrike" spc="-1">
                 <a:latin typeface="Arial"/>
               </a:rPr>
               <a:t>Third Outline Level</a:t>
             </a:r>
-            <a:endParaRPr b="0" lang="en-US" sz="2400" spc="-1" strike="noStrike">
-              <a:latin typeface="Arial"/>
-            </a:endParaRPr>
-          </a:p>
-          <a:p>
-            <a:pPr lvl="3" marL="1728000" indent="-216000">
+          </a:p>
+          <a:p>
+            <a:pPr marL="1728000" lvl="3" indent="-216000">
               <a:spcBef>
                 <a:spcPts val="567"/>
               </a:spcBef>
@@ -4047,17 +4482,14 @@
               <a:buChar char=""/>
             </a:pPr>
             <a:r>
-              <a:rPr b="0" lang="en-US" sz="2000" spc="-1" strike="noStrike">
+              <a:rPr lang="en-US" sz="2000" b="0" strike="noStrike" spc="-1">
                 <a:latin typeface="Arial"/>
               </a:rPr>
               <a:t>Fourth Outline Level</a:t>
             </a:r>
-            <a:endParaRPr b="0" lang="en-US" sz="2000" spc="-1" strike="noStrike">
-              <a:latin typeface="Arial"/>
-            </a:endParaRPr>
-          </a:p>
-          <a:p>
-            <a:pPr lvl="4" marL="2160000" indent="-216000">
+          </a:p>
+          <a:p>
+            <a:pPr marL="2160000" lvl="4" indent="-216000">
               <a:spcBef>
                 <a:spcPts val="283"/>
               </a:spcBef>
@@ -4069,17 +4501,14 @@
               <a:buChar char=""/>
             </a:pPr>
             <a:r>
-              <a:rPr b="0" lang="en-US" sz="2000" spc="-1" strike="noStrike">
+              <a:rPr lang="en-US" sz="2000" b="0" strike="noStrike" spc="-1">
                 <a:latin typeface="Arial"/>
               </a:rPr>
               <a:t>Fifth Outline Level</a:t>
             </a:r>
-            <a:endParaRPr b="0" lang="en-US" sz="2000" spc="-1" strike="noStrike">
-              <a:latin typeface="Arial"/>
-            </a:endParaRPr>
-          </a:p>
-          <a:p>
-            <a:pPr lvl="5" marL="2592000" indent="-216000">
+          </a:p>
+          <a:p>
+            <a:pPr marL="2592000" lvl="5" indent="-216000">
               <a:spcBef>
                 <a:spcPts val="283"/>
               </a:spcBef>
@@ -4091,17 +4520,14 @@
               <a:buChar char=""/>
             </a:pPr>
             <a:r>
-              <a:rPr b="0" lang="en-US" sz="2000" spc="-1" strike="noStrike">
+              <a:rPr lang="en-US" sz="2000" b="0" strike="noStrike" spc="-1">
                 <a:latin typeface="Arial"/>
               </a:rPr>
               <a:t>Sixth Outline Level</a:t>
             </a:r>
-            <a:endParaRPr b="0" lang="en-US" sz="2000" spc="-1" strike="noStrike">
-              <a:latin typeface="Arial"/>
-            </a:endParaRPr>
-          </a:p>
-          <a:p>
-            <a:pPr lvl="6" marL="3024000" indent="-216000">
+          </a:p>
+          <a:p>
+            <a:pPr marL="3024000" lvl="6" indent="-216000">
               <a:spcBef>
                 <a:spcPts val="283"/>
               </a:spcBef>
@@ -4113,45 +4539,323 @@
               <a:buChar char=""/>
             </a:pPr>
             <a:r>
-              <a:rPr b="0" lang="en-US" sz="2000" spc="-1" strike="noStrike">
+              <a:rPr lang="en-US" sz="2000" b="0" strike="noStrike" spc="-1">
                 <a:latin typeface="Arial"/>
               </a:rPr>
               <a:t>Seventh Outline Level</a:t>
             </a:r>
-            <a:endParaRPr b="0" lang="en-US" sz="2000" spc="-1" strike="noStrike">
-              <a:latin typeface="Arial"/>
-            </a:endParaRPr>
           </a:p>
         </p:txBody>
       </p:sp>
     </p:spTree>
   </p:cSld>
-  <p:clrMap bg1="lt1" bg2="lt2" tx1="dk1" tx2="dk2" accent1="accent1" accent2="accent2" accent3="accent3" accent4="accent4" accent5="accent5" accent6="accent6" hlink="hlink" folHlink="folHlink"/>
+  <p:clrMap bg1="lt1" tx1="dk1" bg2="lt2" tx2="dk2" accent1="accent1" accent2="accent2" accent3="accent3" accent4="accent4" accent5="accent5" accent6="accent6" hlink="hlink" folHlink="folHlink"/>
   <p:sldLayoutIdLst>
-    <p:sldLayoutId id="2147483649" r:id="rId4"/>
-    <p:sldLayoutId id="2147483650" r:id="rId5"/>
-    <p:sldLayoutId id="2147483651" r:id="rId6"/>
-    <p:sldLayoutId id="2147483652" r:id="rId7"/>
-    <p:sldLayoutId id="2147483653" r:id="rId8"/>
-    <p:sldLayoutId id="2147483654" r:id="rId9"/>
-    <p:sldLayoutId id="2147483655" r:id="rId10"/>
-    <p:sldLayoutId id="2147483656" r:id="rId11"/>
-    <p:sldLayoutId id="2147483657" r:id="rId12"/>
-    <p:sldLayoutId id="2147483658" r:id="rId13"/>
-    <p:sldLayoutId id="2147483659" r:id="rId14"/>
-    <p:sldLayoutId id="2147483660" r:id="rId15"/>
+    <p:sldLayoutId id="2147483649" r:id="rId1"/>
+    <p:sldLayoutId id="2147483650" r:id="rId2"/>
+    <p:sldLayoutId id="2147483651" r:id="rId3"/>
+    <p:sldLayoutId id="2147483652" r:id="rId4"/>
+    <p:sldLayoutId id="2147483653" r:id="rId5"/>
+    <p:sldLayoutId id="2147483654" r:id="rId6"/>
+    <p:sldLayoutId id="2147483655" r:id="rId7"/>
+    <p:sldLayoutId id="2147483656" r:id="rId8"/>
+    <p:sldLayoutId id="2147483657" r:id="rId9"/>
+    <p:sldLayoutId id="2147483658" r:id="rId10"/>
+    <p:sldLayoutId id="2147483659" r:id="rId11"/>
+    <p:sldLayoutId id="2147483660" r:id="rId12"/>
   </p:sldLayoutIdLst>
+  <p:txStyles>
+    <p:titleStyle>
+      <a:lvl1pPr algn="l" defTabSz="914400" rtl="0" eaLnBrk="1" latinLnBrk="0" hangingPunct="1">
+        <a:lnSpc>
+          <a:spcPct val="90000"/>
+        </a:lnSpc>
+        <a:spcBef>
+          <a:spcPct val="0"/>
+        </a:spcBef>
+        <a:buNone/>
+        <a:defRPr sz="4400" kern="1200">
+          <a:solidFill>
+            <a:schemeClr val="tx1"/>
+          </a:solidFill>
+          <a:latin typeface="+mj-lt"/>
+          <a:ea typeface="+mj-ea"/>
+          <a:cs typeface="+mj-cs"/>
+        </a:defRPr>
+      </a:lvl1pPr>
+    </p:titleStyle>
+    <p:bodyStyle>
+      <a:lvl1pPr marL="228600" indent="-228600" algn="l" defTabSz="914400" rtl="0" eaLnBrk="1" latinLnBrk="0" hangingPunct="1">
+        <a:lnSpc>
+          <a:spcPct val="90000"/>
+        </a:lnSpc>
+        <a:spcBef>
+          <a:spcPts val="1000"/>
+        </a:spcBef>
+        <a:buFont typeface="Arial"/>
+        <a:buChar char="•"/>
+        <a:defRPr sz="2800" kern="1200">
+          <a:solidFill>
+            <a:schemeClr val="tx1"/>
+          </a:solidFill>
+          <a:latin typeface="+mn-lt"/>
+          <a:ea typeface="+mn-ea"/>
+          <a:cs typeface="+mn-cs"/>
+        </a:defRPr>
+      </a:lvl1pPr>
+      <a:lvl2pPr marL="685800" indent="-228600" algn="l" defTabSz="914400" rtl="0" eaLnBrk="1" latinLnBrk="0" hangingPunct="1">
+        <a:lnSpc>
+          <a:spcPct val="90000"/>
+        </a:lnSpc>
+        <a:spcBef>
+          <a:spcPts val="500"/>
+        </a:spcBef>
+        <a:buFont typeface="Arial"/>
+        <a:buChar char="•"/>
+        <a:defRPr sz="2400" kern="1200">
+          <a:solidFill>
+            <a:schemeClr val="tx1"/>
+          </a:solidFill>
+          <a:latin typeface="+mn-lt"/>
+          <a:ea typeface="+mn-ea"/>
+          <a:cs typeface="+mn-cs"/>
+        </a:defRPr>
+      </a:lvl2pPr>
+      <a:lvl3pPr marL="1143000" indent="-228600" algn="l" defTabSz="914400" rtl="0" eaLnBrk="1" latinLnBrk="0" hangingPunct="1">
+        <a:lnSpc>
+          <a:spcPct val="90000"/>
+        </a:lnSpc>
+        <a:spcBef>
+          <a:spcPts val="500"/>
+        </a:spcBef>
+        <a:buFont typeface="Arial"/>
+        <a:buChar char="•"/>
+        <a:defRPr sz="2000" kern="1200">
+          <a:solidFill>
+            <a:schemeClr val="tx1"/>
+          </a:solidFill>
+          <a:latin typeface="+mn-lt"/>
+          <a:ea typeface="+mn-ea"/>
+          <a:cs typeface="+mn-cs"/>
+        </a:defRPr>
+      </a:lvl3pPr>
+      <a:lvl4pPr marL="1600200" indent="-228600" algn="l" defTabSz="914400" rtl="0" eaLnBrk="1" latinLnBrk="0" hangingPunct="1">
+        <a:lnSpc>
+          <a:spcPct val="90000"/>
+        </a:lnSpc>
+        <a:spcBef>
+          <a:spcPts val="500"/>
+        </a:spcBef>
+        <a:buFont typeface="Arial"/>
+        <a:buChar char="•"/>
+        <a:defRPr sz="1800" kern="1200">
+          <a:solidFill>
+            <a:schemeClr val="tx1"/>
+          </a:solidFill>
+          <a:latin typeface="+mn-lt"/>
+          <a:ea typeface="+mn-ea"/>
+          <a:cs typeface="+mn-cs"/>
+        </a:defRPr>
+      </a:lvl4pPr>
+      <a:lvl5pPr marL="2057400" indent="-228600" algn="l" defTabSz="914400" rtl="0" eaLnBrk="1" latinLnBrk="0" hangingPunct="1">
+        <a:lnSpc>
+          <a:spcPct val="90000"/>
+        </a:lnSpc>
+        <a:spcBef>
+          <a:spcPts val="500"/>
+        </a:spcBef>
+        <a:buFont typeface="Arial"/>
+        <a:buChar char="•"/>
+        <a:defRPr sz="1800" kern="1200">
+          <a:solidFill>
+            <a:schemeClr val="tx1"/>
+          </a:solidFill>
+          <a:latin typeface="+mn-lt"/>
+          <a:ea typeface="+mn-ea"/>
+          <a:cs typeface="+mn-cs"/>
+        </a:defRPr>
+      </a:lvl5pPr>
+      <a:lvl6pPr marL="2514600" indent="-228600" algn="l" defTabSz="914400" rtl="0" eaLnBrk="1" latinLnBrk="0" hangingPunct="1">
+        <a:lnSpc>
+          <a:spcPct val="90000"/>
+        </a:lnSpc>
+        <a:spcBef>
+          <a:spcPts val="500"/>
+        </a:spcBef>
+        <a:buFont typeface="Arial"/>
+        <a:buChar char="•"/>
+        <a:defRPr sz="1800" kern="1200">
+          <a:solidFill>
+            <a:schemeClr val="tx1"/>
+          </a:solidFill>
+          <a:latin typeface="+mn-lt"/>
+          <a:ea typeface="+mn-ea"/>
+          <a:cs typeface="+mn-cs"/>
+        </a:defRPr>
+      </a:lvl6pPr>
+      <a:lvl7pPr marL="2971800" indent="-228600" algn="l" defTabSz="914400" rtl="0" eaLnBrk="1" latinLnBrk="0" hangingPunct="1">
+        <a:lnSpc>
+          <a:spcPct val="90000"/>
+        </a:lnSpc>
+        <a:spcBef>
+          <a:spcPts val="500"/>
+        </a:spcBef>
+        <a:buFont typeface="Arial"/>
+        <a:buChar char="•"/>
+        <a:defRPr sz="1800" kern="1200">
+          <a:solidFill>
+            <a:schemeClr val="tx1"/>
+          </a:solidFill>
+          <a:latin typeface="+mn-lt"/>
+          <a:ea typeface="+mn-ea"/>
+          <a:cs typeface="+mn-cs"/>
+        </a:defRPr>
+      </a:lvl7pPr>
+      <a:lvl8pPr marL="3429000" indent="-228600" algn="l" defTabSz="914400" rtl="0" eaLnBrk="1" latinLnBrk="0" hangingPunct="1">
+        <a:lnSpc>
+          <a:spcPct val="90000"/>
+        </a:lnSpc>
+        <a:spcBef>
+          <a:spcPts val="500"/>
+        </a:spcBef>
+        <a:buFont typeface="Arial"/>
+        <a:buChar char="•"/>
+        <a:defRPr sz="1800" kern="1200">
+          <a:solidFill>
+            <a:schemeClr val="tx1"/>
+          </a:solidFill>
+          <a:latin typeface="+mn-lt"/>
+          <a:ea typeface="+mn-ea"/>
+          <a:cs typeface="+mn-cs"/>
+        </a:defRPr>
+      </a:lvl8pPr>
+      <a:lvl9pPr marL="3886200" indent="-228600" algn="l" defTabSz="914400" rtl="0" eaLnBrk="1" latinLnBrk="0" hangingPunct="1">
+        <a:lnSpc>
+          <a:spcPct val="90000"/>
+        </a:lnSpc>
+        <a:spcBef>
+          <a:spcPts val="500"/>
+        </a:spcBef>
+        <a:buFont typeface="Arial"/>
+        <a:buChar char="•"/>
+        <a:defRPr sz="1800" kern="1200">
+          <a:solidFill>
+            <a:schemeClr val="tx1"/>
+          </a:solidFill>
+          <a:latin typeface="+mn-lt"/>
+          <a:ea typeface="+mn-ea"/>
+          <a:cs typeface="+mn-cs"/>
+        </a:defRPr>
+      </a:lvl9pPr>
+    </p:bodyStyle>
+    <p:otherStyle>
+      <a:defPPr>
+        <a:defRPr lang="en-US"/>
+      </a:defPPr>
+      <a:lvl1pPr marL="0" algn="l" defTabSz="914400" rtl="0" eaLnBrk="1" latinLnBrk="0" hangingPunct="1">
+        <a:defRPr sz="1800" kern="1200">
+          <a:solidFill>
+            <a:schemeClr val="tx1"/>
+          </a:solidFill>
+          <a:latin typeface="+mn-lt"/>
+          <a:ea typeface="+mn-ea"/>
+          <a:cs typeface="+mn-cs"/>
+        </a:defRPr>
+      </a:lvl1pPr>
+      <a:lvl2pPr marL="457200" algn="l" defTabSz="914400" rtl="0" eaLnBrk="1" latinLnBrk="0" hangingPunct="1">
+        <a:defRPr sz="1800" kern="1200">
+          <a:solidFill>
+            <a:schemeClr val="tx1"/>
+          </a:solidFill>
+          <a:latin typeface="+mn-lt"/>
+          <a:ea typeface="+mn-ea"/>
+          <a:cs typeface="+mn-cs"/>
+        </a:defRPr>
+      </a:lvl2pPr>
+      <a:lvl3pPr marL="914400" algn="l" defTabSz="914400" rtl="0" eaLnBrk="1" latinLnBrk="0" hangingPunct="1">
+        <a:defRPr sz="1800" kern="1200">
+          <a:solidFill>
+            <a:schemeClr val="tx1"/>
+          </a:solidFill>
+          <a:latin typeface="+mn-lt"/>
+          <a:ea typeface="+mn-ea"/>
+          <a:cs typeface="+mn-cs"/>
+        </a:defRPr>
+      </a:lvl3pPr>
+      <a:lvl4pPr marL="1371600" algn="l" defTabSz="914400" rtl="0" eaLnBrk="1" latinLnBrk="0" hangingPunct="1">
+        <a:defRPr sz="1800" kern="1200">
+          <a:solidFill>
+            <a:schemeClr val="tx1"/>
+          </a:solidFill>
+          <a:latin typeface="+mn-lt"/>
+          <a:ea typeface="+mn-ea"/>
+          <a:cs typeface="+mn-cs"/>
+        </a:defRPr>
+      </a:lvl4pPr>
+      <a:lvl5pPr marL="1828800" algn="l" defTabSz="914400" rtl="0" eaLnBrk="1" latinLnBrk="0" hangingPunct="1">
+        <a:defRPr sz="1800" kern="1200">
+          <a:solidFill>
+            <a:schemeClr val="tx1"/>
+          </a:solidFill>
+          <a:latin typeface="+mn-lt"/>
+          <a:ea typeface="+mn-ea"/>
+          <a:cs typeface="+mn-cs"/>
+        </a:defRPr>
+      </a:lvl5pPr>
+      <a:lvl6pPr marL="2286000" algn="l" defTabSz="914400" rtl="0" eaLnBrk="1" latinLnBrk="0" hangingPunct="1">
+        <a:defRPr sz="1800" kern="1200">
+          <a:solidFill>
+            <a:schemeClr val="tx1"/>
+          </a:solidFill>
+          <a:latin typeface="+mn-lt"/>
+          <a:ea typeface="+mn-ea"/>
+          <a:cs typeface="+mn-cs"/>
+        </a:defRPr>
+      </a:lvl6pPr>
+      <a:lvl7pPr marL="2743200" algn="l" defTabSz="914400" rtl="0" eaLnBrk="1" latinLnBrk="0" hangingPunct="1">
+        <a:defRPr sz="1800" kern="1200">
+          <a:solidFill>
+            <a:schemeClr val="tx1"/>
+          </a:solidFill>
+          <a:latin typeface="+mn-lt"/>
+          <a:ea typeface="+mn-ea"/>
+          <a:cs typeface="+mn-cs"/>
+        </a:defRPr>
+      </a:lvl7pPr>
+      <a:lvl8pPr marL="3200400" algn="l" defTabSz="914400" rtl="0" eaLnBrk="1" latinLnBrk="0" hangingPunct="1">
+        <a:defRPr sz="1800" kern="1200">
+          <a:solidFill>
+            <a:schemeClr val="tx1"/>
+          </a:solidFill>
+          <a:latin typeface="+mn-lt"/>
+          <a:ea typeface="+mn-ea"/>
+          <a:cs typeface="+mn-cs"/>
+        </a:defRPr>
+      </a:lvl8pPr>
+      <a:lvl9pPr marL="3657600" algn="l" defTabSz="914400" rtl="0" eaLnBrk="1" latinLnBrk="0" hangingPunct="1">
+        <a:defRPr sz="1800" kern="1200">
+          <a:solidFill>
+            <a:schemeClr val="tx1"/>
+          </a:solidFill>
+          <a:latin typeface="+mn-lt"/>
+          <a:ea typeface="+mn-ea"/>
+          <a:cs typeface="+mn-cs"/>
+        </a:defRPr>
+      </a:lvl9pPr>
+    </p:otherStyle>
+  </p:txStyles>
 </p:sldMaster>
 </file>
 
 <file path=ppt/slideMasters/slideMaster2.xml><?xml version="1.0" encoding="utf-8"?>
-<p:sldMaster xmlns:a="http://schemas.openxmlformats.org/drawingml/2006/main" xmlns:p="http://schemas.openxmlformats.org/presentationml/2006/main" xmlns:r="http://schemas.openxmlformats.org/officeDocument/2006/relationships" xmlns:p14="http://schemas.microsoft.com/office/powerpoint/2010/main" xmlns:p15="http://schemas.microsoft.com/office/powerpoint/2012/main" xmlns:mc="http://schemas.openxmlformats.org/markup-compatibility/2006">
+<p:sldMaster xmlns:a="http://schemas.openxmlformats.org/drawingml/2006/main" xmlns:r="http://schemas.openxmlformats.org/officeDocument/2006/relationships" xmlns:p="http://schemas.openxmlformats.org/presentationml/2006/main">
   <p:cSld>
     <p:bg>
       <p:bgPr>
         <a:solidFill>
-          <a:srgbClr val="ffffff"/>
+          <a:srgbClr val="FFFFFF"/>
         </a:solidFill>
+        <a:effectLst/>
       </p:bgPr>
     </p:bg>
     <p:spTree>
@@ -4170,12 +4874,12 @@
       </p:grpSpPr>
       <p:pic>
         <p:nvPicPr>
-          <p:cNvPr id="40" name="Shape 49" descr=""/>
+          <p:cNvPr id="40" name="Shape 49"/>
           <p:cNvPicPr/>
           <p:nvPr/>
         </p:nvPicPr>
         <p:blipFill>
-          <a:blip r:embed="rId2"/>
+          <a:blip r:embed="rId14"/>
           <a:stretch/>
         </p:blipFill>
         <p:spPr>
@@ -4193,12 +4897,12 @@
       </p:pic>
       <p:pic>
         <p:nvPicPr>
-          <p:cNvPr id="41" name="Shape 50" descr=""/>
+          <p:cNvPr id="41" name="Shape 50"/>
           <p:cNvPicPr/>
           <p:nvPr/>
         </p:nvPicPr>
         <p:blipFill>
-          <a:blip r:embed="rId3"/>
+          <a:blip r:embed="rId15"/>
           <a:stretch/>
         </p:blipFill>
         <p:spPr>
@@ -4234,20 +4938,18 @@
           </a:prstGeom>
         </p:spPr>
         <p:txBody>
-          <a:bodyPr lIns="0" rIns="0" tIns="0" bIns="0" anchor="ctr">
+          <a:bodyPr lIns="0" tIns="0" rIns="0" bIns="0" anchor="ctr">
             <a:noAutofit/>
           </a:bodyPr>
+          <a:lstStyle/>
           <a:p>
             <a:pPr algn="ctr"/>
             <a:r>
-              <a:rPr b="0" lang="en-US" sz="4400" spc="-1" strike="noStrike">
+              <a:rPr lang="en-US" sz="4400" b="0" strike="noStrike" spc="-1">
                 <a:latin typeface="Arial"/>
               </a:rPr>
               <a:t>Click to edit the title text format</a:t>
             </a:r>
-            <a:endParaRPr b="0" lang="en-US" sz="4400" spc="-1" strike="noStrike">
-              <a:latin typeface="Arial"/>
-            </a:endParaRPr>
           </a:p>
         </p:txBody>
       </p:sp>
@@ -4271,9 +4973,10 @@
           </a:prstGeom>
         </p:spPr>
         <p:txBody>
-          <a:bodyPr lIns="0" rIns="0" tIns="0" bIns="0">
+          <a:bodyPr lIns="0" tIns="0" rIns="0" bIns="0">
             <a:normAutofit/>
           </a:bodyPr>
+          <a:lstStyle/>
           <a:p>
             <a:pPr marL="432000" indent="-324000">
               <a:spcBef>
@@ -4287,17 +4990,14 @@
               <a:buChar char=""/>
             </a:pPr>
             <a:r>
-              <a:rPr b="0" lang="en-US" sz="3200" spc="-1" strike="noStrike">
+              <a:rPr lang="en-US" sz="3200" b="0" strike="noStrike" spc="-1">
                 <a:latin typeface="Arial"/>
               </a:rPr>
               <a:t>Click to edit the outline text format</a:t>
             </a:r>
-            <a:endParaRPr b="0" lang="en-US" sz="3200" spc="-1" strike="noStrike">
-              <a:latin typeface="Arial"/>
-            </a:endParaRPr>
-          </a:p>
-          <a:p>
-            <a:pPr lvl="1" marL="864000" indent="-324000">
+          </a:p>
+          <a:p>
+            <a:pPr marL="864000" lvl="1" indent="-324000">
               <a:spcBef>
                 <a:spcPts val="1134"/>
               </a:spcBef>
@@ -4309,17 +5009,14 @@
               <a:buChar char=""/>
             </a:pPr>
             <a:r>
-              <a:rPr b="0" lang="en-US" sz="2800" spc="-1" strike="noStrike">
+              <a:rPr lang="en-US" sz="2800" b="0" strike="noStrike" spc="-1">
                 <a:latin typeface="Arial"/>
               </a:rPr>
               <a:t>Second Outline Level</a:t>
             </a:r>
-            <a:endParaRPr b="0" lang="en-US" sz="2800" spc="-1" strike="noStrike">
-              <a:latin typeface="Arial"/>
-            </a:endParaRPr>
-          </a:p>
-          <a:p>
-            <a:pPr lvl="2" marL="1296000" indent="-288000">
+          </a:p>
+          <a:p>
+            <a:pPr marL="1296000" lvl="2" indent="-288000">
               <a:spcBef>
                 <a:spcPts val="850"/>
               </a:spcBef>
@@ -4331,17 +5028,14 @@
               <a:buChar char=""/>
             </a:pPr>
             <a:r>
-              <a:rPr b="0" lang="en-US" sz="2400" spc="-1" strike="noStrike">
+              <a:rPr lang="en-US" sz="2400" b="0" strike="noStrike" spc="-1">
                 <a:latin typeface="Arial"/>
               </a:rPr>
               <a:t>Third Outline Level</a:t>
             </a:r>
-            <a:endParaRPr b="0" lang="en-US" sz="2400" spc="-1" strike="noStrike">
-              <a:latin typeface="Arial"/>
-            </a:endParaRPr>
-          </a:p>
-          <a:p>
-            <a:pPr lvl="3" marL="1728000" indent="-216000">
+          </a:p>
+          <a:p>
+            <a:pPr marL="1728000" lvl="3" indent="-216000">
               <a:spcBef>
                 <a:spcPts val="567"/>
               </a:spcBef>
@@ -4353,17 +5047,14 @@
               <a:buChar char=""/>
             </a:pPr>
             <a:r>
-              <a:rPr b="0" lang="en-US" sz="2000" spc="-1" strike="noStrike">
+              <a:rPr lang="en-US" sz="2000" b="0" strike="noStrike" spc="-1">
                 <a:latin typeface="Arial"/>
               </a:rPr>
               <a:t>Fourth Outline Level</a:t>
             </a:r>
-            <a:endParaRPr b="0" lang="en-US" sz="2000" spc="-1" strike="noStrike">
-              <a:latin typeface="Arial"/>
-            </a:endParaRPr>
-          </a:p>
-          <a:p>
-            <a:pPr lvl="4" marL="2160000" indent="-216000">
+          </a:p>
+          <a:p>
+            <a:pPr marL="2160000" lvl="4" indent="-216000">
               <a:spcBef>
                 <a:spcPts val="283"/>
               </a:spcBef>
@@ -4375,17 +5066,14 @@
               <a:buChar char=""/>
             </a:pPr>
             <a:r>
-              <a:rPr b="0" lang="en-US" sz="2000" spc="-1" strike="noStrike">
+              <a:rPr lang="en-US" sz="2000" b="0" strike="noStrike" spc="-1">
                 <a:latin typeface="Arial"/>
               </a:rPr>
               <a:t>Fifth Outline Level</a:t>
             </a:r>
-            <a:endParaRPr b="0" lang="en-US" sz="2000" spc="-1" strike="noStrike">
-              <a:latin typeface="Arial"/>
-            </a:endParaRPr>
-          </a:p>
-          <a:p>
-            <a:pPr lvl="5" marL="2592000" indent="-216000">
+          </a:p>
+          <a:p>
+            <a:pPr marL="2592000" lvl="5" indent="-216000">
               <a:spcBef>
                 <a:spcPts val="283"/>
               </a:spcBef>
@@ -4397,17 +5085,14 @@
               <a:buChar char=""/>
             </a:pPr>
             <a:r>
-              <a:rPr b="0" lang="en-US" sz="2000" spc="-1" strike="noStrike">
+              <a:rPr lang="en-US" sz="2000" b="0" strike="noStrike" spc="-1">
                 <a:latin typeface="Arial"/>
               </a:rPr>
               <a:t>Sixth Outline Level</a:t>
             </a:r>
-            <a:endParaRPr b="0" lang="en-US" sz="2000" spc="-1" strike="noStrike">
-              <a:latin typeface="Arial"/>
-            </a:endParaRPr>
-          </a:p>
-          <a:p>
-            <a:pPr lvl="6" marL="3024000" indent="-216000">
+          </a:p>
+          <a:p>
+            <a:pPr marL="3024000" lvl="6" indent="-216000">
               <a:spcBef>
                 <a:spcPts val="283"/>
               </a:spcBef>
@@ -4419,39 +5104,316 @@
               <a:buChar char=""/>
             </a:pPr>
             <a:r>
-              <a:rPr b="0" lang="en-US" sz="2000" spc="-1" strike="noStrike">
+              <a:rPr lang="en-US" sz="2000" b="0" strike="noStrike" spc="-1">
                 <a:latin typeface="Arial"/>
               </a:rPr>
               <a:t>Seventh Outline Level</a:t>
             </a:r>
-            <a:endParaRPr b="0" lang="en-US" sz="2000" spc="-1" strike="noStrike">
-              <a:latin typeface="Arial"/>
-            </a:endParaRPr>
           </a:p>
         </p:txBody>
       </p:sp>
     </p:spTree>
   </p:cSld>
-  <p:clrMap bg1="lt1" bg2="lt2" tx1="dk1" tx2="dk2" accent1="accent1" accent2="accent2" accent3="accent3" accent4="accent4" accent5="accent5" accent6="accent6" hlink="hlink" folHlink="folHlink"/>
+  <p:clrMap bg1="lt1" tx1="dk1" bg2="lt2" tx2="dk2" accent1="accent1" accent2="accent2" accent3="accent3" accent4="accent4" accent5="accent5" accent6="accent6" hlink="hlink" folHlink="folHlink"/>
   <p:sldLayoutIdLst>
-    <p:sldLayoutId id="2147483662" r:id="rId4"/>
-    <p:sldLayoutId id="2147483663" r:id="rId5"/>
-    <p:sldLayoutId id="2147483664" r:id="rId6"/>
-    <p:sldLayoutId id="2147483665" r:id="rId7"/>
-    <p:sldLayoutId id="2147483666" r:id="rId8"/>
-    <p:sldLayoutId id="2147483667" r:id="rId9"/>
-    <p:sldLayoutId id="2147483668" r:id="rId10"/>
-    <p:sldLayoutId id="2147483669" r:id="rId11"/>
-    <p:sldLayoutId id="2147483670" r:id="rId12"/>
-    <p:sldLayoutId id="2147483671" r:id="rId13"/>
-    <p:sldLayoutId id="2147483672" r:id="rId14"/>
-    <p:sldLayoutId id="2147483673" r:id="rId15"/>
+    <p:sldLayoutId id="2147483662" r:id="rId1"/>
+    <p:sldLayoutId id="2147483663" r:id="rId2"/>
+    <p:sldLayoutId id="2147483664" r:id="rId3"/>
+    <p:sldLayoutId id="2147483665" r:id="rId4"/>
+    <p:sldLayoutId id="2147483666" r:id="rId5"/>
+    <p:sldLayoutId id="2147483667" r:id="rId6"/>
+    <p:sldLayoutId id="2147483668" r:id="rId7"/>
+    <p:sldLayoutId id="2147483669" r:id="rId8"/>
+    <p:sldLayoutId id="2147483670" r:id="rId9"/>
+    <p:sldLayoutId id="2147483671" r:id="rId10"/>
+    <p:sldLayoutId id="2147483672" r:id="rId11"/>
+    <p:sldLayoutId id="2147483673" r:id="rId12"/>
   </p:sldLayoutIdLst>
+  <p:txStyles>
+    <p:titleStyle>
+      <a:lvl1pPr algn="l" defTabSz="914400" rtl="0" eaLnBrk="1" latinLnBrk="0" hangingPunct="1">
+        <a:lnSpc>
+          <a:spcPct val="90000"/>
+        </a:lnSpc>
+        <a:spcBef>
+          <a:spcPct val="0"/>
+        </a:spcBef>
+        <a:buNone/>
+        <a:defRPr sz="4400" kern="1200">
+          <a:solidFill>
+            <a:schemeClr val="tx1"/>
+          </a:solidFill>
+          <a:latin typeface="+mj-lt"/>
+          <a:ea typeface="+mj-ea"/>
+          <a:cs typeface="+mj-cs"/>
+        </a:defRPr>
+      </a:lvl1pPr>
+    </p:titleStyle>
+    <p:bodyStyle>
+      <a:lvl1pPr marL="228600" indent="-228600" algn="l" defTabSz="914400" rtl="0" eaLnBrk="1" latinLnBrk="0" hangingPunct="1">
+        <a:lnSpc>
+          <a:spcPct val="90000"/>
+        </a:lnSpc>
+        <a:spcBef>
+          <a:spcPts val="1000"/>
+        </a:spcBef>
+        <a:buFont typeface="Arial"/>
+        <a:buChar char="•"/>
+        <a:defRPr sz="2800" kern="1200">
+          <a:solidFill>
+            <a:schemeClr val="tx1"/>
+          </a:solidFill>
+          <a:latin typeface="+mn-lt"/>
+          <a:ea typeface="+mn-ea"/>
+          <a:cs typeface="+mn-cs"/>
+        </a:defRPr>
+      </a:lvl1pPr>
+      <a:lvl2pPr marL="685800" indent="-228600" algn="l" defTabSz="914400" rtl="0" eaLnBrk="1" latinLnBrk="0" hangingPunct="1">
+        <a:lnSpc>
+          <a:spcPct val="90000"/>
+        </a:lnSpc>
+        <a:spcBef>
+          <a:spcPts val="500"/>
+        </a:spcBef>
+        <a:buFont typeface="Arial"/>
+        <a:buChar char="•"/>
+        <a:defRPr sz="2400" kern="1200">
+          <a:solidFill>
+            <a:schemeClr val="tx1"/>
+          </a:solidFill>
+          <a:latin typeface="+mn-lt"/>
+          <a:ea typeface="+mn-ea"/>
+          <a:cs typeface="+mn-cs"/>
+        </a:defRPr>
+      </a:lvl2pPr>
+      <a:lvl3pPr marL="1143000" indent="-228600" algn="l" defTabSz="914400" rtl="0" eaLnBrk="1" latinLnBrk="0" hangingPunct="1">
+        <a:lnSpc>
+          <a:spcPct val="90000"/>
+        </a:lnSpc>
+        <a:spcBef>
+          <a:spcPts val="500"/>
+        </a:spcBef>
+        <a:buFont typeface="Arial"/>
+        <a:buChar char="•"/>
+        <a:defRPr sz="2000" kern="1200">
+          <a:solidFill>
+            <a:schemeClr val="tx1"/>
+          </a:solidFill>
+          <a:latin typeface="+mn-lt"/>
+          <a:ea typeface="+mn-ea"/>
+          <a:cs typeface="+mn-cs"/>
+        </a:defRPr>
+      </a:lvl3pPr>
+      <a:lvl4pPr marL="1600200" indent="-228600" algn="l" defTabSz="914400" rtl="0" eaLnBrk="1" latinLnBrk="0" hangingPunct="1">
+        <a:lnSpc>
+          <a:spcPct val="90000"/>
+        </a:lnSpc>
+        <a:spcBef>
+          <a:spcPts val="500"/>
+        </a:spcBef>
+        <a:buFont typeface="Arial"/>
+        <a:buChar char="•"/>
+        <a:defRPr sz="1800" kern="1200">
+          <a:solidFill>
+            <a:schemeClr val="tx1"/>
+          </a:solidFill>
+          <a:latin typeface="+mn-lt"/>
+          <a:ea typeface="+mn-ea"/>
+          <a:cs typeface="+mn-cs"/>
+        </a:defRPr>
+      </a:lvl4pPr>
+      <a:lvl5pPr marL="2057400" indent="-228600" algn="l" defTabSz="914400" rtl="0" eaLnBrk="1" latinLnBrk="0" hangingPunct="1">
+        <a:lnSpc>
+          <a:spcPct val="90000"/>
+        </a:lnSpc>
+        <a:spcBef>
+          <a:spcPts val="500"/>
+        </a:spcBef>
+        <a:buFont typeface="Arial"/>
+        <a:buChar char="•"/>
+        <a:defRPr sz="1800" kern="1200">
+          <a:solidFill>
+            <a:schemeClr val="tx1"/>
+          </a:solidFill>
+          <a:latin typeface="+mn-lt"/>
+          <a:ea typeface="+mn-ea"/>
+          <a:cs typeface="+mn-cs"/>
+        </a:defRPr>
+      </a:lvl5pPr>
+      <a:lvl6pPr marL="2514600" indent="-228600" algn="l" defTabSz="914400" rtl="0" eaLnBrk="1" latinLnBrk="0" hangingPunct="1">
+        <a:lnSpc>
+          <a:spcPct val="90000"/>
+        </a:lnSpc>
+        <a:spcBef>
+          <a:spcPts val="500"/>
+        </a:spcBef>
+        <a:buFont typeface="Arial"/>
+        <a:buChar char="•"/>
+        <a:defRPr sz="1800" kern="1200">
+          <a:solidFill>
+            <a:schemeClr val="tx1"/>
+          </a:solidFill>
+          <a:latin typeface="+mn-lt"/>
+          <a:ea typeface="+mn-ea"/>
+          <a:cs typeface="+mn-cs"/>
+        </a:defRPr>
+      </a:lvl6pPr>
+      <a:lvl7pPr marL="2971800" indent="-228600" algn="l" defTabSz="914400" rtl="0" eaLnBrk="1" latinLnBrk="0" hangingPunct="1">
+        <a:lnSpc>
+          <a:spcPct val="90000"/>
+        </a:lnSpc>
+        <a:spcBef>
+          <a:spcPts val="500"/>
+        </a:spcBef>
+        <a:buFont typeface="Arial"/>
+        <a:buChar char="•"/>
+        <a:defRPr sz="1800" kern="1200">
+          <a:solidFill>
+            <a:schemeClr val="tx1"/>
+          </a:solidFill>
+          <a:latin typeface="+mn-lt"/>
+          <a:ea typeface="+mn-ea"/>
+          <a:cs typeface="+mn-cs"/>
+        </a:defRPr>
+      </a:lvl7pPr>
+      <a:lvl8pPr marL="3429000" indent="-228600" algn="l" defTabSz="914400" rtl="0" eaLnBrk="1" latinLnBrk="0" hangingPunct="1">
+        <a:lnSpc>
+          <a:spcPct val="90000"/>
+        </a:lnSpc>
+        <a:spcBef>
+          <a:spcPts val="500"/>
+        </a:spcBef>
+        <a:buFont typeface="Arial"/>
+        <a:buChar char="•"/>
+        <a:defRPr sz="1800" kern="1200">
+          <a:solidFill>
+            <a:schemeClr val="tx1"/>
+          </a:solidFill>
+          <a:latin typeface="+mn-lt"/>
+          <a:ea typeface="+mn-ea"/>
+          <a:cs typeface="+mn-cs"/>
+        </a:defRPr>
+      </a:lvl8pPr>
+      <a:lvl9pPr marL="3886200" indent="-228600" algn="l" defTabSz="914400" rtl="0" eaLnBrk="1" latinLnBrk="0" hangingPunct="1">
+        <a:lnSpc>
+          <a:spcPct val="90000"/>
+        </a:lnSpc>
+        <a:spcBef>
+          <a:spcPts val="500"/>
+        </a:spcBef>
+        <a:buFont typeface="Arial"/>
+        <a:buChar char="•"/>
+        <a:defRPr sz="1800" kern="1200">
+          <a:solidFill>
+            <a:schemeClr val="tx1"/>
+          </a:solidFill>
+          <a:latin typeface="+mn-lt"/>
+          <a:ea typeface="+mn-ea"/>
+          <a:cs typeface="+mn-cs"/>
+        </a:defRPr>
+      </a:lvl9pPr>
+    </p:bodyStyle>
+    <p:otherStyle>
+      <a:defPPr>
+        <a:defRPr lang="en-US"/>
+      </a:defPPr>
+      <a:lvl1pPr marL="0" algn="l" defTabSz="914400" rtl="0" eaLnBrk="1" latinLnBrk="0" hangingPunct="1">
+        <a:defRPr sz="1800" kern="1200">
+          <a:solidFill>
+            <a:schemeClr val="tx1"/>
+          </a:solidFill>
+          <a:latin typeface="+mn-lt"/>
+          <a:ea typeface="+mn-ea"/>
+          <a:cs typeface="+mn-cs"/>
+        </a:defRPr>
+      </a:lvl1pPr>
+      <a:lvl2pPr marL="457200" algn="l" defTabSz="914400" rtl="0" eaLnBrk="1" latinLnBrk="0" hangingPunct="1">
+        <a:defRPr sz="1800" kern="1200">
+          <a:solidFill>
+            <a:schemeClr val="tx1"/>
+          </a:solidFill>
+          <a:latin typeface="+mn-lt"/>
+          <a:ea typeface="+mn-ea"/>
+          <a:cs typeface="+mn-cs"/>
+        </a:defRPr>
+      </a:lvl2pPr>
+      <a:lvl3pPr marL="914400" algn="l" defTabSz="914400" rtl="0" eaLnBrk="1" latinLnBrk="0" hangingPunct="1">
+        <a:defRPr sz="1800" kern="1200">
+          <a:solidFill>
+            <a:schemeClr val="tx1"/>
+          </a:solidFill>
+          <a:latin typeface="+mn-lt"/>
+          <a:ea typeface="+mn-ea"/>
+          <a:cs typeface="+mn-cs"/>
+        </a:defRPr>
+      </a:lvl3pPr>
+      <a:lvl4pPr marL="1371600" algn="l" defTabSz="914400" rtl="0" eaLnBrk="1" latinLnBrk="0" hangingPunct="1">
+        <a:defRPr sz="1800" kern="1200">
+          <a:solidFill>
+            <a:schemeClr val="tx1"/>
+          </a:solidFill>
+          <a:latin typeface="+mn-lt"/>
+          <a:ea typeface="+mn-ea"/>
+          <a:cs typeface="+mn-cs"/>
+        </a:defRPr>
+      </a:lvl4pPr>
+      <a:lvl5pPr marL="1828800" algn="l" defTabSz="914400" rtl="0" eaLnBrk="1" latinLnBrk="0" hangingPunct="1">
+        <a:defRPr sz="1800" kern="1200">
+          <a:solidFill>
+            <a:schemeClr val="tx1"/>
+          </a:solidFill>
+          <a:latin typeface="+mn-lt"/>
+          <a:ea typeface="+mn-ea"/>
+          <a:cs typeface="+mn-cs"/>
+        </a:defRPr>
+      </a:lvl5pPr>
+      <a:lvl6pPr marL="2286000" algn="l" defTabSz="914400" rtl="0" eaLnBrk="1" latinLnBrk="0" hangingPunct="1">
+        <a:defRPr sz="1800" kern="1200">
+          <a:solidFill>
+            <a:schemeClr val="tx1"/>
+          </a:solidFill>
+          <a:latin typeface="+mn-lt"/>
+          <a:ea typeface="+mn-ea"/>
+          <a:cs typeface="+mn-cs"/>
+        </a:defRPr>
+      </a:lvl6pPr>
+      <a:lvl7pPr marL="2743200" algn="l" defTabSz="914400" rtl="0" eaLnBrk="1" latinLnBrk="0" hangingPunct="1">
+        <a:defRPr sz="1800" kern="1200">
+          <a:solidFill>
+            <a:schemeClr val="tx1"/>
+          </a:solidFill>
+          <a:latin typeface="+mn-lt"/>
+          <a:ea typeface="+mn-ea"/>
+          <a:cs typeface="+mn-cs"/>
+        </a:defRPr>
+      </a:lvl7pPr>
+      <a:lvl8pPr marL="3200400" algn="l" defTabSz="914400" rtl="0" eaLnBrk="1" latinLnBrk="0" hangingPunct="1">
+        <a:defRPr sz="1800" kern="1200">
+          <a:solidFill>
+            <a:schemeClr val="tx1"/>
+          </a:solidFill>
+          <a:latin typeface="+mn-lt"/>
+          <a:ea typeface="+mn-ea"/>
+          <a:cs typeface="+mn-cs"/>
+        </a:defRPr>
+      </a:lvl8pPr>
+      <a:lvl9pPr marL="3657600" algn="l" defTabSz="914400" rtl="0" eaLnBrk="1" latinLnBrk="0" hangingPunct="1">
+        <a:defRPr sz="1800" kern="1200">
+          <a:solidFill>
+            <a:schemeClr val="tx1"/>
+          </a:solidFill>
+          <a:latin typeface="+mn-lt"/>
+          <a:ea typeface="+mn-ea"/>
+          <a:cs typeface="+mn-cs"/>
+        </a:defRPr>
+      </a:lvl9pPr>
+    </p:otherStyle>
+  </p:txStyles>
 </p:sldMaster>
 </file>
 
 <file path=ppt/slides/slide1.xml><?xml version="1.0" encoding="utf-8"?>
-<p:sld xmlns:a="http://schemas.openxmlformats.org/drawingml/2006/main" xmlns:p="http://schemas.openxmlformats.org/presentationml/2006/main" xmlns:r="http://schemas.openxmlformats.org/officeDocument/2006/relationships" xmlns:p14="http://schemas.microsoft.com/office/powerpoint/2010/main" xmlns:p15="http://schemas.microsoft.com/office/powerpoint/2012/main" xmlns:mc="http://schemas.openxmlformats.org/markup-compatibility/2006">
+<p:sld xmlns:a="http://schemas.openxmlformats.org/drawingml/2006/main" xmlns:r="http://schemas.openxmlformats.org/officeDocument/2006/relationships" xmlns:p="http://schemas.openxmlformats.org/presentationml/2006/main">
   <p:cSld>
     <p:spTree>
       <p:nvGrpSpPr>
@@ -4487,15 +5449,22 @@
           </a:ln>
         </p:spPr>
         <p:style>
-          <a:lnRef idx="0"/>
-          <a:fillRef idx="0"/>
-          <a:effectRef idx="0"/>
+          <a:lnRef idx="0">
+            <a:scrgbClr r="0" g="0" b="0"/>
+          </a:lnRef>
+          <a:fillRef idx="0">
+            <a:scrgbClr r="0" g="0" b="0"/>
+          </a:fillRef>
+          <a:effectRef idx="0">
+            <a:scrgbClr r="0" g="0" b="0"/>
+          </a:effectRef>
           <a:fontRef idx="minor"/>
         </p:style>
         <p:txBody>
-          <a:bodyPr lIns="36000" rIns="36000" tIns="18000" bIns="18000">
+          <a:bodyPr lIns="36000" tIns="18000" rIns="36000" bIns="18000">
             <a:noAutofit/>
           </a:bodyPr>
+          <a:lstStyle/>
           <a:p>
             <a:pPr>
               <a:lnSpc>
@@ -4503,16 +5472,16 @@
               </a:lnSpc>
             </a:pPr>
             <a:r>
-              <a:rPr b="1" lang="en-US" sz="3000" spc="-1" strike="noStrike">
+              <a:rPr lang="en-US" sz="3000" b="1" strike="noStrike" spc="-1">
                 <a:solidFill>
-                  <a:srgbClr val="ffffff"/>
+                  <a:srgbClr val="FFFFFF"/>
                 </a:solidFill>
                 <a:latin typeface="Arial"/>
                 <a:ea typeface="Arial"/>
               </a:rPr>
               <a:t>Java Collections</a:t>
             </a:r>
-            <a:endParaRPr b="0" lang="en-US" sz="3000" spc="-1" strike="noStrike">
+            <a:endParaRPr lang="en-US" sz="3000" b="0" strike="noStrike" spc="-1">
               <a:latin typeface="Arial"/>
             </a:endParaRPr>
           </a:p>
@@ -4538,15 +5507,22 @@
           </a:ln>
         </p:spPr>
         <p:style>
-          <a:lnRef idx="0"/>
-          <a:fillRef idx="0"/>
-          <a:effectRef idx="0"/>
+          <a:lnRef idx="0">
+            <a:scrgbClr r="0" g="0" b="0"/>
+          </a:lnRef>
+          <a:fillRef idx="0">
+            <a:scrgbClr r="0" g="0" b="0"/>
+          </a:fillRef>
+          <a:effectRef idx="0">
+            <a:scrgbClr r="0" g="0" b="0"/>
+          </a:effectRef>
           <a:fontRef idx="minor"/>
         </p:style>
         <p:txBody>
-          <a:bodyPr lIns="90000" rIns="90000" tIns="45000" bIns="45000">
+          <a:bodyPr lIns="90000" tIns="45000" rIns="90000" bIns="45000">
             <a:noAutofit/>
           </a:bodyPr>
+          <a:lstStyle/>
           <a:p>
             <a:pPr>
               <a:lnSpc>
@@ -4554,16 +5530,16 @@
               </a:lnSpc>
             </a:pPr>
             <a:r>
-              <a:rPr b="1" lang="en-US" sz="1600" spc="-1" strike="noStrike">
+              <a:rPr lang="en-US" sz="1600" b="1" strike="noStrike" spc="-1">
                 <a:solidFill>
-                  <a:srgbClr val="ffffff"/>
+                  <a:srgbClr val="FFFFFF"/>
                 </a:solidFill>
                 <a:latin typeface="Arial"/>
                 <a:ea typeface="Arial"/>
               </a:rPr>
               <a:t>Valentinus silalahi</a:t>
             </a:r>
-            <a:endParaRPr b="0" lang="en-US" sz="1600" spc="-1" strike="noStrike">
+            <a:endParaRPr lang="en-US" sz="1600" b="0" strike="noStrike" spc="-1">
               <a:latin typeface="Arial"/>
             </a:endParaRPr>
           </a:p>
@@ -4589,15 +5565,22 @@
           </a:ln>
         </p:spPr>
         <p:style>
-          <a:lnRef idx="0"/>
-          <a:fillRef idx="0"/>
-          <a:effectRef idx="0"/>
+          <a:lnRef idx="0">
+            <a:scrgbClr r="0" g="0" b="0"/>
+          </a:lnRef>
+          <a:fillRef idx="0">
+            <a:scrgbClr r="0" g="0" b="0"/>
+          </a:fillRef>
+          <a:effectRef idx="0">
+            <a:scrgbClr r="0" g="0" b="0"/>
+          </a:effectRef>
           <a:fontRef idx="minor"/>
         </p:style>
         <p:txBody>
-          <a:bodyPr lIns="90000" rIns="90000" tIns="45000" bIns="45000" anchor="ctr">
+          <a:bodyPr lIns="90000" tIns="45000" rIns="90000" bIns="45000" anchor="ctr">
             <a:noAutofit/>
           </a:bodyPr>
+          <a:lstStyle/>
           <a:p>
             <a:pPr>
               <a:lnSpc>
@@ -4605,7 +5588,7 @@
               </a:lnSpc>
             </a:pPr>
             <a:r>
-              <a:rPr b="0" lang="en-US" sz="1100" spc="-1" strike="noStrike">
+              <a:rPr lang="en-US" sz="1100" b="0" strike="noStrike" spc="-1">
                 <a:solidFill>
                   <a:srgbClr val="666666"/>
                 </a:solidFill>
@@ -4614,7 +5597,7 @@
               </a:rPr>
               <a:t>2019 || Java Fundamental Batch-4</a:t>
             </a:r>
-            <a:endParaRPr b="0" lang="en-US" sz="1100" spc="-1" strike="noStrike">
+            <a:endParaRPr lang="en-US" sz="1100" b="0" strike="noStrike" spc="-1">
               <a:latin typeface="Arial"/>
             </a:endParaRPr>
           </a:p>
@@ -4622,14 +5605,24 @@
       </p:sp>
     </p:spTree>
   </p:cSld>
+  <p:clrMapOvr>
+    <a:masterClrMapping/>
+  </p:clrMapOvr>
   <p:transition spd="slow">
-    <p:fade thruBlk="true"/>
+    <p:fade thruBlk="1"/>
   </p:transition>
+  <p:timing>
+    <p:tnLst>
+      <p:par>
+        <p:cTn id="1" dur="indefinite" restart="never" nodeType="tmRoot"/>
+      </p:par>
+    </p:tnLst>
+  </p:timing>
 </p:sld>
 </file>
 
 <file path=ppt/slides/slide2.xml><?xml version="1.0" encoding="utf-8"?>
-<p:sld xmlns:a="http://schemas.openxmlformats.org/drawingml/2006/main" xmlns:p="http://schemas.openxmlformats.org/presentationml/2006/main" xmlns:r="http://schemas.openxmlformats.org/officeDocument/2006/relationships" xmlns:p14="http://schemas.microsoft.com/office/powerpoint/2010/main" xmlns:p15="http://schemas.microsoft.com/office/powerpoint/2012/main" xmlns:mc="http://schemas.openxmlformats.org/markup-compatibility/2006">
+<p:sld xmlns:a="http://schemas.openxmlformats.org/drawingml/2006/main" xmlns:r="http://schemas.openxmlformats.org/officeDocument/2006/relationships" xmlns:p="http://schemas.openxmlformats.org/presentationml/2006/main">
   <p:cSld>
     <p:spTree>
       <p:nvGrpSpPr>
@@ -4665,15 +5658,22 @@
           </a:ln>
         </p:spPr>
         <p:style>
-          <a:lnRef idx="0"/>
-          <a:fillRef idx="0"/>
-          <a:effectRef idx="0"/>
+          <a:lnRef idx="0">
+            <a:scrgbClr r="0" g="0" b="0"/>
+          </a:lnRef>
+          <a:fillRef idx="0">
+            <a:scrgbClr r="0" g="0" b="0"/>
+          </a:fillRef>
+          <a:effectRef idx="0">
+            <a:scrgbClr r="0" g="0" b="0"/>
+          </a:effectRef>
           <a:fontRef idx="minor"/>
         </p:style>
         <p:txBody>
-          <a:bodyPr lIns="36000" rIns="36000" tIns="18000" bIns="18000" anchor="ctr">
+          <a:bodyPr lIns="36000" tIns="18000" rIns="36000" bIns="18000" anchor="ctr">
             <a:noAutofit/>
           </a:bodyPr>
+          <a:lstStyle/>
           <a:p>
             <a:pPr>
               <a:lnSpc>
@@ -4681,16 +5681,16 @@
               </a:lnSpc>
             </a:pPr>
             <a:r>
-              <a:rPr b="1" lang="en-US" sz="3000" spc="-1" strike="noStrike">
+              <a:rPr lang="en-US" sz="3000" b="1" strike="noStrike" spc="-1">
                 <a:solidFill>
-                  <a:srgbClr val="bf0000"/>
+                  <a:srgbClr val="BF0000"/>
                 </a:solidFill>
                 <a:latin typeface="Century Gothic"/>
                 <a:ea typeface="Century Gothic"/>
               </a:rPr>
               <a:t>Collections in Java</a:t>
             </a:r>
-            <a:endParaRPr b="0" lang="en-US" sz="3000" spc="-1" strike="noStrike">
+            <a:endParaRPr lang="en-US" sz="3000" b="0" strike="noStrike" spc="-1">
               <a:latin typeface="Arial"/>
             </a:endParaRPr>
           </a:p>
@@ -4716,15 +5716,22 @@
           </a:ln>
         </p:spPr>
         <p:style>
-          <a:lnRef idx="0"/>
-          <a:fillRef idx="0"/>
-          <a:effectRef idx="0"/>
+          <a:lnRef idx="0">
+            <a:scrgbClr r="0" g="0" b="0"/>
+          </a:lnRef>
+          <a:fillRef idx="0">
+            <a:scrgbClr r="0" g="0" b="0"/>
+          </a:fillRef>
+          <a:effectRef idx="0">
+            <a:scrgbClr r="0" g="0" b="0"/>
+          </a:effectRef>
           <a:fontRef idx="minor"/>
         </p:style>
         <p:txBody>
-          <a:bodyPr lIns="90000" rIns="90000" tIns="45000" bIns="45000" anchor="ctr">
+          <a:bodyPr lIns="90000" tIns="45000" rIns="90000" bIns="45000" anchor="ctr">
             <a:noAutofit/>
           </a:bodyPr>
+          <a:lstStyle/>
           <a:p>
             <a:pPr>
               <a:lnSpc>
@@ -4732,7 +5739,7 @@
               </a:lnSpc>
             </a:pPr>
             <a:r>
-              <a:rPr b="0" lang="en-US" sz="1100" spc="-1" strike="noStrike">
+              <a:rPr lang="en-US" sz="1100" b="0" strike="noStrike" spc="-1">
                 <a:solidFill>
                   <a:srgbClr val="666666"/>
                 </a:solidFill>
@@ -4741,7 +5748,7 @@
               </a:rPr>
               <a:t>2019 || Java Fundamental Batch-4</a:t>
             </a:r>
-            <a:endParaRPr b="0" lang="en-US" sz="1100" spc="-1" strike="noStrike">
+            <a:endParaRPr lang="en-US" sz="1100" b="0" strike="noStrike" spc="-1">
               <a:latin typeface="Arial"/>
             </a:endParaRPr>
           </a:p>
@@ -4767,26 +5774,32 @@
           </a:ln>
         </p:spPr>
         <p:style>
-          <a:lnRef idx="0"/>
-          <a:fillRef idx="0"/>
-          <a:effectRef idx="0"/>
+          <a:lnRef idx="0">
+            <a:scrgbClr r="0" g="0" b="0"/>
+          </a:lnRef>
+          <a:fillRef idx="0">
+            <a:scrgbClr r="0" g="0" b="0"/>
+          </a:fillRef>
+          <a:effectRef idx="0">
+            <a:scrgbClr r="0" g="0" b="0"/>
+          </a:effectRef>
           <a:fontRef idx="minor"/>
         </p:style>
       </p:sp>
       <p:pic>
         <p:nvPicPr>
-          <p:cNvPr id="92" name="Picture 1" descr=""/>
+          <p:cNvPr id="92" name="Picture 1"/>
           <p:cNvPicPr/>
           <p:nvPr/>
         </p:nvPicPr>
         <p:blipFill>
-          <a:blip r:embed="rId1"/>
+          <a:blip r:embed="rId3"/>
           <a:stretch/>
         </p:blipFill>
         <p:spPr>
           <a:xfrm>
-            <a:off x="1676880" y="3566160"/>
-            <a:ext cx="6952680" cy="2833920"/>
+            <a:off x="776160" y="2137025"/>
+            <a:ext cx="7853400" cy="4263055"/>
           </a:xfrm>
           <a:prstGeom prst="rect">
             <a:avLst/>
@@ -4805,7 +5818,7 @@
         <p:spPr>
           <a:xfrm>
             <a:off x="640800" y="1822680"/>
-            <a:ext cx="7949880" cy="462960"/>
+            <a:ext cx="7949880" cy="314345"/>
           </a:xfrm>
           <a:prstGeom prst="rect">
             <a:avLst/>
@@ -4816,15 +5829,22 @@
           </a:ln>
         </p:spPr>
         <p:style>
-          <a:lnRef idx="0"/>
-          <a:fillRef idx="0"/>
-          <a:effectRef idx="0"/>
+          <a:lnRef idx="0">
+            <a:scrgbClr r="0" g="0" b="0"/>
+          </a:lnRef>
+          <a:fillRef idx="0">
+            <a:scrgbClr r="0" g="0" b="0"/>
+          </a:fillRef>
+          <a:effectRef idx="0">
+            <a:scrgbClr r="0" g="0" b="0"/>
+          </a:effectRef>
           <a:fontRef idx="minor"/>
         </p:style>
         <p:txBody>
-          <a:bodyPr lIns="90000" rIns="90000" tIns="45000" bIns="45000">
+          <a:bodyPr lIns="90000" tIns="45000" rIns="90000" bIns="45000">
             <a:noAutofit/>
           </a:bodyPr>
+          <a:lstStyle/>
           <a:p>
             <a:pPr>
               <a:lnSpc>
@@ -4832,27 +5852,34 @@
               </a:lnSpc>
             </a:pPr>
             <a:r>
-              <a:rPr b="0" lang="en-US" sz="1000" spc="-1" strike="noStrike">
+              <a:rPr lang="en-US" sz="1000" b="0" strike="noStrike" spc="-1">
                 <a:latin typeface="Arial"/>
               </a:rPr>
               <a:t>Java Collections can achieve all the operations that you perform on a data such as searching, sorting, insertion, manipulation, and deletion.</a:t>
             </a:r>
-            <a:endParaRPr b="0" lang="en-US" sz="1000" spc="-1" strike="noStrike">
-              <a:latin typeface="Arial"/>
-            </a:endParaRPr>
           </a:p>
         </p:txBody>
       </p:sp>
     </p:spTree>
   </p:cSld>
+  <p:clrMapOvr>
+    <a:masterClrMapping/>
+  </p:clrMapOvr>
   <p:transition spd="slow">
-    <p:fade thruBlk="true"/>
+    <p:fade thruBlk="1"/>
   </p:transition>
+  <p:timing>
+    <p:tnLst>
+      <p:par>
+        <p:cTn id="1" dur="indefinite" restart="never" nodeType="tmRoot"/>
+      </p:par>
+    </p:tnLst>
+  </p:timing>
 </p:sld>
 </file>
 
 <file path=ppt/slides/slide3.xml><?xml version="1.0" encoding="utf-8"?>
-<p:sld xmlns:a="http://schemas.openxmlformats.org/drawingml/2006/main" xmlns:p="http://schemas.openxmlformats.org/presentationml/2006/main" xmlns:r="http://schemas.openxmlformats.org/officeDocument/2006/relationships" xmlns:p14="http://schemas.microsoft.com/office/powerpoint/2010/main" xmlns:p15="http://schemas.microsoft.com/office/powerpoint/2012/main" xmlns:mc="http://schemas.openxmlformats.org/markup-compatibility/2006">
+<p:sld xmlns:a="http://schemas.openxmlformats.org/drawingml/2006/main" xmlns:r="http://schemas.openxmlformats.org/officeDocument/2006/relationships" xmlns:p="http://schemas.openxmlformats.org/presentationml/2006/main">
   <p:cSld>
     <p:spTree>
       <p:nvGrpSpPr>
@@ -4888,15 +5915,22 @@
           </a:ln>
         </p:spPr>
         <p:style>
-          <a:lnRef idx="0"/>
-          <a:fillRef idx="0"/>
-          <a:effectRef idx="0"/>
+          <a:lnRef idx="0">
+            <a:scrgbClr r="0" g="0" b="0"/>
+          </a:lnRef>
+          <a:fillRef idx="0">
+            <a:scrgbClr r="0" g="0" b="0"/>
+          </a:fillRef>
+          <a:effectRef idx="0">
+            <a:scrgbClr r="0" g="0" b="0"/>
+          </a:effectRef>
           <a:fontRef idx="minor"/>
         </p:style>
         <p:txBody>
-          <a:bodyPr lIns="36000" rIns="36000" tIns="18000" bIns="18000" anchor="ctr">
+          <a:bodyPr lIns="36000" tIns="18000" rIns="36000" bIns="18000" anchor="ctr">
             <a:noAutofit/>
           </a:bodyPr>
+          <a:lstStyle/>
           <a:p>
             <a:pPr>
               <a:lnSpc>
@@ -4904,16 +5938,16 @@
               </a:lnSpc>
             </a:pPr>
             <a:r>
-              <a:rPr b="1" lang="en-US" sz="3000" spc="-1" strike="noStrike">
+              <a:rPr lang="en-US" sz="3000" b="1" strike="noStrike" spc="-1">
                 <a:solidFill>
-                  <a:srgbClr val="bf0000"/>
+                  <a:srgbClr val="BF0000"/>
                 </a:solidFill>
                 <a:latin typeface="Century Gothic"/>
                 <a:ea typeface="Century Gothic"/>
               </a:rPr>
               <a:t>Collections in Java</a:t>
             </a:r>
-            <a:endParaRPr b="0" lang="en-US" sz="3000" spc="-1" strike="noStrike">
+            <a:endParaRPr lang="en-US" sz="3000" b="0" strike="noStrike" spc="-1">
               <a:latin typeface="Arial"/>
             </a:endParaRPr>
           </a:p>
@@ -4939,15 +5973,22 @@
           </a:ln>
         </p:spPr>
         <p:style>
-          <a:lnRef idx="0"/>
-          <a:fillRef idx="0"/>
-          <a:effectRef idx="0"/>
+          <a:lnRef idx="0">
+            <a:scrgbClr r="0" g="0" b="0"/>
+          </a:lnRef>
+          <a:fillRef idx="0">
+            <a:scrgbClr r="0" g="0" b="0"/>
+          </a:fillRef>
+          <a:effectRef idx="0">
+            <a:scrgbClr r="0" g="0" b="0"/>
+          </a:effectRef>
           <a:fontRef idx="minor"/>
         </p:style>
         <p:txBody>
-          <a:bodyPr lIns="90000" rIns="90000" tIns="45000" bIns="45000" anchor="ctr">
+          <a:bodyPr lIns="90000" tIns="45000" rIns="90000" bIns="45000" anchor="ctr">
             <a:noAutofit/>
           </a:bodyPr>
+          <a:lstStyle/>
           <a:p>
             <a:pPr>
               <a:lnSpc>
@@ -4955,7 +5996,7 @@
               </a:lnSpc>
             </a:pPr>
             <a:r>
-              <a:rPr b="0" lang="en-US" sz="1100" spc="-1" strike="noStrike">
+              <a:rPr lang="en-US" sz="1100" b="0" strike="noStrike" spc="-1">
                 <a:solidFill>
                   <a:srgbClr val="666666"/>
                 </a:solidFill>
@@ -4964,7 +6005,7 @@
               </a:rPr>
               <a:t>2019 || Java Fundamental Batch-4</a:t>
             </a:r>
-            <a:endParaRPr b="0" lang="en-US" sz="1100" spc="-1" strike="noStrike">
+            <a:endParaRPr lang="en-US" sz="1100" b="0" strike="noStrike" spc="-1">
               <a:latin typeface="Arial"/>
             </a:endParaRPr>
           </a:p>
@@ -4990,20 +6031,26 @@
           </a:ln>
         </p:spPr>
         <p:style>
-          <a:lnRef idx="0"/>
-          <a:fillRef idx="0"/>
-          <a:effectRef idx="0"/>
+          <a:lnRef idx="0">
+            <a:scrgbClr r="0" g="0" b="0"/>
+          </a:lnRef>
+          <a:fillRef idx="0">
+            <a:scrgbClr r="0" g="0" b="0"/>
+          </a:fillRef>
+          <a:effectRef idx="0">
+            <a:scrgbClr r="0" g="0" b="0"/>
+          </a:effectRef>
           <a:fontRef idx="minor"/>
         </p:style>
       </p:sp>
       <p:pic>
         <p:nvPicPr>
-          <p:cNvPr id="97" name="Picture 1" descr=""/>
+          <p:cNvPr id="97" name="Picture 1"/>
           <p:cNvPicPr/>
           <p:nvPr/>
         </p:nvPicPr>
         <p:blipFill>
-          <a:blip r:embed="rId1"/>
+          <a:blip r:embed="rId3"/>
           <a:stretch/>
         </p:blipFill>
         <p:spPr>
@@ -5021,14 +6068,24 @@
       </p:pic>
     </p:spTree>
   </p:cSld>
+  <p:clrMapOvr>
+    <a:masterClrMapping/>
+  </p:clrMapOvr>
   <p:transition spd="slow">
-    <p:fade thruBlk="true"/>
+    <p:fade thruBlk="1"/>
   </p:transition>
+  <p:timing>
+    <p:tnLst>
+      <p:par>
+        <p:cTn id="1" dur="indefinite" restart="never" nodeType="tmRoot"/>
+      </p:par>
+    </p:tnLst>
+  </p:timing>
 </p:sld>
 </file>
 
 <file path=ppt/slides/slide4.xml><?xml version="1.0" encoding="utf-8"?>
-<p:sld xmlns:a="http://schemas.openxmlformats.org/drawingml/2006/main" xmlns:p="http://schemas.openxmlformats.org/presentationml/2006/main" xmlns:r="http://schemas.openxmlformats.org/officeDocument/2006/relationships" xmlns:p14="http://schemas.microsoft.com/office/powerpoint/2010/main" xmlns:p15="http://schemas.microsoft.com/office/powerpoint/2012/main" xmlns:mc="http://schemas.openxmlformats.org/markup-compatibility/2006">
+<p:sld xmlns:a="http://schemas.openxmlformats.org/drawingml/2006/main" xmlns:r="http://schemas.openxmlformats.org/officeDocument/2006/relationships" xmlns:p="http://schemas.openxmlformats.org/presentationml/2006/main">
   <p:cSld>
     <p:spTree>
       <p:nvGrpSpPr>
@@ -5064,15 +6121,22 @@
           </a:ln>
         </p:spPr>
         <p:style>
-          <a:lnRef idx="0"/>
-          <a:fillRef idx="0"/>
-          <a:effectRef idx="0"/>
+          <a:lnRef idx="0">
+            <a:scrgbClr r="0" g="0" b="0"/>
+          </a:lnRef>
+          <a:fillRef idx="0">
+            <a:scrgbClr r="0" g="0" b="0"/>
+          </a:fillRef>
+          <a:effectRef idx="0">
+            <a:scrgbClr r="0" g="0" b="0"/>
+          </a:effectRef>
           <a:fontRef idx="minor"/>
         </p:style>
         <p:txBody>
-          <a:bodyPr lIns="36000" rIns="36000" tIns="18000" bIns="18000" anchor="ctr">
+          <a:bodyPr lIns="36000" tIns="18000" rIns="36000" bIns="18000" anchor="ctr">
             <a:noAutofit/>
           </a:bodyPr>
+          <a:lstStyle/>
           <a:p>
             <a:pPr>
               <a:lnSpc>
@@ -5080,16 +6144,16 @@
               </a:lnSpc>
             </a:pPr>
             <a:r>
-              <a:rPr b="1" lang="en-US" sz="3000" spc="-1" strike="noStrike">
+              <a:rPr lang="en-US" sz="3000" b="1" strike="noStrike" spc="-1">
                 <a:solidFill>
-                  <a:srgbClr val="bf0000"/>
+                  <a:srgbClr val="BF0000"/>
                 </a:solidFill>
                 <a:latin typeface="Century Gothic"/>
                 <a:ea typeface="Century Gothic"/>
               </a:rPr>
               <a:t>List, Set, Map and Queue</a:t>
             </a:r>
-            <a:endParaRPr b="0" lang="en-US" sz="3000" spc="-1" strike="noStrike">
+            <a:endParaRPr lang="en-US" sz="3000" b="0" strike="noStrike" spc="-1">
               <a:latin typeface="Arial"/>
             </a:endParaRPr>
           </a:p>
@@ -5115,15 +6179,22 @@
           </a:ln>
         </p:spPr>
         <p:style>
-          <a:lnRef idx="0"/>
-          <a:fillRef idx="0"/>
-          <a:effectRef idx="0"/>
+          <a:lnRef idx="0">
+            <a:scrgbClr r="0" g="0" b="0"/>
+          </a:lnRef>
+          <a:fillRef idx="0">
+            <a:scrgbClr r="0" g="0" b="0"/>
+          </a:fillRef>
+          <a:effectRef idx="0">
+            <a:scrgbClr r="0" g="0" b="0"/>
+          </a:effectRef>
           <a:fontRef idx="minor"/>
         </p:style>
         <p:txBody>
-          <a:bodyPr lIns="90000" rIns="90000" tIns="45000" bIns="45000" anchor="ctr">
+          <a:bodyPr lIns="90000" tIns="45000" rIns="90000" bIns="45000" anchor="ctr">
             <a:noAutofit/>
           </a:bodyPr>
+          <a:lstStyle/>
           <a:p>
             <a:pPr>
               <a:lnSpc>
@@ -5131,7 +6202,7 @@
               </a:lnSpc>
             </a:pPr>
             <a:r>
-              <a:rPr b="0" lang="en-US" sz="1100" spc="-1" strike="noStrike">
+              <a:rPr lang="en-US" sz="1100" b="0" strike="noStrike" spc="-1">
                 <a:solidFill>
                   <a:srgbClr val="666666"/>
                 </a:solidFill>
@@ -5140,7 +6211,7 @@
               </a:rPr>
               <a:t>2018</a:t>
             </a:r>
-            <a:endParaRPr b="0" lang="en-US" sz="1100" spc="-1" strike="noStrike">
+            <a:endParaRPr lang="en-US" sz="1100" b="0" strike="noStrike" spc="-1">
               <a:latin typeface="Arial"/>
             </a:endParaRPr>
           </a:p>
@@ -5155,7 +6226,7 @@
         <p:spPr>
           <a:xfrm>
             <a:off x="274320" y="1645920"/>
-            <a:ext cx="8686440" cy="6489000"/>
+            <a:ext cx="8686440" cy="4754880"/>
           </a:xfrm>
           <a:prstGeom prst="rect">
             <a:avLst/>
@@ -5166,15 +6237,40 @@
           </a:ln>
         </p:spPr>
         <p:style>
-          <a:lnRef idx="0"/>
-          <a:fillRef idx="0"/>
-          <a:effectRef idx="0"/>
+          <a:lnRef idx="0">
+            <a:scrgbClr r="0" g="0" b="0"/>
+          </a:lnRef>
+          <a:fillRef idx="0">
+            <a:scrgbClr r="0" g="0" b="0"/>
+          </a:fillRef>
+          <a:effectRef idx="0">
+            <a:scrgbClr r="0" g="0" b="0"/>
+          </a:effectRef>
           <a:fontRef idx="minor"/>
         </p:style>
         <p:txBody>
-          <a:bodyPr lIns="90000" rIns="90000" tIns="45000" bIns="45000">
+          <a:bodyPr lIns="90000" tIns="45000" rIns="90000" bIns="45000">
             <a:noAutofit/>
           </a:bodyPr>
+          <a:lstStyle/>
+          <a:p>
+            <a:pPr marL="342900" indent="-342900">
+              <a:lnSpc>
+                <a:spcPct val="100000"/>
+              </a:lnSpc>
+              <a:buFont typeface="+mj-lt"/>
+              <a:buAutoNum type="arabicPeriod"/>
+            </a:pPr>
+            <a:r>
+              <a:rPr lang="en-US" sz="1800" b="1" strike="noStrike" spc="-1" dirty="0" smtClean="0">
+                <a:latin typeface="Arial"/>
+              </a:rPr>
+              <a:t>List</a:t>
+            </a:r>
+            <a:endParaRPr lang="en-US" sz="1800" b="1" strike="noStrike" spc="-1" dirty="0">
+              <a:latin typeface="Arial"/>
+            </a:endParaRPr>
+          </a:p>
           <a:p>
             <a:pPr>
               <a:lnSpc>
@@ -5182,14 +6278,23 @@
               </a:lnSpc>
             </a:pPr>
             <a:r>
-              <a:rPr b="0" lang="en-US" sz="1800" spc="-1" strike="noStrike">
-                <a:latin typeface="Arial"/>
-              </a:rPr>
-              <a:t>=== List ===</a:t>
-            </a:r>
-            <a:endParaRPr b="0" lang="en-US" sz="1800" spc="-1" strike="noStrike">
-              <a:latin typeface="Arial"/>
-            </a:endParaRPr>
+              <a:rPr lang="en-US" sz="1800" b="0" strike="noStrike" spc="-1" dirty="0">
+                <a:latin typeface="Arial"/>
+              </a:rPr>
+              <a:t>List &lt;data-type&gt; list1= new </a:t>
+            </a:r>
+            <a:r>
+              <a:rPr lang="en-US" sz="1800" b="0" strike="noStrike" spc="-1" dirty="0" err="1">
+                <a:latin typeface="Arial"/>
+              </a:rPr>
+              <a:t>ArrayList</a:t>
+            </a:r>
+            <a:r>
+              <a:rPr lang="en-US" sz="1800" b="0" strike="noStrike" spc="-1" dirty="0">
+                <a:latin typeface="Arial"/>
+              </a:rPr>
+              <a:t>();  </a:t>
+            </a:r>
           </a:p>
           <a:p>
             <a:pPr>
@@ -5198,14 +6303,23 @@
               </a:lnSpc>
             </a:pPr>
             <a:r>
-              <a:rPr b="0" lang="en-US" sz="1800" spc="-1" strike="noStrike">
-                <a:latin typeface="Arial"/>
-              </a:rPr>
-              <a:t>List &lt;data-type&gt; list1= new ArrayList();  </a:t>
-            </a:r>
-            <a:endParaRPr b="0" lang="en-US" sz="1800" spc="-1" strike="noStrike">
-              <a:latin typeface="Arial"/>
-            </a:endParaRPr>
+              <a:rPr lang="en-US" sz="1800" b="0" strike="noStrike" spc="-1" dirty="0">
+                <a:latin typeface="Arial"/>
+              </a:rPr>
+              <a:t>List &lt;data-type&gt; list2 = new </a:t>
+            </a:r>
+            <a:r>
+              <a:rPr lang="en-US" sz="1800" b="0" strike="noStrike" spc="-1" dirty="0" err="1">
+                <a:latin typeface="Arial"/>
+              </a:rPr>
+              <a:t>LinkedList</a:t>
+            </a:r>
+            <a:r>
+              <a:rPr lang="en-US" sz="1800" b="0" strike="noStrike" spc="-1" dirty="0">
+                <a:latin typeface="Arial"/>
+              </a:rPr>
+              <a:t>();  </a:t>
+            </a:r>
           </a:p>
           <a:p>
             <a:pPr>
@@ -5214,14 +6328,11 @@
               </a:lnSpc>
             </a:pPr>
             <a:r>
-              <a:rPr b="0" lang="en-US" sz="1800" spc="-1" strike="noStrike">
-                <a:latin typeface="Arial"/>
-              </a:rPr>
-              <a:t>List &lt;data-type&gt; list2 = new LinkedList();  </a:t>
-            </a:r>
-            <a:endParaRPr b="0" lang="en-US" sz="1800" spc="-1" strike="noStrike">
-              <a:latin typeface="Arial"/>
-            </a:endParaRPr>
+              <a:rPr lang="en-US" sz="1800" b="0" strike="noStrike" spc="-1" dirty="0">
+                <a:latin typeface="Arial"/>
+              </a:rPr>
+              <a:t>List &lt;data-type&gt; list3 = new Vector();  </a:t>
+            </a:r>
           </a:p>
           <a:p>
             <a:pPr>
@@ -5230,14 +6341,11 @@
               </a:lnSpc>
             </a:pPr>
             <a:r>
-              <a:rPr b="0" lang="en-US" sz="1800" spc="-1" strike="noStrike">
-                <a:latin typeface="Arial"/>
-              </a:rPr>
-              <a:t>List &lt;data-type&gt; list3 = new Vector();  </a:t>
-            </a:r>
-            <a:endParaRPr b="0" lang="en-US" sz="1800" spc="-1" strike="noStrike">
-              <a:latin typeface="Arial"/>
-            </a:endParaRPr>
+              <a:rPr lang="en-US" sz="1800" b="0" strike="noStrike" spc="-1" dirty="0">
+                <a:latin typeface="Arial"/>
+              </a:rPr>
+              <a:t>List &lt;data-type&gt; list4 = new Stack(); </a:t>
+            </a:r>
           </a:p>
           <a:p>
             <a:pPr>
@@ -5245,13 +6353,7 @@
                 <a:spcPct val="100000"/>
               </a:lnSpc>
             </a:pPr>
-            <a:r>
-              <a:rPr b="0" lang="en-US" sz="1800" spc="-1" strike="noStrike">
-                <a:latin typeface="Arial"/>
-              </a:rPr>
-              <a:t>List &lt;data-type&gt; list4 = new Stack(); </a:t>
-            </a:r>
-            <a:endParaRPr b="0" lang="en-US" sz="1800" spc="-1" strike="noStrike">
+            <a:endParaRPr lang="en-US" sz="1800" b="0" strike="noStrike" spc="-1" dirty="0" smtClean="0">
               <a:latin typeface="Arial"/>
             </a:endParaRPr>
           </a:p>
@@ -5262,14 +6364,35 @@
               </a:lnSpc>
             </a:pPr>
             <a:r>
-              <a:rPr b="0" lang="en-US" sz="1800" spc="-1" strike="noStrike">
-                <a:latin typeface="Arial"/>
-              </a:rPr>
-              <a:t>Method penting dalam List :</a:t>
-            </a:r>
-            <a:endParaRPr b="0" lang="en-US" sz="1800" spc="-1" strike="noStrike">
-              <a:latin typeface="Arial"/>
-            </a:endParaRPr>
+              <a:rPr lang="en-US" sz="1800" b="0" strike="noStrike" spc="-1" dirty="0" smtClean="0">
+                <a:latin typeface="Arial"/>
+              </a:rPr>
+              <a:t>Method </a:t>
+            </a:r>
+            <a:r>
+              <a:rPr lang="en-US" sz="1800" b="0" strike="noStrike" spc="-1" dirty="0" err="1">
+                <a:latin typeface="Arial"/>
+              </a:rPr>
+              <a:t>penting</a:t>
+            </a:r>
+            <a:r>
+              <a:rPr lang="en-US" sz="1800" b="0" strike="noStrike" spc="-1" dirty="0">
+                <a:latin typeface="Arial"/>
+              </a:rPr>
+              <a:t> </a:t>
+            </a:r>
+            <a:r>
+              <a:rPr lang="en-US" sz="1800" b="0" strike="noStrike" spc="-1" dirty="0" err="1">
+                <a:latin typeface="Arial"/>
+              </a:rPr>
+              <a:t>dalam</a:t>
+            </a:r>
+            <a:r>
+              <a:rPr lang="en-US" sz="1800" b="0" strike="noStrike" spc="-1" dirty="0">
+                <a:latin typeface="Arial"/>
+              </a:rPr>
+              <a:t> List :</a:t>
+            </a:r>
           </a:p>
           <a:p>
             <a:pPr>
@@ -5278,14 +6401,23 @@
               </a:lnSpc>
             </a:pPr>
             <a:r>
-              <a:rPr b="0" lang="en-US" sz="1800" spc="-1" strike="noStrike">
-                <a:latin typeface="Arial"/>
-              </a:rPr>
-              <a:t>a. get(int index);</a:t>
-            </a:r>
-            <a:endParaRPr b="0" lang="en-US" sz="1800" spc="-1" strike="noStrike">
-              <a:latin typeface="Arial"/>
-            </a:endParaRPr>
+              <a:rPr lang="en-US" sz="1800" b="0" strike="noStrike" spc="-1" dirty="0">
+                <a:latin typeface="Arial"/>
+              </a:rPr>
+              <a:t>a. get(</a:t>
+            </a:r>
+            <a:r>
+              <a:rPr lang="en-US" sz="1800" b="0" strike="noStrike" spc="-1" dirty="0" err="1">
+                <a:latin typeface="Arial"/>
+              </a:rPr>
+              <a:t>int</a:t>
+            </a:r>
+            <a:r>
+              <a:rPr lang="en-US" sz="1800" b="0" strike="noStrike" spc="-1" dirty="0">
+                <a:latin typeface="Arial"/>
+              </a:rPr>
+              <a:t> index);</a:t>
+            </a:r>
           </a:p>
           <a:p>
             <a:pPr>
@@ -5294,14 +6426,35 @@
               </a:lnSpc>
             </a:pPr>
             <a:r>
-              <a:rPr b="0" lang="en-US" sz="1800" spc="-1" strike="noStrike">
-                <a:latin typeface="Arial"/>
-              </a:rPr>
-              <a:t>b. indexof(Object obj);</a:t>
-            </a:r>
-            <a:endParaRPr b="0" lang="en-US" sz="1800" spc="-1" strike="noStrike">
-              <a:latin typeface="Arial"/>
-            </a:endParaRPr>
+              <a:rPr lang="en-US" sz="1800" b="0" strike="noStrike" spc="-1" dirty="0">
+                <a:latin typeface="Arial"/>
+              </a:rPr>
+              <a:t>b. </a:t>
+            </a:r>
+            <a:r>
+              <a:rPr lang="en-US" sz="1800" b="0" strike="noStrike" spc="-1" dirty="0" err="1">
+                <a:latin typeface="Arial"/>
+              </a:rPr>
+              <a:t>indexof</a:t>
+            </a:r>
+            <a:r>
+              <a:rPr lang="en-US" sz="1800" b="0" strike="noStrike" spc="-1" dirty="0">
+                <a:latin typeface="Arial"/>
+              </a:rPr>
+              <a:t>(Object </a:t>
+            </a:r>
+            <a:r>
+              <a:rPr lang="en-US" sz="1800" b="0" strike="noStrike" spc="-1" dirty="0" err="1">
+                <a:latin typeface="Arial"/>
+              </a:rPr>
+              <a:t>obj</a:t>
+            </a:r>
+            <a:r>
+              <a:rPr lang="en-US" sz="1800" b="0" strike="noStrike" spc="-1" dirty="0">
+                <a:latin typeface="Arial"/>
+              </a:rPr>
+              <a:t>);</a:t>
+            </a:r>
           </a:p>
           <a:p>
             <a:pPr>
@@ -5310,14 +6463,23 @@
               </a:lnSpc>
             </a:pPr>
             <a:r>
-              <a:rPr b="0" lang="en-US" sz="1800" spc="-1" strike="noStrike">
-                <a:latin typeface="Arial"/>
-              </a:rPr>
-              <a:t>c. add(Object obj);</a:t>
-            </a:r>
-            <a:endParaRPr b="0" lang="en-US" sz="1800" spc="-1" strike="noStrike">
-              <a:latin typeface="Arial"/>
-            </a:endParaRPr>
+              <a:rPr lang="en-US" sz="1800" b="0" strike="noStrike" spc="-1" dirty="0">
+                <a:latin typeface="Arial"/>
+              </a:rPr>
+              <a:t>c. add(Object </a:t>
+            </a:r>
+            <a:r>
+              <a:rPr lang="en-US" sz="1800" b="0" strike="noStrike" spc="-1" dirty="0" err="1">
+                <a:latin typeface="Arial"/>
+              </a:rPr>
+              <a:t>obj</a:t>
+            </a:r>
+            <a:r>
+              <a:rPr lang="en-US" sz="1800" b="0" strike="noStrike" spc="-1" dirty="0">
+                <a:latin typeface="Arial"/>
+              </a:rPr>
+              <a:t>);</a:t>
+            </a:r>
           </a:p>
           <a:p>
             <a:pPr>
@@ -5326,14 +6488,35 @@
               </a:lnSpc>
             </a:pPr>
             <a:r>
-              <a:rPr b="0" lang="en-US" sz="1800" spc="-1" strike="noStrike">
-                <a:latin typeface="Arial"/>
-              </a:rPr>
-              <a:t>d. add(int index, Object obj);</a:t>
-            </a:r>
-            <a:endParaRPr b="0" lang="en-US" sz="1800" spc="-1" strike="noStrike">
-              <a:latin typeface="Arial"/>
-            </a:endParaRPr>
+              <a:rPr lang="en-US" sz="1800" b="0" strike="noStrike" spc="-1" dirty="0">
+                <a:latin typeface="Arial"/>
+              </a:rPr>
+              <a:t>d. add(</a:t>
+            </a:r>
+            <a:r>
+              <a:rPr lang="en-US" sz="1800" b="0" strike="noStrike" spc="-1" dirty="0" err="1">
+                <a:latin typeface="Arial"/>
+              </a:rPr>
+              <a:t>int</a:t>
+            </a:r>
+            <a:r>
+              <a:rPr lang="en-US" sz="1800" b="0" strike="noStrike" spc="-1" dirty="0">
+                <a:latin typeface="Arial"/>
+              </a:rPr>
+              <a:t> index, Object </a:t>
+            </a:r>
+            <a:r>
+              <a:rPr lang="en-US" sz="1800" b="0" strike="noStrike" spc="-1" dirty="0" err="1">
+                <a:latin typeface="Arial"/>
+              </a:rPr>
+              <a:t>obj</a:t>
+            </a:r>
+            <a:r>
+              <a:rPr lang="en-US" sz="1800" b="0" strike="noStrike" spc="-1" dirty="0" smtClean="0">
+                <a:latin typeface="Arial"/>
+              </a:rPr>
+              <a:t>);</a:t>
+            </a:r>
           </a:p>
           <a:p>
             <a:pPr>
@@ -5341,7 +6524,7 @@
                 <a:spcPct val="100000"/>
               </a:lnSpc>
             </a:pPr>
-            <a:endParaRPr b="0" lang="en-US" sz="1800" spc="-1" strike="noStrike">
+            <a:endParaRPr lang="en-US" spc="-1" dirty="0">
               <a:latin typeface="Arial"/>
             </a:endParaRPr>
           </a:p>
@@ -5352,14 +6535,89 @@
               </a:lnSpc>
             </a:pPr>
             <a:r>
-              <a:rPr b="0" lang="en-US" sz="1800" spc="-1" strike="noStrike">
-                <a:latin typeface="Arial"/>
-              </a:rPr>
-              <a:t>Class ArrayList adalah class yang mengimplementasikan interface List, bayangkan class ArrayList</a:t>
-            </a:r>
-            <a:endParaRPr b="0" lang="en-US" sz="1800" spc="-1" strike="noStrike">
-              <a:latin typeface="Arial"/>
-            </a:endParaRPr>
+              <a:rPr lang="en-US" spc="-1" dirty="0" smtClean="0"/>
+              <a:t>Class </a:t>
+            </a:r>
+            <a:r>
+              <a:rPr lang="en-US" spc="-1" dirty="0" err="1" smtClean="0"/>
+              <a:t>ArrayList</a:t>
+            </a:r>
+            <a:r>
+              <a:rPr lang="en-US" spc="-1" dirty="0" smtClean="0"/>
+              <a:t> </a:t>
+            </a:r>
+            <a:r>
+              <a:rPr lang="en-US" spc="-1" dirty="0" err="1" smtClean="0"/>
+              <a:t>adalah</a:t>
+            </a:r>
+            <a:r>
+              <a:rPr lang="en-US" spc="-1" dirty="0" smtClean="0"/>
+              <a:t> class yang </a:t>
+            </a:r>
+            <a:r>
+              <a:rPr lang="en-US" spc="-1" dirty="0" err="1" smtClean="0"/>
+              <a:t>mengimplementasikan</a:t>
+            </a:r>
+            <a:r>
+              <a:rPr lang="en-US" spc="-1" dirty="0" smtClean="0"/>
+              <a:t> interface List, </a:t>
+            </a:r>
+            <a:r>
+              <a:rPr lang="en-US" spc="-1" dirty="0" err="1" smtClean="0"/>
+              <a:t>bayangkan</a:t>
+            </a:r>
+            <a:r>
+              <a:rPr lang="en-US" spc="-1" dirty="0" smtClean="0"/>
+              <a:t> class </a:t>
+            </a:r>
+            <a:r>
+              <a:rPr lang="en-US" spc="-1" dirty="0" err="1" smtClean="0"/>
+              <a:t>ArrayList</a:t>
+            </a:r>
+            <a:r>
+              <a:rPr lang="en-US" spc="-1" dirty="0" smtClean="0"/>
+              <a:t> </a:t>
+            </a:r>
+            <a:r>
+              <a:rPr lang="en-US" spc="-1" dirty="0" err="1" smtClean="0"/>
+              <a:t>ini</a:t>
+            </a:r>
+            <a:r>
+              <a:rPr lang="en-US" spc="-1" dirty="0" smtClean="0"/>
+              <a:t> </a:t>
+            </a:r>
+            <a:r>
+              <a:rPr lang="en-US" spc="-1" dirty="0" err="1" smtClean="0"/>
+              <a:t>adalah</a:t>
+            </a:r>
+            <a:r>
+              <a:rPr lang="en-US" spc="-1" dirty="0" smtClean="0"/>
+              <a:t> Array yang </a:t>
+            </a:r>
+            <a:r>
+              <a:rPr lang="en-US" spc="-1" dirty="0" err="1" smtClean="0"/>
+              <a:t>dapat</a:t>
+            </a:r>
+            <a:r>
+              <a:rPr lang="en-US" spc="-1" dirty="0" smtClean="0"/>
+              <a:t> </a:t>
+            </a:r>
+            <a:r>
+              <a:rPr lang="en-US" spc="-1" dirty="0" err="1" smtClean="0"/>
+              <a:t>bertambah</a:t>
+            </a:r>
+            <a:r>
+              <a:rPr lang="en-US" spc="-1" dirty="0" smtClean="0"/>
+              <a:t> </a:t>
+            </a:r>
+            <a:r>
+              <a:rPr lang="en-US" spc="-1" dirty="0" err="1" smtClean="0"/>
+              <a:t>ukuranya</a:t>
+            </a:r>
+            <a:r>
+              <a:rPr lang="en-US" spc="-1" dirty="0" smtClean="0"/>
+              <a:t>.</a:t>
+            </a:r>
           </a:p>
           <a:p>
             <a:pPr>
@@ -5368,12 +6626,206 @@
               </a:lnSpc>
             </a:pPr>
             <a:r>
-              <a:rPr b="0" lang="en-US" sz="1800" spc="-1" strike="noStrike">
-                <a:latin typeface="Arial"/>
-              </a:rPr>
-              <a:t>ini adalah Array yang dapat bertambah ukuranya. Vector adalah class yang juga</a:t>
-            </a:r>
-            <a:endParaRPr b="0" lang="en-US" sz="1800" spc="-1" strike="noStrike">
+              <a:rPr lang="en-US" spc="-1" dirty="0" err="1" smtClean="0"/>
+              <a:t>LinkedList</a:t>
+            </a:r>
+            <a:r>
+              <a:rPr lang="en-US" spc="-1" dirty="0" smtClean="0"/>
+              <a:t> </a:t>
+            </a:r>
+            <a:r>
+              <a:rPr lang="en-US" spc="-1" dirty="0" err="1" smtClean="0"/>
+              <a:t>adalah</a:t>
+            </a:r>
+            <a:r>
+              <a:rPr lang="en-US" spc="-1" dirty="0" smtClean="0"/>
+              <a:t> </a:t>
+            </a:r>
+            <a:r>
+              <a:rPr lang="en-US" spc="-1" dirty="0" err="1" smtClean="0"/>
+              <a:t>implementasi</a:t>
+            </a:r>
+            <a:r>
+              <a:rPr lang="en-US" spc="-1" dirty="0" smtClean="0"/>
+              <a:t> </a:t>
+            </a:r>
+            <a:r>
+              <a:rPr lang="en-US" spc="-1" dirty="0" err="1" smtClean="0"/>
+              <a:t>dari</a:t>
+            </a:r>
+            <a:r>
+              <a:rPr lang="en-US" spc="-1" dirty="0" smtClean="0"/>
+              <a:t> List yang </a:t>
+            </a:r>
+            <a:r>
+              <a:rPr lang="en-US" spc="-1" dirty="0" err="1" smtClean="0"/>
+              <a:t>menambahkan</a:t>
+            </a:r>
+            <a:r>
+              <a:rPr lang="en-US" spc="-1" dirty="0" smtClean="0"/>
+              <a:t> method </a:t>
+            </a:r>
+            <a:r>
+              <a:rPr lang="en-US" spc="-1" dirty="0" err="1" smtClean="0"/>
+              <a:t>baru</a:t>
+            </a:r>
+            <a:r>
+              <a:rPr lang="en-US" spc="-1" dirty="0" smtClean="0"/>
+              <a:t> </a:t>
+            </a:r>
+            <a:r>
+              <a:rPr lang="en-US" spc="-1" dirty="0" err="1" smtClean="0"/>
+              <a:t>untuk</a:t>
+            </a:r>
+            <a:r>
+              <a:rPr lang="en-US" spc="-1" dirty="0" smtClean="0"/>
+              <a:t> </a:t>
+            </a:r>
+            <a:r>
+              <a:rPr lang="en-US" spc="-1" dirty="0" err="1" smtClean="0"/>
+              <a:t>menambahkan</a:t>
+            </a:r>
+            <a:r>
+              <a:rPr lang="en-US" spc="-1" dirty="0" smtClean="0"/>
+              <a:t> </a:t>
+            </a:r>
+            <a:r>
+              <a:rPr lang="en-US" spc="-1" dirty="0" err="1" smtClean="0"/>
+              <a:t>atau</a:t>
+            </a:r>
+            <a:r>
+              <a:rPr lang="en-US" spc="-1" dirty="0" smtClean="0"/>
+              <a:t> </a:t>
+            </a:r>
+            <a:r>
+              <a:rPr lang="en-US" spc="-1" dirty="0" err="1" smtClean="0"/>
+              <a:t>menghapus</a:t>
+            </a:r>
+            <a:r>
+              <a:rPr lang="en-US" spc="-1" dirty="0" smtClean="0"/>
+              <a:t> </a:t>
+            </a:r>
+            <a:r>
+              <a:rPr lang="en-US" spc="-1" dirty="0" err="1" smtClean="0"/>
+              <a:t>isi</a:t>
+            </a:r>
+            <a:r>
+              <a:rPr lang="en-US" spc="-1" dirty="0" smtClean="0"/>
+              <a:t> </a:t>
+            </a:r>
+            <a:r>
+              <a:rPr lang="en-US" spc="-1" dirty="0" err="1" smtClean="0"/>
+              <a:t>dari</a:t>
+            </a:r>
+            <a:r>
+              <a:rPr lang="en-US" spc="-1" dirty="0" smtClean="0"/>
+              <a:t> List </a:t>
+            </a:r>
+            <a:r>
+              <a:rPr lang="en-US" spc="-1" dirty="0" err="1" smtClean="0"/>
+              <a:t>dari</a:t>
+            </a:r>
+            <a:r>
+              <a:rPr lang="en-US" spc="-1" dirty="0" smtClean="0"/>
+              <a:t> </a:t>
+            </a:r>
+            <a:r>
+              <a:rPr lang="en-US" spc="-1" dirty="0" err="1" smtClean="0"/>
+              <a:t>depan</a:t>
+            </a:r>
+            <a:r>
+              <a:rPr lang="en-US" spc="-1" dirty="0" smtClean="0"/>
+              <a:t> </a:t>
+            </a:r>
+            <a:r>
+              <a:rPr lang="en-US" spc="-1" dirty="0" err="1" smtClean="0"/>
+              <a:t>atau</a:t>
+            </a:r>
+            <a:r>
+              <a:rPr lang="en-US" spc="-1" dirty="0" smtClean="0"/>
+              <a:t> </a:t>
+            </a:r>
+            <a:r>
+              <a:rPr lang="en-US" spc="-1" dirty="0" err="1" smtClean="0"/>
+              <a:t>dari</a:t>
+            </a:r>
+            <a:r>
+              <a:rPr lang="en-US" spc="-1" dirty="0" smtClean="0"/>
+              <a:t> </a:t>
+            </a:r>
+            <a:r>
+              <a:rPr lang="en-US" spc="-1" dirty="0" err="1" smtClean="0"/>
+              <a:t>belakang</a:t>
+            </a:r>
+            <a:r>
+              <a:rPr lang="en-US" spc="-1" dirty="0" smtClean="0"/>
+              <a:t>. Class </a:t>
+            </a:r>
+            <a:r>
+              <a:rPr lang="en-US" spc="-1" dirty="0" err="1" smtClean="0"/>
+              <a:t>ini</a:t>
+            </a:r>
+            <a:r>
+              <a:rPr lang="en-US" spc="-1" dirty="0" smtClean="0"/>
+              <a:t> </a:t>
+            </a:r>
+            <a:r>
+              <a:rPr lang="en-US" spc="-1" dirty="0" err="1" smtClean="0"/>
+              <a:t>cocok</a:t>
+            </a:r>
+            <a:r>
+              <a:rPr lang="en-US" spc="-1" dirty="0" smtClean="0"/>
+              <a:t> </a:t>
+            </a:r>
+            <a:r>
+              <a:rPr lang="en-US" spc="-1" dirty="0" err="1" smtClean="0"/>
+              <a:t>digunakan</a:t>
+            </a:r>
+            <a:r>
+              <a:rPr lang="en-US" spc="-1" dirty="0" smtClean="0"/>
+              <a:t> </a:t>
+            </a:r>
+            <a:r>
+              <a:rPr lang="en-US" spc="-1" dirty="0" err="1" smtClean="0"/>
+              <a:t>untuk</a:t>
+            </a:r>
+            <a:r>
+              <a:rPr lang="en-US" spc="-1" dirty="0" smtClean="0"/>
+              <a:t> </a:t>
+            </a:r>
+            <a:r>
+              <a:rPr lang="en-US" spc="-1" dirty="0" err="1" smtClean="0"/>
+              <a:t>membuat</a:t>
+            </a:r>
+            <a:r>
+              <a:rPr lang="en-US" spc="-1" dirty="0" smtClean="0"/>
+              <a:t> </a:t>
+            </a:r>
+            <a:r>
+              <a:rPr lang="en-US" spc="-1" dirty="0" err="1" smtClean="0"/>
+              <a:t>tumpukan</a:t>
+            </a:r>
+            <a:r>
+              <a:rPr lang="en-US" spc="-1" dirty="0" smtClean="0"/>
+              <a:t> (stack) </a:t>
+            </a:r>
+            <a:r>
+              <a:rPr lang="en-US" spc="-1" dirty="0" err="1" smtClean="0"/>
+              <a:t>atau</a:t>
+            </a:r>
+            <a:r>
+              <a:rPr lang="en-US" spc="-1" dirty="0" smtClean="0"/>
+              <a:t> </a:t>
+            </a:r>
+            <a:r>
+              <a:rPr lang="en-US" spc="-1" dirty="0" err="1" smtClean="0"/>
+              <a:t>antrian</a:t>
+            </a:r>
+            <a:r>
+              <a:rPr lang="en-US" spc="-1" dirty="0" smtClean="0"/>
+              <a:t> (queue).</a:t>
+            </a:r>
+            <a:endParaRPr lang="en-US" sz="1800" b="0" strike="noStrike" spc="-1" dirty="0">
               <a:latin typeface="Arial"/>
             </a:endParaRPr>
           </a:p>
@@ -5383,13 +6835,7 @@
                 <a:spcPct val="100000"/>
               </a:lnSpc>
             </a:pPr>
-            <a:r>
-              <a:rPr b="0" lang="en-US" sz="1800" spc="-1" strike="noStrike">
-                <a:latin typeface="Arial"/>
-              </a:rPr>
-              <a:t>mengimplementasikan List, Vector adalah pendahulu dari ArrayList, kalau tidak ada yang</a:t>
-            </a:r>
-            <a:endParaRPr b="0" lang="en-US" sz="1800" spc="-1" strike="noStrike">
+            <a:endParaRPr lang="en-US" sz="1800" b="0" strike="noStrike" spc="-1" dirty="0">
               <a:latin typeface="Arial"/>
             </a:endParaRPr>
           </a:p>
@@ -5400,92 +6846,12 @@
               </a:lnSpc>
             </a:pPr>
             <a:r>
-              <a:rPr b="0" lang="en-US" sz="1800" spc="-1" strike="noStrike">
-                <a:latin typeface="Arial"/>
-              </a:rPr>
-              <a:t>menghalangi anda menggunakan ArrayList, sebaiknya hindari Vector karena performance</a:t>
-            </a:r>
-            <a:endParaRPr b="0" lang="en-US" sz="1800" spc="-1" strike="noStrike">
-              <a:latin typeface="Arial"/>
-            </a:endParaRPr>
-          </a:p>
-          <a:p>
-            <a:pPr>
-              <a:lnSpc>
-                <a:spcPct val="100000"/>
-              </a:lnSpc>
-            </a:pPr>
-            <a:r>
-              <a:rPr b="0" lang="en-US" sz="1800" spc="-1" strike="noStrike">
-                <a:latin typeface="Arial"/>
-              </a:rPr>
-              <a:t>ArrayList lebih bagus dan classnya lebih modern.</a:t>
-            </a:r>
-            <a:endParaRPr b="0" lang="en-US" sz="1800" spc="-1" strike="noStrike">
-              <a:latin typeface="Arial"/>
-            </a:endParaRPr>
-          </a:p>
-          <a:p>
-            <a:pPr>
-              <a:lnSpc>
-                <a:spcPct val="100000"/>
-              </a:lnSpc>
-            </a:pPr>
-            <a:r>
-              <a:rPr b="0" lang="en-US" sz="1800" spc="-1" strike="noStrike">
-                <a:latin typeface="Arial"/>
-              </a:rPr>
-              <a:t>LinkedList adalah implementasi dari List yang menambahkan method baru untuk menambahkan</a:t>
-            </a:r>
-            <a:endParaRPr b="0" lang="en-US" sz="1800" spc="-1" strike="noStrike">
-              <a:latin typeface="Arial"/>
-            </a:endParaRPr>
-          </a:p>
-          <a:p>
-            <a:pPr>
-              <a:lnSpc>
-                <a:spcPct val="100000"/>
-              </a:lnSpc>
-            </a:pPr>
-            <a:r>
-              <a:rPr b="0" lang="en-US" sz="1800" spc="-1" strike="noStrike">
-                <a:latin typeface="Arial"/>
-              </a:rPr>
-              <a:t>atau menghapus isi dari List dari depan atau dari belakang. Class ini cocok digunakan untuk</a:t>
-            </a:r>
-            <a:endParaRPr b="0" lang="en-US" sz="1800" spc="-1" strike="noStrike">
-              <a:latin typeface="Arial"/>
-            </a:endParaRPr>
-          </a:p>
-          <a:p>
-            <a:pPr>
-              <a:lnSpc>
-                <a:spcPct val="100000"/>
-              </a:lnSpc>
-            </a:pPr>
-            <a:r>
-              <a:rPr b="0" lang="en-US" sz="1800" spc="-1" strike="noStrike">
-                <a:latin typeface="Arial"/>
-              </a:rPr>
-              <a:t>membuat tumpukan (stack) atau antrian (queue).</a:t>
-            </a:r>
-            <a:endParaRPr b="0" lang="en-US" sz="1800" spc="-1" strike="noStrike">
-              <a:latin typeface="Arial"/>
-            </a:endParaRPr>
-          </a:p>
-          <a:p>
-            <a:pPr>
-              <a:lnSpc>
-                <a:spcPct val="100000"/>
-              </a:lnSpc>
-            </a:pPr>
-            <a:r>
-              <a:rPr b="0" lang="en-US" sz="1800" spc="-1" strike="noStrike">
+              <a:rPr lang="en-US" sz="1800" b="0" strike="noStrike" spc="-1" dirty="0" smtClean="0">
                 <a:latin typeface="Arial"/>
               </a:rPr>
               <a:t> </a:t>
             </a:r>
-            <a:endParaRPr b="0" lang="en-US" sz="1800" spc="-1" strike="noStrike">
+            <a:endParaRPr lang="en-US" sz="1800" b="0" strike="noStrike" spc="-1" dirty="0">
               <a:latin typeface="Arial"/>
             </a:endParaRPr>
           </a:p>
@@ -5493,14 +6859,17 @@
       </p:sp>
     </p:spTree>
   </p:cSld>
+  <p:clrMapOvr>
+    <a:masterClrMapping/>
+  </p:clrMapOvr>
   <p:transition spd="slow">
-    <p:fade thruBlk="true"/>
+    <p:fade thruBlk="1"/>
   </p:transition>
 </p:sld>
 </file>
 
 <file path=ppt/slides/slide5.xml><?xml version="1.0" encoding="utf-8"?>
-<p:sld xmlns:a="http://schemas.openxmlformats.org/drawingml/2006/main" xmlns:p="http://schemas.openxmlformats.org/presentationml/2006/main" xmlns:r="http://schemas.openxmlformats.org/officeDocument/2006/relationships" xmlns:p14="http://schemas.microsoft.com/office/powerpoint/2010/main" xmlns:p15="http://schemas.microsoft.com/office/powerpoint/2012/main" xmlns:mc="http://schemas.openxmlformats.org/markup-compatibility/2006">
+<p:sld xmlns:a="http://schemas.openxmlformats.org/drawingml/2006/main" xmlns:r="http://schemas.openxmlformats.org/officeDocument/2006/relationships" xmlns:p="http://schemas.openxmlformats.org/presentationml/2006/main">
   <p:cSld>
     <p:spTree>
       <p:nvGrpSpPr>
@@ -5536,15 +6905,45 @@
           </a:ln>
         </p:spPr>
         <p:style>
-          <a:lnRef idx="0"/>
-          <a:fillRef idx="0"/>
-          <a:effectRef idx="0"/>
+          <a:lnRef idx="0">
+            <a:scrgbClr r="0" g="0" b="0"/>
+          </a:lnRef>
+          <a:fillRef idx="0">
+            <a:scrgbClr r="0" g="0" b="0"/>
+          </a:fillRef>
+          <a:effectRef idx="0">
+            <a:scrgbClr r="0" g="0" b="0"/>
+          </a:effectRef>
           <a:fontRef idx="minor"/>
         </p:style>
         <p:txBody>
-          <a:bodyPr lIns="0" rIns="0" tIns="0" bIns="0">
+          <a:bodyPr lIns="0" tIns="0" rIns="0" bIns="0">
             <a:normAutofit/>
           </a:bodyPr>
+          <a:lstStyle/>
+          <a:p>
+            <a:pPr marL="108360">
+              <a:lnSpc>
+                <a:spcPct val="100000"/>
+              </a:lnSpc>
+              <a:spcBef>
+                <a:spcPts val="1417"/>
+              </a:spcBef>
+              <a:buClr>
+                <a:srgbClr val="000000"/>
+              </a:buClr>
+              <a:buSzPct val="45000"/>
+            </a:pPr>
+            <a:r>
+              <a:rPr lang="en-US" sz="2000" b="1" strike="noStrike" spc="-1" dirty="0" smtClean="0">
+                <a:latin typeface="Arial"/>
+              </a:rPr>
+              <a:t>2. Set</a:t>
+            </a:r>
+            <a:endParaRPr lang="en-US" sz="2000" b="1" strike="noStrike" spc="-1" dirty="0">
+              <a:latin typeface="Arial"/>
+            </a:endParaRPr>
+          </a:p>
           <a:p>
             <a:pPr marL="432000" indent="-323640">
               <a:lnSpc>
@@ -5561,15 +6960,69 @@
               <a:buChar char=""/>
             </a:pPr>
             <a:r>
-              <a:rPr b="0" lang="en-US" sz="1400" spc="-1" strike="noStrike">
+              <a:rPr lang="en-US" sz="1400" b="0" strike="noStrike" spc="-1" dirty="0">
                 <a:solidFill>
                   <a:srgbClr val="000000"/>
                 </a:solidFill>
                 <a:latin typeface="Arial"/>
               </a:rPr>
-              <a:t>Set</a:t>
-            </a:r>
-            <a:endParaRPr b="0" lang="en-US" sz="1400" spc="-1" strike="noStrike">
+              <a:t>Set </a:t>
+            </a:r>
+            <a:r>
+              <a:rPr lang="en-US" sz="1400" b="0" strike="noStrike" spc="-1" dirty="0" err="1">
+                <a:solidFill>
+                  <a:srgbClr val="000000"/>
+                </a:solidFill>
+                <a:latin typeface="Arial"/>
+              </a:rPr>
+              <a:t>adalah</a:t>
+            </a:r>
+            <a:r>
+              <a:rPr lang="en-US" sz="1400" b="0" strike="noStrike" spc="-1" dirty="0">
+                <a:solidFill>
+                  <a:srgbClr val="000000"/>
+                </a:solidFill>
+                <a:latin typeface="Arial"/>
+              </a:rPr>
+              <a:t> collection yang </a:t>
+            </a:r>
+            <a:r>
+              <a:rPr lang="en-US" sz="1400" b="0" strike="noStrike" spc="-1" dirty="0" err="1">
+                <a:solidFill>
+                  <a:srgbClr val="000000"/>
+                </a:solidFill>
+                <a:latin typeface="Arial"/>
+              </a:rPr>
+              <a:t>bersifat</a:t>
+            </a:r>
+            <a:r>
+              <a:rPr lang="en-US" sz="1400" b="0" strike="noStrike" spc="-1" dirty="0">
+                <a:solidFill>
+                  <a:srgbClr val="000000"/>
+                </a:solidFill>
+                <a:latin typeface="Arial"/>
+              </a:rPr>
+              <a:t> </a:t>
+            </a:r>
+            <a:r>
+              <a:rPr lang="en-US" sz="1400" b="0" strike="noStrike" spc="-1" dirty="0" err="1">
+                <a:solidFill>
+                  <a:srgbClr val="000000"/>
+                </a:solidFill>
+                <a:latin typeface="Arial"/>
+              </a:rPr>
+              <a:t>unik</a:t>
+            </a:r>
+            <a:r>
+              <a:rPr lang="en-US" sz="1400" b="0" strike="noStrike" spc="-1" dirty="0">
+                <a:solidFill>
+                  <a:srgbClr val="000000"/>
+                </a:solidFill>
+                <a:latin typeface="Arial"/>
+              </a:rPr>
+              <a:t>.</a:t>
+            </a:r>
+            <a:endParaRPr lang="en-US" sz="1400" b="0" strike="noStrike" spc="-1" dirty="0">
               <a:latin typeface="Arial"/>
             </a:endParaRPr>
           </a:p>
@@ -5589,15 +7042,33 @@
               <a:buChar char=""/>
             </a:pPr>
             <a:r>
-              <a:rPr b="0" lang="en-US" sz="1400" spc="-1" strike="noStrike">
+              <a:rPr lang="en-US" sz="1400" b="0" strike="noStrike" spc="-1" dirty="0">
                 <a:solidFill>
                   <a:srgbClr val="000000"/>
                 </a:solidFill>
                 <a:latin typeface="Arial"/>
               </a:rPr>
-              <a:t>Set adalah collection yang bersifat unik.</a:t>
-            </a:r>
-            <a:endParaRPr b="0" lang="en-US" sz="1400" spc="-1" strike="noStrike">
+              <a:t>Set&lt;data-type&gt; s1 = new </a:t>
+            </a:r>
+            <a:r>
+              <a:rPr lang="en-US" sz="1400" b="0" strike="noStrike" spc="-1" dirty="0" err="1">
+                <a:solidFill>
+                  <a:srgbClr val="000000"/>
+                </a:solidFill>
+                <a:latin typeface="Arial"/>
+              </a:rPr>
+              <a:t>HashSet</a:t>
+            </a:r>
+            <a:r>
+              <a:rPr lang="en-US" sz="1400" b="0" strike="noStrike" spc="-1" dirty="0">
+                <a:solidFill>
+                  <a:srgbClr val="000000"/>
+                </a:solidFill>
+                <a:latin typeface="Arial"/>
+              </a:rPr>
+              <a:t>&lt;data-type&gt;();  </a:t>
+            </a:r>
+            <a:endParaRPr lang="en-US" sz="1400" b="0" strike="noStrike" spc="-1" dirty="0">
               <a:latin typeface="Arial"/>
             </a:endParaRPr>
           </a:p>
@@ -5617,15 +7088,33 @@
               <a:buChar char=""/>
             </a:pPr>
             <a:r>
-              <a:rPr b="0" lang="en-US" sz="1400" spc="-1" strike="noStrike">
+              <a:rPr lang="en-US" sz="1400" b="0" strike="noStrike" spc="-1" dirty="0">
                 <a:solidFill>
                   <a:srgbClr val="000000"/>
                 </a:solidFill>
                 <a:latin typeface="Arial"/>
               </a:rPr>
-              <a:t>Set&lt;data-type&gt; s1 = new HashSet&lt;data-type&gt;();  </a:t>
-            </a:r>
-            <a:endParaRPr b="0" lang="en-US" sz="1400" spc="-1" strike="noStrike">
+              <a:t>Set&lt;data-type&gt; s2 = new </a:t>
+            </a:r>
+            <a:r>
+              <a:rPr lang="en-US" sz="1400" b="0" strike="noStrike" spc="-1" dirty="0" err="1">
+                <a:solidFill>
+                  <a:srgbClr val="000000"/>
+                </a:solidFill>
+                <a:latin typeface="Arial"/>
+              </a:rPr>
+              <a:t>LinkedHashSet</a:t>
+            </a:r>
+            <a:r>
+              <a:rPr lang="en-US" sz="1400" b="0" strike="noStrike" spc="-1" dirty="0">
+                <a:solidFill>
+                  <a:srgbClr val="000000"/>
+                </a:solidFill>
+                <a:latin typeface="Arial"/>
+              </a:rPr>
+              <a:t>&lt;data-type&gt;();  </a:t>
+            </a:r>
+            <a:endParaRPr lang="en-US" sz="1400" b="0" strike="noStrike" spc="-1" dirty="0">
               <a:latin typeface="Arial"/>
             </a:endParaRPr>
           </a:p>
@@ -5645,15 +7134,33 @@
               <a:buChar char=""/>
             </a:pPr>
             <a:r>
-              <a:rPr b="0" lang="en-US" sz="1400" spc="-1" strike="noStrike">
+              <a:rPr lang="en-US" sz="1400" b="0" strike="noStrike" spc="-1" dirty="0">
                 <a:solidFill>
                   <a:srgbClr val="000000"/>
                 </a:solidFill>
                 <a:latin typeface="Arial"/>
               </a:rPr>
-              <a:t>Set&lt;data-type&gt; s2 = new LinkedHashSet&lt;data-type&gt;();  </a:t>
-            </a:r>
-            <a:endParaRPr b="0" lang="en-US" sz="1400" spc="-1" strike="noStrike">
+              <a:t>Set&lt;data-type&gt; s3 = new </a:t>
+            </a:r>
+            <a:r>
+              <a:rPr lang="en-US" sz="1400" b="0" strike="noStrike" spc="-1" dirty="0" err="1">
+                <a:solidFill>
+                  <a:srgbClr val="000000"/>
+                </a:solidFill>
+                <a:latin typeface="Arial"/>
+              </a:rPr>
+              <a:t>TreeSet</a:t>
+            </a:r>
+            <a:r>
+              <a:rPr lang="en-US" sz="1400" b="0" strike="noStrike" spc="-1" dirty="0">
+                <a:solidFill>
+                  <a:srgbClr val="000000"/>
+                </a:solidFill>
+                <a:latin typeface="Arial"/>
+              </a:rPr>
+              <a:t>&lt;data-type&gt;();  </a:t>
+            </a:r>
+            <a:endParaRPr lang="en-US" sz="1400" b="0" strike="noStrike" spc="-1" dirty="0">
               <a:latin typeface="Arial"/>
             </a:endParaRPr>
           </a:p>
@@ -5673,43 +7180,96 @@
               <a:buChar char=""/>
             </a:pPr>
             <a:r>
-              <a:rPr b="0" lang="en-US" sz="1400" spc="-1" strike="noStrike">
+              <a:rPr lang="en-US" sz="1400" b="0" strike="noStrike" spc="-1" dirty="0" err="1">
                 <a:solidFill>
                   <a:srgbClr val="000000"/>
                 </a:solidFill>
                 <a:latin typeface="Arial"/>
               </a:rPr>
-              <a:t>Set&lt;data-type&gt; s3 = new TreeSet&lt;data-type&gt;();  </a:t>
-            </a:r>
-            <a:endParaRPr b="0" lang="en-US" sz="1400" spc="-1" strike="noStrike">
-              <a:latin typeface="Arial"/>
-            </a:endParaRPr>
-          </a:p>
-          <a:p>
-            <a:pPr marL="432000" indent="-323640">
-              <a:lnSpc>
-                <a:spcPct val="100000"/>
-              </a:lnSpc>
-              <a:spcBef>
-                <a:spcPts val="1417"/>
-              </a:spcBef>
-              <a:buClr>
-                <a:srgbClr val="000000"/>
-              </a:buClr>
-              <a:buSzPct val="45000"/>
-              <a:buFont typeface="Wingdings" charset="2"/>
-              <a:buChar char=""/>
-            </a:pPr>
-            <a:r>
-              <a:rPr b="0" lang="en-US" sz="1400" spc="-1" strike="noStrike">
+              <a:t>HashSet</a:t>
+            </a:r>
+            <a:r>
+              <a:rPr lang="en-US" sz="1400" b="0" strike="noStrike" spc="-1" dirty="0">
                 <a:solidFill>
                   <a:srgbClr val="000000"/>
                 </a:solidFill>
                 <a:latin typeface="Arial"/>
               </a:rPr>
-              <a:t>HashSet dan LinkedHashSet implementasi class dari Set</a:t>
-            </a:r>
-            <a:endParaRPr b="0" lang="en-US" sz="1400" spc="-1" strike="noStrike">
+              <a:t> </a:t>
+            </a:r>
+            <a:r>
+              <a:rPr lang="en-US" sz="1400" b="0" strike="noStrike" spc="-1" dirty="0" err="1">
+                <a:solidFill>
+                  <a:srgbClr val="000000"/>
+                </a:solidFill>
+                <a:latin typeface="Arial"/>
+              </a:rPr>
+              <a:t>dan</a:t>
+            </a:r>
+            <a:r>
+              <a:rPr lang="en-US" sz="1400" b="0" strike="noStrike" spc="-1" dirty="0">
+                <a:solidFill>
+                  <a:srgbClr val="000000"/>
+                </a:solidFill>
+                <a:latin typeface="Arial"/>
+              </a:rPr>
+              <a:t> </a:t>
+            </a:r>
+            <a:r>
+              <a:rPr lang="en-US" sz="1400" b="0" strike="noStrike" spc="-1" dirty="0" err="1">
+                <a:solidFill>
+                  <a:srgbClr val="000000"/>
+                </a:solidFill>
+                <a:latin typeface="Arial"/>
+              </a:rPr>
+              <a:t>LinkedHashSet</a:t>
+            </a:r>
+            <a:r>
+              <a:rPr lang="en-US" sz="1400" b="0" strike="noStrike" spc="-1" dirty="0">
+                <a:solidFill>
+                  <a:srgbClr val="000000"/>
+                </a:solidFill>
+                <a:latin typeface="Arial"/>
+              </a:rPr>
+              <a:t> </a:t>
+            </a:r>
+            <a:r>
+              <a:rPr lang="en-US" sz="1400" b="0" strike="noStrike" spc="-1" dirty="0" err="1">
+                <a:solidFill>
+                  <a:srgbClr val="000000"/>
+                </a:solidFill>
+                <a:latin typeface="Arial"/>
+              </a:rPr>
+              <a:t>implementasi</a:t>
+            </a:r>
+            <a:r>
+              <a:rPr lang="en-US" sz="1400" b="0" strike="noStrike" spc="-1" dirty="0">
+                <a:solidFill>
+                  <a:srgbClr val="000000"/>
+                </a:solidFill>
+                <a:latin typeface="Arial"/>
+              </a:rPr>
+              <a:t> class </a:t>
+            </a:r>
+            <a:r>
+              <a:rPr lang="en-US" sz="1400" b="0" strike="noStrike" spc="-1" dirty="0" err="1">
+                <a:solidFill>
+                  <a:srgbClr val="000000"/>
+                </a:solidFill>
+                <a:latin typeface="Arial"/>
+              </a:rPr>
+              <a:t>dari</a:t>
+            </a:r>
+            <a:r>
+              <a:rPr lang="en-US" sz="1400" b="0" strike="noStrike" spc="-1" dirty="0">
+                <a:solidFill>
+                  <a:srgbClr val="000000"/>
+                </a:solidFill>
+                <a:latin typeface="Arial"/>
+              </a:rPr>
+              <a:t> Set</a:t>
+            </a:r>
+            <a:endParaRPr lang="en-US" sz="1400" b="0" strike="noStrike" spc="-1" dirty="0">
               <a:latin typeface="Arial"/>
             </a:endParaRPr>
           </a:p>
@@ -5735,15 +7295,22 @@
           </a:ln>
         </p:spPr>
         <p:style>
-          <a:lnRef idx="0"/>
-          <a:fillRef idx="0"/>
-          <a:effectRef idx="0"/>
+          <a:lnRef idx="0">
+            <a:scrgbClr r="0" g="0" b="0"/>
+          </a:lnRef>
+          <a:fillRef idx="0">
+            <a:scrgbClr r="0" g="0" b="0"/>
+          </a:fillRef>
+          <a:effectRef idx="0">
+            <a:scrgbClr r="0" g="0" b="0"/>
+          </a:effectRef>
           <a:fontRef idx="minor"/>
         </p:style>
         <p:txBody>
-          <a:bodyPr lIns="90000" rIns="90000" tIns="45000" bIns="45000">
+          <a:bodyPr lIns="90000" tIns="45000" rIns="90000" bIns="45000">
             <a:noAutofit/>
           </a:bodyPr>
+          <a:lstStyle/>
           <a:p>
             <a:pPr>
               <a:lnSpc>
@@ -5751,16 +7318,16 @@
               </a:lnSpc>
             </a:pPr>
             <a:r>
-              <a:rPr b="1" lang="en-US" sz="3000" spc="-1" strike="noStrike">
+              <a:rPr lang="en-US" sz="3000" b="1" strike="noStrike" spc="-1" dirty="0">
                 <a:solidFill>
-                  <a:srgbClr val="bf0000"/>
+                  <a:srgbClr val="BF0000"/>
                 </a:solidFill>
                 <a:latin typeface="Century Gothic"/>
                 <a:ea typeface="Century Gothic"/>
               </a:rPr>
               <a:t>List, Set, Map and Queue</a:t>
             </a:r>
-            <a:endParaRPr b="0" lang="en-US" sz="3000" spc="-1" strike="noStrike">
+            <a:endParaRPr lang="en-US" sz="3000" b="0" strike="noStrike" spc="-1" dirty="0">
               <a:latin typeface="Arial"/>
             </a:endParaRPr>
           </a:p>
@@ -5768,14 +7335,17 @@
       </p:sp>
     </p:spTree>
   </p:cSld>
+  <p:clrMapOvr>
+    <a:masterClrMapping/>
+  </p:clrMapOvr>
   <p:transition spd="slow">
-    <p:fade thruBlk="true"/>
+    <p:fade thruBlk="1"/>
   </p:transition>
 </p:sld>
 </file>
 
 <file path=ppt/slides/slide6.xml><?xml version="1.0" encoding="utf-8"?>
-<p:sld xmlns:a="http://schemas.openxmlformats.org/drawingml/2006/main" xmlns:p="http://schemas.openxmlformats.org/presentationml/2006/main" xmlns:r="http://schemas.openxmlformats.org/officeDocument/2006/relationships" xmlns:p14="http://schemas.microsoft.com/office/powerpoint/2010/main" xmlns:p15="http://schemas.microsoft.com/office/powerpoint/2012/main" xmlns:mc="http://schemas.openxmlformats.org/markup-compatibility/2006">
+<p:sld xmlns:a="http://schemas.openxmlformats.org/drawingml/2006/main" xmlns:r="http://schemas.openxmlformats.org/officeDocument/2006/relationships" xmlns:p="http://schemas.openxmlformats.org/presentationml/2006/main">
   <p:cSld>
     <p:spTree>
       <p:nvGrpSpPr>
@@ -5799,8 +7369,8 @@
         </p:nvSpPr>
         <p:spPr>
           <a:xfrm>
-            <a:off x="457560" y="274680"/>
-            <a:ext cx="8228160" cy="1142280"/>
+            <a:off x="1582220" y="349320"/>
+            <a:ext cx="7103500" cy="1067639"/>
           </a:xfrm>
           <a:prstGeom prst="rect">
             <a:avLst/>
@@ -5811,9 +7381,15 @@
           </a:ln>
         </p:spPr>
         <p:style>
-          <a:lnRef idx="0"/>
-          <a:fillRef idx="0"/>
-          <a:effectRef idx="0"/>
+          <a:lnRef idx="0">
+            <a:scrgbClr r="0" g="0" b="0"/>
+          </a:lnRef>
+          <a:fillRef idx="0">
+            <a:scrgbClr r="0" g="0" b="0"/>
+          </a:fillRef>
+          <a:effectRef idx="0">
+            <a:scrgbClr r="0" g="0" b="0"/>
+          </a:effectRef>
           <a:fontRef idx="minor"/>
         </p:style>
       </p:sp>
@@ -5837,15 +7413,45 @@
           </a:ln>
         </p:spPr>
         <p:style>
-          <a:lnRef idx="0"/>
-          <a:fillRef idx="0"/>
-          <a:effectRef idx="0"/>
+          <a:lnRef idx="0">
+            <a:scrgbClr r="0" g="0" b="0"/>
+          </a:lnRef>
+          <a:fillRef idx="0">
+            <a:scrgbClr r="0" g="0" b="0"/>
+          </a:fillRef>
+          <a:effectRef idx="0">
+            <a:scrgbClr r="0" g="0" b="0"/>
+          </a:effectRef>
           <a:fontRef idx="minor"/>
         </p:style>
         <p:txBody>
-          <a:bodyPr lIns="0" rIns="0" tIns="0" bIns="0">
+          <a:bodyPr lIns="0" tIns="0" rIns="0" bIns="0">
             <a:normAutofit/>
           </a:bodyPr>
+          <a:lstStyle/>
+          <a:p>
+            <a:pPr marL="108360">
+              <a:lnSpc>
+                <a:spcPct val="100000"/>
+              </a:lnSpc>
+              <a:spcBef>
+                <a:spcPts val="1417"/>
+              </a:spcBef>
+              <a:buClr>
+                <a:srgbClr val="000000"/>
+              </a:buClr>
+              <a:buSzPct val="45000"/>
+            </a:pPr>
+            <a:r>
+              <a:rPr lang="en-US" sz="1400" b="1" strike="noStrike" spc="-1" dirty="0" smtClean="0">
+                <a:solidFill>
+                  <a:srgbClr val="000000"/>
+                </a:solidFill>
+                <a:latin typeface="Arial"/>
+              </a:rPr>
+              <a:t>3. Map</a:t>
+            </a:r>
+          </a:p>
           <a:p>
             <a:pPr marL="432000" indent="-323640">
               <a:lnSpc>
@@ -5862,15 +7468,27 @@
               <a:buChar char=""/>
             </a:pPr>
             <a:r>
-              <a:rPr b="0" lang="en-US" sz="1400" spc="-1" strike="noStrike">
+              <a:rPr lang="en-US" sz="1400" b="0" strike="noStrike" spc="-1" dirty="0" smtClean="0">
                 <a:solidFill>
                   <a:srgbClr val="000000"/>
                 </a:solidFill>
                 <a:latin typeface="Arial"/>
               </a:rPr>
-              <a:t>Since Map is an interface you need to instantiate a concrete implementation of the Map interface in order to use it. The Java Collections API contains the following Map implementations:</a:t>
-            </a:r>
-            <a:endParaRPr b="0" lang="en-US" sz="1400" spc="-1" strike="noStrike">
+              <a:t>Since </a:t>
+            </a:r>
+            <a:r>
+              <a:rPr lang="en-US" sz="1400" b="0" strike="noStrike" spc="-1" dirty="0">
+                <a:solidFill>
+                  <a:srgbClr val="000000"/>
+                </a:solidFill>
+                <a:latin typeface="Arial"/>
+              </a:rPr>
+              <a:t>Map is an interface you need to instantiate a concrete implementation of the Map interface in order to use it. </a:t>
+            </a:r>
+            <a:endParaRPr lang="en-US" sz="1400" b="0" strike="noStrike" spc="-1" dirty="0" smtClean="0">
+              <a:solidFill>
+                <a:srgbClr val="000000"/>
+              </a:solidFill>
               <a:latin typeface="Arial"/>
             </a:endParaRPr>
           </a:p>
@@ -5890,23 +7508,38 @@
               <a:buChar char=""/>
             </a:pPr>
             <a:r>
-              <a:rPr b="0" lang="en-US" sz="1400" spc="-1" strike="noStrike">
+              <a:rPr lang="en-US" sz="1400" b="0" strike="noStrike" spc="-1" dirty="0" smtClean="0">
                 <a:solidFill>
                   <a:srgbClr val="000000"/>
                 </a:solidFill>
                 <a:latin typeface="Arial"/>
               </a:rPr>
-              <a:t> </a:t>
-            </a:r>
-            <a:endParaRPr b="0" lang="en-US" sz="1400" spc="-1" strike="noStrike">
-              <a:latin typeface="Arial"/>
-            </a:endParaRPr>
-          </a:p>
-          <a:p>
-            <a:pPr marL="432000" indent="-323640">
-              <a:lnSpc>
-                <a:spcPct val="100000"/>
-              </a:lnSpc>
+              <a:t>The </a:t>
+            </a:r>
+            <a:r>
+              <a:rPr lang="en-US" sz="1400" b="0" strike="noStrike" spc="-1" dirty="0">
+                <a:solidFill>
+                  <a:srgbClr val="000000"/>
+                </a:solidFill>
+                <a:latin typeface="Arial"/>
+              </a:rPr>
+              <a:t>Java Collections API contains the following Map implementations</a:t>
+            </a:r>
+            <a:r>
+              <a:rPr lang="en-US" sz="1400" b="0" strike="noStrike" spc="-1" dirty="0" smtClean="0">
+                <a:solidFill>
+                  <a:srgbClr val="000000"/>
+                </a:solidFill>
+                <a:latin typeface="Arial"/>
+              </a:rPr>
+              <a:t>:</a:t>
+            </a:r>
+            <a:endParaRPr lang="en-US" sz="1400" b="0" strike="noStrike" spc="-1" dirty="0">
+              <a:latin typeface="Arial"/>
+            </a:endParaRPr>
+          </a:p>
+          <a:p>
+            <a:pPr marL="889200" lvl="1" indent="-323640">
               <a:spcBef>
                 <a:spcPts val="1417"/>
               </a:spcBef>
@@ -5918,7 +7551,7 @@
               <a:buChar char=""/>
             </a:pPr>
             <a:r>
-              <a:rPr b="0" lang="en-US" sz="1400" spc="-1" strike="noStrike">
+              <a:rPr lang="en-US" sz="1400" b="0" strike="noStrike" spc="-1" dirty="0" err="1">
                 <a:solidFill>
                   <a:srgbClr val="000000"/>
                 </a:solidFill>
@@ -5926,15 +7559,12 @@
               </a:rPr>
               <a:t>java.util.HashMap</a:t>
             </a:r>
-            <a:endParaRPr b="0" lang="en-US" sz="1400" spc="-1" strike="noStrike">
-              <a:latin typeface="Arial"/>
-            </a:endParaRPr>
-          </a:p>
-          <a:p>
-            <a:pPr marL="432000" indent="-323640">
-              <a:lnSpc>
-                <a:spcPct val="100000"/>
-              </a:lnSpc>
+            <a:endParaRPr lang="en-US" sz="1400" b="0" strike="noStrike" spc="-1" dirty="0">
+              <a:latin typeface="Arial"/>
+            </a:endParaRPr>
+          </a:p>
+          <a:p>
+            <a:pPr marL="889200" lvl="1" indent="-323640">
               <a:spcBef>
                 <a:spcPts val="1417"/>
               </a:spcBef>
@@ -5946,7 +7576,7 @@
               <a:buChar char=""/>
             </a:pPr>
             <a:r>
-              <a:rPr b="0" lang="en-US" sz="1400" spc="-1" strike="noStrike">
+              <a:rPr lang="en-US" sz="1400" b="0" strike="noStrike" spc="-1" dirty="0" err="1">
                 <a:solidFill>
                   <a:srgbClr val="000000"/>
                 </a:solidFill>
@@ -5954,15 +7584,12 @@
               </a:rPr>
               <a:t>java.util.Hashtable</a:t>
             </a:r>
-            <a:endParaRPr b="0" lang="en-US" sz="1400" spc="-1" strike="noStrike">
-              <a:latin typeface="Arial"/>
-            </a:endParaRPr>
-          </a:p>
-          <a:p>
-            <a:pPr marL="432000" indent="-323640">
-              <a:lnSpc>
-                <a:spcPct val="100000"/>
-              </a:lnSpc>
+            <a:endParaRPr lang="en-US" sz="1400" b="0" strike="noStrike" spc="-1" dirty="0">
+              <a:latin typeface="Arial"/>
+            </a:endParaRPr>
+          </a:p>
+          <a:p>
+            <a:pPr marL="889200" lvl="1" indent="-323640">
               <a:spcBef>
                 <a:spcPts val="1417"/>
               </a:spcBef>
@@ -5974,7 +7601,7 @@
               <a:buChar char=""/>
             </a:pPr>
             <a:r>
-              <a:rPr b="0" lang="en-US" sz="1400" spc="-1" strike="noStrike">
+              <a:rPr lang="en-US" sz="1400" b="0" strike="noStrike" spc="-1" dirty="0" err="1">
                 <a:solidFill>
                   <a:srgbClr val="000000"/>
                 </a:solidFill>
@@ -5982,15 +7609,12 @@
               </a:rPr>
               <a:t>java.util.EnumMap</a:t>
             </a:r>
-            <a:endParaRPr b="0" lang="en-US" sz="1400" spc="-1" strike="noStrike">
-              <a:latin typeface="Arial"/>
-            </a:endParaRPr>
-          </a:p>
-          <a:p>
-            <a:pPr marL="432000" indent="-323640">
-              <a:lnSpc>
-                <a:spcPct val="100000"/>
-              </a:lnSpc>
+            <a:endParaRPr lang="en-US" sz="1400" b="0" strike="noStrike" spc="-1" dirty="0">
+              <a:latin typeface="Arial"/>
+            </a:endParaRPr>
+          </a:p>
+          <a:p>
+            <a:pPr marL="889200" lvl="1" indent="-323640">
               <a:spcBef>
                 <a:spcPts val="1417"/>
               </a:spcBef>
@@ -6002,7 +7626,7 @@
               <a:buChar char=""/>
             </a:pPr>
             <a:r>
-              <a:rPr b="0" lang="en-US" sz="1400" spc="-1" strike="noStrike">
+              <a:rPr lang="en-US" sz="1400" b="0" strike="noStrike" spc="-1" dirty="0" err="1">
                 <a:solidFill>
                   <a:srgbClr val="000000"/>
                 </a:solidFill>
@@ -6010,15 +7634,12 @@
               </a:rPr>
               <a:t>java.util.IdentityHashMap</a:t>
             </a:r>
-            <a:endParaRPr b="0" lang="en-US" sz="1400" spc="-1" strike="noStrike">
-              <a:latin typeface="Arial"/>
-            </a:endParaRPr>
-          </a:p>
-          <a:p>
-            <a:pPr marL="432000" indent="-323640">
-              <a:lnSpc>
-                <a:spcPct val="100000"/>
-              </a:lnSpc>
+            <a:endParaRPr lang="en-US" sz="1400" b="0" strike="noStrike" spc="-1" dirty="0">
+              <a:latin typeface="Arial"/>
+            </a:endParaRPr>
+          </a:p>
+          <a:p>
+            <a:pPr marL="889200" lvl="1" indent="-323640">
               <a:spcBef>
                 <a:spcPts val="1417"/>
               </a:spcBef>
@@ -6030,7 +7651,7 @@
               <a:buChar char=""/>
             </a:pPr>
             <a:r>
-              <a:rPr b="0" lang="en-US" sz="1400" spc="-1" strike="noStrike">
+              <a:rPr lang="en-US" sz="1400" b="0" strike="noStrike" spc="-1" dirty="0" err="1">
                 <a:solidFill>
                   <a:srgbClr val="000000"/>
                 </a:solidFill>
@@ -6038,15 +7659,12 @@
               </a:rPr>
               <a:t>java.util.LinkedHashMap</a:t>
             </a:r>
-            <a:endParaRPr b="0" lang="en-US" sz="1400" spc="-1" strike="noStrike">
-              <a:latin typeface="Arial"/>
-            </a:endParaRPr>
-          </a:p>
-          <a:p>
-            <a:pPr marL="432000" indent="-323640">
-              <a:lnSpc>
-                <a:spcPct val="100000"/>
-              </a:lnSpc>
+            <a:endParaRPr lang="en-US" sz="1400" b="0" strike="noStrike" spc="-1" dirty="0">
+              <a:latin typeface="Arial"/>
+            </a:endParaRPr>
+          </a:p>
+          <a:p>
+            <a:pPr marL="889200" lvl="1" indent="-323640">
               <a:spcBef>
                 <a:spcPts val="1417"/>
               </a:spcBef>
@@ -6058,7 +7676,7 @@
               <a:buChar char=""/>
             </a:pPr>
             <a:r>
-              <a:rPr b="0" lang="en-US" sz="1400" spc="-1" strike="noStrike">
+              <a:rPr lang="en-US" sz="1400" b="0" strike="noStrike" spc="-1" dirty="0" err="1">
                 <a:solidFill>
                   <a:srgbClr val="000000"/>
                 </a:solidFill>
@@ -6066,15 +7684,12 @@
               </a:rPr>
               <a:t>java.util.Properties</a:t>
             </a:r>
-            <a:endParaRPr b="0" lang="en-US" sz="1400" spc="-1" strike="noStrike">
-              <a:latin typeface="Arial"/>
-            </a:endParaRPr>
-          </a:p>
-          <a:p>
-            <a:pPr marL="432000" indent="-323640">
-              <a:lnSpc>
-                <a:spcPct val="100000"/>
-              </a:lnSpc>
+            <a:endParaRPr lang="en-US" sz="1400" b="0" strike="noStrike" spc="-1" dirty="0">
+              <a:latin typeface="Arial"/>
+            </a:endParaRPr>
+          </a:p>
+          <a:p>
+            <a:pPr marL="889200" lvl="1" indent="-323640">
               <a:spcBef>
                 <a:spcPts val="1417"/>
               </a:spcBef>
@@ -6086,7 +7701,7 @@
               <a:buChar char=""/>
             </a:pPr>
             <a:r>
-              <a:rPr b="0" lang="en-US" sz="1400" spc="-1" strike="noStrike">
+              <a:rPr lang="en-US" sz="1400" b="0" strike="noStrike" spc="-1" dirty="0" err="1">
                 <a:solidFill>
                   <a:srgbClr val="000000"/>
                 </a:solidFill>
@@ -6094,15 +7709,12 @@
               </a:rPr>
               <a:t>java.util.TreeMap</a:t>
             </a:r>
-            <a:endParaRPr b="0" lang="en-US" sz="1400" spc="-1" strike="noStrike">
-              <a:latin typeface="Arial"/>
-            </a:endParaRPr>
-          </a:p>
-          <a:p>
-            <a:pPr marL="432000" indent="-323640">
-              <a:lnSpc>
-                <a:spcPct val="100000"/>
-              </a:lnSpc>
+            <a:endParaRPr lang="en-US" sz="1400" b="0" strike="noStrike" spc="-1" dirty="0">
+              <a:latin typeface="Arial"/>
+            </a:endParaRPr>
+          </a:p>
+          <a:p>
+            <a:pPr marL="889200" lvl="1" indent="-323640">
               <a:spcBef>
                 <a:spcPts val="1417"/>
               </a:spcBef>
@@ -6114,7 +7726,7 @@
               <a:buChar char=""/>
             </a:pPr>
             <a:r>
-              <a:rPr b="0" lang="en-US" sz="1400" spc="-1" strike="noStrike">
+              <a:rPr lang="en-US" sz="1400" b="0" strike="noStrike" spc="-1" dirty="0" err="1">
                 <a:solidFill>
                   <a:srgbClr val="000000"/>
                 </a:solidFill>
@@ -6122,22 +7734,61 @@
               </a:rPr>
               <a:t>java.util.WeakHashMap</a:t>
             </a:r>
-            <a:endParaRPr b="0" lang="en-US" sz="1400" spc="-1" strike="noStrike">
-              <a:latin typeface="Arial"/>
-            </a:endParaRPr>
+            <a:endParaRPr lang="en-US" sz="1400" b="0" strike="noStrike" spc="-1" dirty="0">
+              <a:latin typeface="Arial"/>
+            </a:endParaRPr>
+          </a:p>
+        </p:txBody>
+      </p:sp>
+      <p:sp>
+        <p:nvSpPr>
+          <p:cNvPr id="2" name="TextBox 1"/>
+          <p:cNvSpPr txBox="1"/>
+          <p:nvPr/>
+        </p:nvSpPr>
+        <p:spPr>
+          <a:xfrm>
+            <a:off x="1582220" y="606174"/>
+            <a:ext cx="7103499" cy="400110"/>
+          </a:xfrm>
+          <a:prstGeom prst="rect">
+            <a:avLst/>
+          </a:prstGeom>
+          <a:noFill/>
+        </p:spPr>
+        <p:txBody>
+          <a:bodyPr wrap="square" rtlCol="0">
+            <a:spAutoFit/>
+          </a:bodyPr>
+          <a:lstStyle/>
+          <a:p>
+            <a:r>
+              <a:rPr lang="en-US" sz="2000" b="1" strike="noStrike" spc="-1" dirty="0" smtClean="0">
+                <a:solidFill>
+                  <a:srgbClr val="BF0000"/>
+                </a:solidFill>
+                <a:latin typeface="Century Gothic"/>
+                <a:ea typeface="Century Gothic"/>
+              </a:rPr>
+              <a:t>List, Set, Map and Queue</a:t>
+            </a:r>
+            <a:endParaRPr lang="en-US" sz="2000" dirty="0"/>
           </a:p>
         </p:txBody>
       </p:sp>
     </p:spTree>
   </p:cSld>
+  <p:clrMapOvr>
+    <a:masterClrMapping/>
+  </p:clrMapOvr>
   <p:transition spd="slow">
-    <p:fade thruBlk="true"/>
+    <p:fade thruBlk="1"/>
   </p:transition>
 </p:sld>
 </file>
 
 <file path=ppt/slides/slide7.xml><?xml version="1.0" encoding="utf-8"?>
-<p:sld xmlns:a="http://schemas.openxmlformats.org/drawingml/2006/main" xmlns:p="http://schemas.openxmlformats.org/presentationml/2006/main" xmlns:r="http://schemas.openxmlformats.org/officeDocument/2006/relationships" xmlns:p14="http://schemas.microsoft.com/office/powerpoint/2010/main" xmlns:p15="http://schemas.microsoft.com/office/powerpoint/2012/main" xmlns:mc="http://schemas.openxmlformats.org/markup-compatibility/2006">
+<p:sld xmlns:a="http://schemas.openxmlformats.org/drawingml/2006/main" xmlns:r="http://schemas.openxmlformats.org/officeDocument/2006/relationships" xmlns:p="http://schemas.openxmlformats.org/presentationml/2006/main">
   <p:cSld>
     <p:spTree>
       <p:nvGrpSpPr>
@@ -6173,15 +7824,22 @@
           </a:ln>
         </p:spPr>
         <p:style>
-          <a:lnRef idx="0"/>
-          <a:fillRef idx="0"/>
-          <a:effectRef idx="0"/>
+          <a:lnRef idx="0">
+            <a:scrgbClr r="0" g="0" b="0"/>
+          </a:lnRef>
+          <a:fillRef idx="0">
+            <a:scrgbClr r="0" g="0" b="0"/>
+          </a:fillRef>
+          <a:effectRef idx="0">
+            <a:scrgbClr r="0" g="0" b="0"/>
+          </a:effectRef>
           <a:fontRef idx="minor"/>
         </p:style>
         <p:txBody>
-          <a:bodyPr lIns="36000" rIns="36000" tIns="18000" bIns="18000" anchor="ctr">
+          <a:bodyPr lIns="36000" tIns="18000" rIns="36000" bIns="18000" anchor="ctr">
             <a:noAutofit/>
           </a:bodyPr>
+          <a:lstStyle/>
           <a:p>
             <a:pPr>
               <a:lnSpc>
@@ -6189,16 +7847,16 @@
               </a:lnSpc>
             </a:pPr>
             <a:r>
-              <a:rPr b="1" lang="en-US" sz="3000" spc="-1" strike="noStrike">
+              <a:rPr lang="en-US" sz="3000" b="1" strike="noStrike" spc="-1">
                 <a:solidFill>
-                  <a:srgbClr val="bf0000"/>
+                  <a:srgbClr val="BF0000"/>
                 </a:solidFill>
                 <a:latin typeface="Century Gothic"/>
                 <a:ea typeface="Century Gothic"/>
               </a:rPr>
               <a:t>Let’s code!</a:t>
             </a:r>
-            <a:endParaRPr b="0" lang="en-US" sz="3000" spc="-1" strike="noStrike">
+            <a:endParaRPr lang="en-US" sz="3000" b="0" strike="noStrike" spc="-1">
               <a:latin typeface="Arial"/>
             </a:endParaRPr>
           </a:p>
@@ -6224,15 +7882,22 @@
           </a:ln>
         </p:spPr>
         <p:style>
-          <a:lnRef idx="0"/>
-          <a:fillRef idx="0"/>
-          <a:effectRef idx="0"/>
+          <a:lnRef idx="0">
+            <a:scrgbClr r="0" g="0" b="0"/>
+          </a:lnRef>
+          <a:fillRef idx="0">
+            <a:scrgbClr r="0" g="0" b="0"/>
+          </a:fillRef>
+          <a:effectRef idx="0">
+            <a:scrgbClr r="0" g="0" b="0"/>
+          </a:effectRef>
           <a:fontRef idx="minor"/>
         </p:style>
         <p:txBody>
-          <a:bodyPr lIns="90000" rIns="90000" tIns="45000" bIns="45000" anchor="ctr">
+          <a:bodyPr lIns="90000" tIns="45000" rIns="90000" bIns="45000" anchor="ctr">
             <a:noAutofit/>
           </a:bodyPr>
+          <a:lstStyle/>
           <a:p>
             <a:pPr>
               <a:lnSpc>
@@ -6240,7 +7905,7 @@
               </a:lnSpc>
             </a:pPr>
             <a:r>
-              <a:rPr b="0" lang="en-US" sz="1100" spc="-1" strike="noStrike">
+              <a:rPr lang="en-US" sz="1100" b="0" strike="noStrike" spc="-1">
                 <a:solidFill>
                   <a:srgbClr val="666666"/>
                 </a:solidFill>
@@ -6249,7 +7914,7 @@
               </a:rPr>
               <a:t>2018</a:t>
             </a:r>
-            <a:endParaRPr b="0" lang="en-US" sz="1100" spc="-1" strike="noStrike">
+            <a:endParaRPr lang="en-US" sz="1100" b="0" strike="noStrike" spc="-1">
               <a:latin typeface="Arial"/>
             </a:endParaRPr>
           </a:p>
@@ -6257,14 +7922,17 @@
       </p:sp>
     </p:spTree>
   </p:cSld>
+  <p:clrMapOvr>
+    <a:masterClrMapping/>
+  </p:clrMapOvr>
   <p:transition spd="slow">
-    <p:fade thruBlk="true"/>
+    <p:fade thruBlk="1"/>
   </p:transition>
 </p:sld>
 </file>
 
 <file path=ppt/slides/slide8.xml><?xml version="1.0" encoding="utf-8"?>
-<p:sld xmlns:a="http://schemas.openxmlformats.org/drawingml/2006/main" xmlns:p="http://schemas.openxmlformats.org/presentationml/2006/main" xmlns:r="http://schemas.openxmlformats.org/officeDocument/2006/relationships" xmlns:p14="http://schemas.microsoft.com/office/powerpoint/2010/main" xmlns:p15="http://schemas.microsoft.com/office/powerpoint/2012/main" xmlns:mc="http://schemas.openxmlformats.org/markup-compatibility/2006">
+<p:sld xmlns:a="http://schemas.openxmlformats.org/drawingml/2006/main" xmlns:r="http://schemas.openxmlformats.org/officeDocument/2006/relationships" xmlns:p="http://schemas.openxmlformats.org/presentationml/2006/main">
   <p:cSld>
     <p:spTree>
       <p:nvGrpSpPr>
@@ -6300,15 +7968,22 @@
           </a:ln>
         </p:spPr>
         <p:style>
-          <a:lnRef idx="0"/>
-          <a:fillRef idx="0"/>
-          <a:effectRef idx="0"/>
+          <a:lnRef idx="0">
+            <a:scrgbClr r="0" g="0" b="0"/>
+          </a:lnRef>
+          <a:fillRef idx="0">
+            <a:scrgbClr r="0" g="0" b="0"/>
+          </a:fillRef>
+          <a:effectRef idx="0">
+            <a:scrgbClr r="0" g="0" b="0"/>
+          </a:effectRef>
           <a:fontRef idx="minor"/>
         </p:style>
         <p:txBody>
-          <a:bodyPr lIns="36000" rIns="36000" tIns="18000" bIns="18000">
+          <a:bodyPr lIns="36000" tIns="18000" rIns="36000" bIns="18000">
             <a:noAutofit/>
           </a:bodyPr>
+          <a:lstStyle/>
           <a:p>
             <a:pPr>
               <a:lnSpc>
@@ -6316,16 +7991,16 @@
               </a:lnSpc>
             </a:pPr>
             <a:r>
-              <a:rPr b="1" lang="en-US" sz="3000" spc="-1" strike="noStrike">
+              <a:rPr lang="en-US" sz="3000" b="1" strike="noStrike" spc="-1">
                 <a:solidFill>
-                  <a:srgbClr val="bf0000"/>
+                  <a:srgbClr val="BF0000"/>
                 </a:solidFill>
                 <a:latin typeface="Arial"/>
                 <a:ea typeface="Arial"/>
               </a:rPr>
               <a:t>Reference</a:t>
             </a:r>
-            <a:endParaRPr b="0" lang="en-US" sz="3000" spc="-1" strike="noStrike">
+            <a:endParaRPr lang="en-US" sz="3000" b="0" strike="noStrike" spc="-1">
               <a:latin typeface="Arial"/>
             </a:endParaRPr>
           </a:p>
@@ -6351,15 +8026,22 @@
           </a:ln>
         </p:spPr>
         <p:style>
-          <a:lnRef idx="0"/>
-          <a:fillRef idx="0"/>
-          <a:effectRef idx="0"/>
+          <a:lnRef idx="0">
+            <a:scrgbClr r="0" g="0" b="0"/>
+          </a:lnRef>
+          <a:fillRef idx="0">
+            <a:scrgbClr r="0" g="0" b="0"/>
+          </a:fillRef>
+          <a:effectRef idx="0">
+            <a:scrgbClr r="0" g="0" b="0"/>
+          </a:effectRef>
           <a:fontRef idx="minor"/>
         </p:style>
         <p:txBody>
-          <a:bodyPr lIns="90000" rIns="90000" tIns="45000" bIns="45000" anchor="ctr">
+          <a:bodyPr lIns="90000" tIns="45000" rIns="90000" bIns="45000" anchor="ctr">
             <a:noAutofit/>
           </a:bodyPr>
+          <a:lstStyle/>
           <a:p>
             <a:pPr>
               <a:lnSpc>
@@ -6367,7 +8049,7 @@
               </a:lnSpc>
             </a:pPr>
             <a:r>
-              <a:rPr b="0" lang="en-US" sz="1100" spc="-1" strike="noStrike">
+              <a:rPr lang="en-US" sz="1100" b="0" strike="noStrike" spc="-1">
                 <a:solidFill>
                   <a:srgbClr val="666666"/>
                 </a:solidFill>
@@ -6376,7 +8058,7 @@
               </a:rPr>
               <a:t>2018</a:t>
             </a:r>
-            <a:endParaRPr b="0" lang="en-US" sz="1100" spc="-1" strike="noStrike">
+            <a:endParaRPr lang="en-US" sz="1100" b="0" strike="noStrike" spc="-1">
               <a:latin typeface="Arial"/>
             </a:endParaRPr>
           </a:p>
@@ -6384,14 +8066,17 @@
       </p:sp>
     </p:spTree>
   </p:cSld>
+  <p:clrMapOvr>
+    <a:masterClrMapping/>
+  </p:clrMapOvr>
   <p:transition spd="slow">
-    <p:fade thruBlk="true"/>
+    <p:fade thruBlk="1"/>
   </p:transition>
 </p:sld>
 </file>
 
 <file path=ppt/slides/slide9.xml><?xml version="1.0" encoding="utf-8"?>
-<p:sld xmlns:a="http://schemas.openxmlformats.org/drawingml/2006/main" xmlns:p="http://schemas.openxmlformats.org/presentationml/2006/main" xmlns:r="http://schemas.openxmlformats.org/officeDocument/2006/relationships" xmlns:p14="http://schemas.microsoft.com/office/powerpoint/2010/main" xmlns:p15="http://schemas.microsoft.com/office/powerpoint/2012/main" xmlns:mc="http://schemas.openxmlformats.org/markup-compatibility/2006">
+<p:sld xmlns:a="http://schemas.openxmlformats.org/drawingml/2006/main" xmlns:r="http://schemas.openxmlformats.org/officeDocument/2006/relationships" xmlns:p="http://schemas.openxmlformats.org/presentationml/2006/main">
   <p:cSld>
     <p:spTree>
       <p:nvGrpSpPr>
@@ -6427,15 +8112,22 @@
           </a:ln>
         </p:spPr>
         <p:style>
-          <a:lnRef idx="0"/>
-          <a:fillRef idx="0"/>
-          <a:effectRef idx="0"/>
+          <a:lnRef idx="0">
+            <a:scrgbClr r="0" g="0" b="0"/>
+          </a:lnRef>
+          <a:fillRef idx="0">
+            <a:scrgbClr r="0" g="0" b="0"/>
+          </a:fillRef>
+          <a:effectRef idx="0">
+            <a:scrgbClr r="0" g="0" b="0"/>
+          </a:effectRef>
           <a:fontRef idx="minor"/>
         </p:style>
         <p:txBody>
-          <a:bodyPr lIns="36000" rIns="36000" tIns="18000" bIns="18000">
+          <a:bodyPr lIns="36000" tIns="18000" rIns="36000" bIns="18000">
             <a:noAutofit/>
           </a:bodyPr>
+          <a:lstStyle/>
           <a:p>
             <a:pPr>
               <a:lnSpc>
@@ -6443,16 +8135,16 @@
               </a:lnSpc>
             </a:pPr>
             <a:r>
-              <a:rPr b="1" lang="en-US" sz="3000" spc="-1" strike="noStrike">
+              <a:rPr lang="en-US" sz="3000" b="1" strike="noStrike" spc="-1">
                 <a:solidFill>
-                  <a:srgbClr val="ffffff"/>
+                  <a:srgbClr val="FFFFFF"/>
                 </a:solidFill>
                 <a:latin typeface="Arial"/>
                 <a:ea typeface="Arial"/>
               </a:rPr>
               <a:t>Thank You</a:t>
             </a:r>
-            <a:endParaRPr b="0" lang="en-US" sz="3000" spc="-1" strike="noStrike">
+            <a:endParaRPr lang="en-US" sz="3000" b="0" strike="noStrike" spc="-1">
               <a:latin typeface="Arial"/>
             </a:endParaRPr>
           </a:p>
@@ -6478,15 +8170,22 @@
           </a:ln>
         </p:spPr>
         <p:style>
-          <a:lnRef idx="0"/>
-          <a:fillRef idx="0"/>
-          <a:effectRef idx="0"/>
+          <a:lnRef idx="0">
+            <a:scrgbClr r="0" g="0" b="0"/>
+          </a:lnRef>
+          <a:fillRef idx="0">
+            <a:scrgbClr r="0" g="0" b="0"/>
+          </a:fillRef>
+          <a:effectRef idx="0">
+            <a:scrgbClr r="0" g="0" b="0"/>
+          </a:effectRef>
           <a:fontRef idx="minor"/>
         </p:style>
         <p:txBody>
-          <a:bodyPr lIns="90000" rIns="90000" tIns="45000" bIns="45000">
+          <a:bodyPr lIns="90000" tIns="45000" rIns="90000" bIns="45000">
             <a:noAutofit/>
           </a:bodyPr>
+          <a:lstStyle/>
           <a:p>
             <a:pPr>
               <a:lnSpc>
@@ -6494,16 +8193,16 @@
               </a:lnSpc>
             </a:pPr>
             <a:r>
-              <a:rPr b="1" lang="en-US" sz="1600" spc="-1" strike="noStrike">
+              <a:rPr lang="en-US" sz="1600" b="1" strike="noStrike" spc="-1">
                 <a:solidFill>
-                  <a:srgbClr val="ffffff"/>
+                  <a:srgbClr val="FFFFFF"/>
                 </a:solidFill>
                 <a:latin typeface="Arial"/>
                 <a:ea typeface="Arial"/>
               </a:rPr>
               <a:t>Valentinus Silalahi</a:t>
             </a:r>
-            <a:endParaRPr b="0" lang="en-US" sz="1600" spc="-1" strike="noStrike">
+            <a:endParaRPr lang="en-US" sz="1600" b="0" strike="noStrike" spc="-1">
               <a:latin typeface="Arial"/>
             </a:endParaRPr>
           </a:p>
@@ -6529,15 +8228,22 @@
           </a:ln>
         </p:spPr>
         <p:style>
-          <a:lnRef idx="0"/>
-          <a:fillRef idx="0"/>
-          <a:effectRef idx="0"/>
+          <a:lnRef idx="0">
+            <a:scrgbClr r="0" g="0" b="0"/>
+          </a:lnRef>
+          <a:fillRef idx="0">
+            <a:scrgbClr r="0" g="0" b="0"/>
+          </a:fillRef>
+          <a:effectRef idx="0">
+            <a:scrgbClr r="0" g="0" b="0"/>
+          </a:effectRef>
           <a:fontRef idx="minor"/>
         </p:style>
         <p:txBody>
-          <a:bodyPr lIns="90000" rIns="90000" tIns="45000" bIns="45000" anchor="ctr">
+          <a:bodyPr lIns="90000" tIns="45000" rIns="90000" bIns="45000" anchor="ctr">
             <a:noAutofit/>
           </a:bodyPr>
+          <a:lstStyle/>
           <a:p>
             <a:pPr>
               <a:lnSpc>
@@ -6545,16 +8251,16 @@
               </a:lnSpc>
             </a:pPr>
             <a:r>
-              <a:rPr b="0" lang="en-US" sz="1100" spc="-1" strike="noStrike">
+              <a:rPr lang="en-US" sz="1100" b="0" strike="noStrike" spc="-1">
                 <a:solidFill>
-                  <a:srgbClr val="ffffff"/>
+                  <a:srgbClr val="FFFFFF"/>
                 </a:solidFill>
                 <a:latin typeface="Arial"/>
                 <a:ea typeface="Arial"/>
               </a:rPr>
               <a:t>2017</a:t>
             </a:r>
-            <a:endParaRPr b="0" lang="en-US" sz="1100" spc="-1" strike="noStrike">
+            <a:endParaRPr lang="en-US" sz="1100" b="0" strike="noStrike" spc="-1">
               <a:latin typeface="Arial"/>
             </a:endParaRPr>
           </a:p>
@@ -6562,8 +8268,11 @@
       </p:sp>
     </p:spTree>
   </p:cSld>
+  <p:clrMapOvr>
+    <a:masterClrMapping/>
+  </p:clrMapOvr>
   <p:transition spd="slow">
-    <p:fade thruBlk="true"/>
+    <p:fade thruBlk="1"/>
   </p:transition>
 </p:sld>
 </file>
@@ -6585,28 +8294,28 @@
         <a:srgbClr val="808080"/>
       </a:lt2>
       <a:accent1>
-        <a:srgbClr val="bbe0e3"/>
+        <a:srgbClr val="BBE0E3"/>
       </a:accent1>
       <a:accent2>
         <a:srgbClr val="333399"/>
       </a:accent2>
       <a:accent3>
-        <a:srgbClr val="ffffff"/>
+        <a:srgbClr val="FFFFFF"/>
       </a:accent3>
       <a:accent4>
         <a:srgbClr val="000000"/>
       </a:accent4>
       <a:accent5>
-        <a:srgbClr val="daedef"/>
+        <a:srgbClr val="DAEDEF"/>
       </a:accent5>
       <a:accent6>
-        <a:srgbClr val="2d2d8a"/>
+        <a:srgbClr val="2D2D8A"/>
       </a:accent6>
       <a:hlink>
         <a:srgbClr val="009999"/>
       </a:hlink>
       <a:folHlink>
-        <a:srgbClr val="99cc00"/>
+        <a:srgbClr val="99CC00"/>
       </a:folHlink>
     </a:clrScheme>
     <a:fontScheme name="Office">
@@ -6791,6 +8500,8 @@
       </a:bgFillStyleLst>
     </a:fmtScheme>
   </a:themeElements>
+  <a:objectDefaults/>
+  <a:extraClrSchemeLst/>
 </a:theme>
 </file>
 
@@ -6811,28 +8522,28 @@
         <a:srgbClr val="808080"/>
       </a:lt2>
       <a:accent1>
-        <a:srgbClr val="bbe0e3"/>
+        <a:srgbClr val="BBE0E3"/>
       </a:accent1>
       <a:accent2>
         <a:srgbClr val="333399"/>
       </a:accent2>
       <a:accent3>
-        <a:srgbClr val="ffffff"/>
+        <a:srgbClr val="FFFFFF"/>
       </a:accent3>
       <a:accent4>
         <a:srgbClr val="000000"/>
       </a:accent4>
       <a:accent5>
-        <a:srgbClr val="daedef"/>
+        <a:srgbClr val="DAEDEF"/>
       </a:accent5>
       <a:accent6>
-        <a:srgbClr val="2d2d8a"/>
+        <a:srgbClr val="2D2D8A"/>
       </a:accent6>
       <a:hlink>
         <a:srgbClr val="009999"/>
       </a:hlink>
       <a:folHlink>
-        <a:srgbClr val="99cc00"/>
+        <a:srgbClr val="99CC00"/>
       </a:folHlink>
     </a:clrScheme>
     <a:fontScheme name="Office">
@@ -7017,6 +8728,8 @@
       </a:bgFillStyleLst>
     </a:fmtScheme>
   </a:themeElements>
+  <a:objectDefaults/>
+  <a:extraClrSchemeLst/>
 </a:theme>
 </file>
 
@@ -7037,28 +8750,28 @@
         <a:srgbClr val="808080"/>
       </a:lt2>
       <a:accent1>
-        <a:srgbClr val="bbe0e3"/>
+        <a:srgbClr val="BBE0E3"/>
       </a:accent1>
       <a:accent2>
         <a:srgbClr val="333399"/>
       </a:accent2>
       <a:accent3>
-        <a:srgbClr val="ffffff"/>
+        <a:srgbClr val="FFFFFF"/>
       </a:accent3>
       <a:accent4>
         <a:srgbClr val="000000"/>
       </a:accent4>
       <a:accent5>
-        <a:srgbClr val="daedef"/>
+        <a:srgbClr val="DAEDEF"/>
       </a:accent5>
       <a:accent6>
-        <a:srgbClr val="2d2d8a"/>
+        <a:srgbClr val="2D2D8A"/>
       </a:accent6>
       <a:hlink>
         <a:srgbClr val="009999"/>
       </a:hlink>
       <a:folHlink>
-        <a:srgbClr val="99cc00"/>
+        <a:srgbClr val="99CC00"/>
       </a:folHlink>
     </a:clrScheme>
     <a:fontScheme name="Office">
@@ -7243,5 +8956,7 @@
       </a:bgFillStyleLst>
     </a:fmtScheme>
   </a:themeElements>
+  <a:objectDefaults/>
+  <a:extraClrSchemeLst/>
 </a:theme>
 </file>